--- a/documents/基于音频预处理过程的语音识别系统攻击2.6.pptx
+++ b/documents/基于音频预处理过程的语音识别系统攻击2.6.pptx
@@ -5,7 +5,7 @@
     <p:sldMasterId id="2147483648" r:id="rId1"/>
   </p:sldMasterIdLst>
   <p:notesMasterIdLst>
-    <p:notesMasterId r:id="rId61"/>
+    <p:notesMasterId r:id="rId62"/>
   </p:notesMasterIdLst>
   <p:sldIdLst>
     <p:sldId id="337" r:id="rId2"/>
@@ -64,9 +64,10 @@
     <p:sldId id="398" r:id="rId55"/>
     <p:sldId id="399" r:id="rId56"/>
     <p:sldId id="401" r:id="rId57"/>
-    <p:sldId id="402" r:id="rId58"/>
-    <p:sldId id="403" r:id="rId59"/>
-    <p:sldId id="404" r:id="rId60"/>
+    <p:sldId id="405" r:id="rId58"/>
+    <p:sldId id="402" r:id="rId59"/>
+    <p:sldId id="403" r:id="rId60"/>
+    <p:sldId id="404" r:id="rId61"/>
   </p:sldIdLst>
   <p:sldSz cx="12192000" cy="6858000"/>
   <p:notesSz cx="9874250" cy="6797675"/>
@@ -4871,7 +4872,7 @@
     </p:spTree>
     <p:extLst>
       <p:ext uri="{BB962C8B-B14F-4D97-AF65-F5344CB8AC3E}">
-        <p14:creationId xmlns:p14="http://schemas.microsoft.com/office/powerpoint/2010/main" val="2229785936"/>
+        <p14:creationId xmlns:p14="http://schemas.microsoft.com/office/powerpoint/2010/main" val="1406822480"/>
       </p:ext>
     </p:extLst>
   </p:cSld>
@@ -5009,14 +5010,6 @@
           <a:bodyPr/>
           <a:lstStyle/>
           <a:p>
-            <a:r>
-              <a:rPr lang="en-US" altLang="zh-CN" dirty="0" smtClean="0"/>
-              <a:t>1.</a:t>
-            </a:r>
-            <a:r>
-              <a:rPr lang="zh-CN" altLang="en-US" dirty="0" smtClean="0"/>
-              <a:t>正常功能即能识别对无处理语音样本</a:t>
-            </a:r>
             <a:endParaRPr lang="zh-CN" altLang="en-US" dirty="0"/>
           </a:p>
         </p:txBody>
@@ -5047,7 +5040,7 @@
     </p:spTree>
     <p:extLst>
       <p:ext uri="{BB962C8B-B14F-4D97-AF65-F5344CB8AC3E}">
-        <p14:creationId xmlns:p14="http://schemas.microsoft.com/office/powerpoint/2010/main" val="2592232706"/>
+        <p14:creationId xmlns:p14="http://schemas.microsoft.com/office/powerpoint/2010/main" val="2229785936"/>
       </p:ext>
     </p:extLst>
   </p:cSld>
@@ -5131,6 +5124,98 @@
             <a:fld id="{2E13179B-82BD-4567-A6FC-5FF2E5270D1F}" type="slidenum">
               <a:rPr lang="zh-CN" altLang="en-US" smtClean="0"/>
               <a:t>59</a:t>
+            </a:fld>
+            <a:endParaRPr lang="zh-CN" altLang="en-US"/>
+          </a:p>
+        </p:txBody>
+      </p:sp>
+    </p:spTree>
+    <p:extLst>
+      <p:ext uri="{BB962C8B-B14F-4D97-AF65-F5344CB8AC3E}">
+        <p14:creationId xmlns:p14="http://schemas.microsoft.com/office/powerpoint/2010/main" val="2592232706"/>
+      </p:ext>
+    </p:extLst>
+  </p:cSld>
+  <p:clrMapOvr>
+    <a:masterClrMapping/>
+  </p:clrMapOvr>
+</p:notes>
+</file>
+
+<file path=ppt/notesSlides/notesSlide52.xml><?xml version="1.0" encoding="utf-8"?>
+<p:notes xmlns:a="http://schemas.openxmlformats.org/drawingml/2006/main" xmlns:r="http://schemas.openxmlformats.org/officeDocument/2006/relationships" xmlns:p="http://schemas.openxmlformats.org/presentationml/2006/main">
+  <p:cSld>
+    <p:spTree>
+      <p:nvGrpSpPr>
+        <p:cNvPr id="1" name=""/>
+        <p:cNvGrpSpPr/>
+        <p:nvPr/>
+      </p:nvGrpSpPr>
+      <p:grpSpPr>
+        <a:xfrm>
+          <a:off x="0" y="0"/>
+          <a:ext cx="0" cy="0"/>
+          <a:chOff x="0" y="0"/>
+          <a:chExt cx="0" cy="0"/>
+        </a:xfrm>
+      </p:grpSpPr>
+      <p:sp>
+        <p:nvSpPr>
+          <p:cNvPr id="2" name="幻灯片图像占位符 1"/>
+          <p:cNvSpPr>
+            <a:spLocks noGrp="1" noRot="1" noChangeAspect="1"/>
+          </p:cNvSpPr>
+          <p:nvPr>
+            <p:ph type="sldImg"/>
+          </p:nvPr>
+        </p:nvSpPr>
+        <p:spPr/>
+      </p:sp>
+      <p:sp>
+        <p:nvSpPr>
+          <p:cNvPr id="3" name="备注占位符 2"/>
+          <p:cNvSpPr>
+            <a:spLocks noGrp="1"/>
+          </p:cNvSpPr>
+          <p:nvPr>
+            <p:ph type="body" idx="1"/>
+          </p:nvPr>
+        </p:nvSpPr>
+        <p:spPr/>
+        <p:txBody>
+          <a:bodyPr/>
+          <a:lstStyle/>
+          <a:p>
+            <a:r>
+              <a:rPr lang="en-US" altLang="zh-CN" dirty="0" smtClean="0"/>
+              <a:t>1.</a:t>
+            </a:r>
+            <a:r>
+              <a:rPr lang="zh-CN" altLang="en-US" dirty="0" smtClean="0"/>
+              <a:t>正常功能即能识别对无处理语音样本</a:t>
+            </a:r>
+            <a:endParaRPr lang="zh-CN" altLang="en-US" dirty="0"/>
+          </a:p>
+        </p:txBody>
+      </p:sp>
+      <p:sp>
+        <p:nvSpPr>
+          <p:cNvPr id="4" name="灯片编号占位符 3"/>
+          <p:cNvSpPr>
+            <a:spLocks noGrp="1"/>
+          </p:cNvSpPr>
+          <p:nvPr>
+            <p:ph type="sldNum" sz="quarter" idx="10"/>
+          </p:nvPr>
+        </p:nvSpPr>
+        <p:spPr/>
+        <p:txBody>
+          <a:bodyPr/>
+          <a:lstStyle/>
+          <a:p>
+            <a:fld id="{2E13179B-82BD-4567-A6FC-5FF2E5270D1F}" type="slidenum">
+              <a:rPr lang="zh-CN" altLang="en-US" smtClean="0"/>
+              <a:t>60</a:t>
             </a:fld>
             <a:endParaRPr lang="zh-CN" altLang="en-US"/>
           </a:p>
@@ -7778,7 +7863,7 @@
           <p:cNvPr id="5" name="矩形 4">
             <a:extLst>
               <a:ext uri="{FF2B5EF4-FFF2-40B4-BE49-F238E27FC236}">
-                <a16:creationId xmlns:a16="http://schemas.microsoft.com/office/drawing/2014/main" id="{AB1DF3D9-EC08-40CA-853D-48B16F99EE56}"/>
+                <a16:creationId xmlns:a16="http://schemas.microsoft.com/office/drawing/2014/main" xmlns="" id="{AB1DF3D9-EC08-40CA-853D-48B16F99EE56}"/>
               </a:ext>
             </a:extLst>
           </p:cNvPr>
@@ -7954,7 +8039,7 @@
           <p:cNvPr id="8" name="矩形 7">
             <a:extLst>
               <a:ext uri="{FF2B5EF4-FFF2-40B4-BE49-F238E27FC236}">
-                <a16:creationId xmlns:a16="http://schemas.microsoft.com/office/drawing/2014/main" id="{0FDAD747-108F-4A6D-9220-5EA05067FF1E}"/>
+                <a16:creationId xmlns:a16="http://schemas.microsoft.com/office/drawing/2014/main" xmlns="" id="{0FDAD747-108F-4A6D-9220-5EA05067FF1E}"/>
               </a:ext>
             </a:extLst>
           </p:cNvPr>
@@ -8097,7 +8182,7 @@
           <p:cNvPr id="5" name="矩形 4">
             <a:extLst>
               <a:ext uri="{FF2B5EF4-FFF2-40B4-BE49-F238E27FC236}">
-                <a16:creationId xmlns:a16="http://schemas.microsoft.com/office/drawing/2014/main" id="{AB1DF3D9-EC08-40CA-853D-48B16F99EE56}"/>
+                <a16:creationId xmlns:a16="http://schemas.microsoft.com/office/drawing/2014/main" xmlns="" id="{AB1DF3D9-EC08-40CA-853D-48B16F99EE56}"/>
               </a:ext>
             </a:extLst>
           </p:cNvPr>
@@ -8183,7 +8268,7 @@
           <p:cNvPr id="6" name="矩形 5">
             <a:extLst>
               <a:ext uri="{FF2B5EF4-FFF2-40B4-BE49-F238E27FC236}">
-                <a16:creationId xmlns:a16="http://schemas.microsoft.com/office/drawing/2014/main" id="{0FDAD747-108F-4A6D-9220-5EA05067FF1E}"/>
+                <a16:creationId xmlns:a16="http://schemas.microsoft.com/office/drawing/2014/main" xmlns="" id="{0FDAD747-108F-4A6D-9220-5EA05067FF1E}"/>
               </a:ext>
             </a:extLst>
           </p:cNvPr>
@@ -8326,7 +8411,7 @@
           <p:cNvPr id="5" name="矩形 4">
             <a:extLst>
               <a:ext uri="{FF2B5EF4-FFF2-40B4-BE49-F238E27FC236}">
-                <a16:creationId xmlns:a16="http://schemas.microsoft.com/office/drawing/2014/main" id="{AB1DF3D9-EC08-40CA-853D-48B16F99EE56}"/>
+                <a16:creationId xmlns:a16="http://schemas.microsoft.com/office/drawing/2014/main" xmlns="" id="{AB1DF3D9-EC08-40CA-853D-48B16F99EE56}"/>
               </a:ext>
             </a:extLst>
           </p:cNvPr>
@@ -8413,7 +8498,7 @@
           <p:cNvPr id="7" name="矩形 6">
             <a:extLst>
               <a:ext uri="{FF2B5EF4-FFF2-40B4-BE49-F238E27FC236}">
-                <a16:creationId xmlns:a16="http://schemas.microsoft.com/office/drawing/2014/main" id="{0FDAD747-108F-4A6D-9220-5EA05067FF1E}"/>
+                <a16:creationId xmlns:a16="http://schemas.microsoft.com/office/drawing/2014/main" xmlns="" id="{0FDAD747-108F-4A6D-9220-5EA05067FF1E}"/>
               </a:ext>
             </a:extLst>
           </p:cNvPr>
@@ -8526,7 +8611,7 @@
           <p:cNvPr id="9" name="矩形 13" descr="紫色网格">
             <a:extLst>
               <a:ext uri="{FF2B5EF4-FFF2-40B4-BE49-F238E27FC236}">
-                <a16:creationId xmlns:a16="http://schemas.microsoft.com/office/drawing/2014/main" id="{44AEA09D-FD0A-4CA0-883D-93E5EAF762D6}"/>
+                <a16:creationId xmlns:a16="http://schemas.microsoft.com/office/drawing/2014/main" xmlns="" id="{44AEA09D-FD0A-4CA0-883D-93E5EAF762D6}"/>
               </a:ext>
             </a:extLst>
           </p:cNvPr>
@@ -9047,7 +9132,7 @@
           <p:cNvPr id="5" name="矩形 4">
             <a:extLst>
               <a:ext uri="{FF2B5EF4-FFF2-40B4-BE49-F238E27FC236}">
-                <a16:creationId xmlns:a16="http://schemas.microsoft.com/office/drawing/2014/main" id="{AB1DF3D9-EC08-40CA-853D-48B16F99EE56}"/>
+                <a16:creationId xmlns:a16="http://schemas.microsoft.com/office/drawing/2014/main" xmlns="" id="{AB1DF3D9-EC08-40CA-853D-48B16F99EE56}"/>
               </a:ext>
             </a:extLst>
           </p:cNvPr>
@@ -9189,7 +9274,7 @@
           <p:cNvPr id="7" name="矩形 6">
             <a:extLst>
               <a:ext uri="{FF2B5EF4-FFF2-40B4-BE49-F238E27FC236}">
-                <a16:creationId xmlns:a16="http://schemas.microsoft.com/office/drawing/2014/main" id="{0FDAD747-108F-4A6D-9220-5EA05067FF1E}"/>
+                <a16:creationId xmlns:a16="http://schemas.microsoft.com/office/drawing/2014/main" xmlns="" id="{0FDAD747-108F-4A6D-9220-5EA05067FF1E}"/>
               </a:ext>
             </a:extLst>
           </p:cNvPr>
@@ -9332,7 +9417,7 @@
           <p:cNvPr id="5" name="矩形 4">
             <a:extLst>
               <a:ext uri="{FF2B5EF4-FFF2-40B4-BE49-F238E27FC236}">
-                <a16:creationId xmlns:a16="http://schemas.microsoft.com/office/drawing/2014/main" id="{AB1DF3D9-EC08-40CA-853D-48B16F99EE56}"/>
+                <a16:creationId xmlns:a16="http://schemas.microsoft.com/office/drawing/2014/main" xmlns="" id="{AB1DF3D9-EC08-40CA-853D-48B16F99EE56}"/>
               </a:ext>
             </a:extLst>
           </p:cNvPr>
@@ -9520,7 +9605,7 @@
           <p:cNvPr id="9" name="矩形 8">
             <a:extLst>
               <a:ext uri="{FF2B5EF4-FFF2-40B4-BE49-F238E27FC236}">
-                <a16:creationId xmlns:a16="http://schemas.microsoft.com/office/drawing/2014/main" id="{0FDAD747-108F-4A6D-9220-5EA05067FF1E}"/>
+                <a16:creationId xmlns:a16="http://schemas.microsoft.com/office/drawing/2014/main" xmlns="" id="{0FDAD747-108F-4A6D-9220-5EA05067FF1E}"/>
               </a:ext>
             </a:extLst>
           </p:cNvPr>
@@ -9663,7 +9748,7 @@
           <p:cNvPr id="5" name="矩形 4">
             <a:extLst>
               <a:ext uri="{FF2B5EF4-FFF2-40B4-BE49-F238E27FC236}">
-                <a16:creationId xmlns:a16="http://schemas.microsoft.com/office/drawing/2014/main" id="{AB1DF3D9-EC08-40CA-853D-48B16F99EE56}"/>
+                <a16:creationId xmlns:a16="http://schemas.microsoft.com/office/drawing/2014/main" xmlns="" id="{AB1DF3D9-EC08-40CA-853D-48B16F99EE56}"/>
               </a:ext>
             </a:extLst>
           </p:cNvPr>
@@ -9750,7 +9835,7 @@
           <p:cNvPr id="7" name="矩形 6">
             <a:extLst>
               <a:ext uri="{FF2B5EF4-FFF2-40B4-BE49-F238E27FC236}">
-                <a16:creationId xmlns:a16="http://schemas.microsoft.com/office/drawing/2014/main" id="{0FDAD747-108F-4A6D-9220-5EA05067FF1E}"/>
+                <a16:creationId xmlns:a16="http://schemas.microsoft.com/office/drawing/2014/main" xmlns="" id="{0FDAD747-108F-4A6D-9220-5EA05067FF1E}"/>
               </a:ext>
             </a:extLst>
           </p:cNvPr>
@@ -9959,7 +10044,7 @@
           <p:cNvPr id="8" name="矩形 7">
             <a:extLst>
               <a:ext uri="{FF2B5EF4-FFF2-40B4-BE49-F238E27FC236}">
-                <a16:creationId xmlns:a16="http://schemas.microsoft.com/office/drawing/2014/main" id="{0FDAD747-108F-4A6D-9220-5EA05067FF1E}"/>
+                <a16:creationId xmlns:a16="http://schemas.microsoft.com/office/drawing/2014/main" xmlns="" id="{0FDAD747-108F-4A6D-9220-5EA05067FF1E}"/>
               </a:ext>
             </a:extLst>
           </p:cNvPr>
@@ -10072,7 +10157,7 @@
           <p:cNvPr id="10" name="矩形 13" descr="紫色网格">
             <a:extLst>
               <a:ext uri="{FF2B5EF4-FFF2-40B4-BE49-F238E27FC236}">
-                <a16:creationId xmlns:a16="http://schemas.microsoft.com/office/drawing/2014/main" id="{44AEA09D-FD0A-4CA0-883D-93E5EAF762D6}"/>
+                <a16:creationId xmlns:a16="http://schemas.microsoft.com/office/drawing/2014/main" xmlns="" id="{44AEA09D-FD0A-4CA0-883D-93E5EAF762D6}"/>
               </a:ext>
             </a:extLst>
           </p:cNvPr>
@@ -10378,7 +10463,7 @@
           <p:cNvPr id="12" name="矩形 11">
             <a:extLst>
               <a:ext uri="{FF2B5EF4-FFF2-40B4-BE49-F238E27FC236}">
-                <a16:creationId xmlns:a16="http://schemas.microsoft.com/office/drawing/2014/main" id="{0FDAD747-108F-4A6D-9220-5EA05067FF1E}"/>
+                <a16:creationId xmlns:a16="http://schemas.microsoft.com/office/drawing/2014/main" xmlns="" id="{0FDAD747-108F-4A6D-9220-5EA05067FF1E}"/>
               </a:ext>
             </a:extLst>
           </p:cNvPr>
@@ -10472,7 +10557,7 @@
           <p:cNvPr id="9" name="矩形 13" descr="紫色网格">
             <a:extLst>
               <a:ext uri="{FF2B5EF4-FFF2-40B4-BE49-F238E27FC236}">
-                <a16:creationId xmlns:a16="http://schemas.microsoft.com/office/drawing/2014/main" id="{44AEA09D-FD0A-4CA0-883D-93E5EAF762D6}"/>
+                <a16:creationId xmlns:a16="http://schemas.microsoft.com/office/drawing/2014/main" xmlns="" id="{44AEA09D-FD0A-4CA0-883D-93E5EAF762D6}"/>
               </a:ext>
             </a:extLst>
           </p:cNvPr>
@@ -10772,7 +10857,7 @@
           <p:cNvPr id="4" name="矩形 3">
             <a:extLst>
               <a:ext uri="{FF2B5EF4-FFF2-40B4-BE49-F238E27FC236}">
-                <a16:creationId xmlns:a16="http://schemas.microsoft.com/office/drawing/2014/main" id="{0FDAD747-108F-4A6D-9220-5EA05067FF1E}"/>
+                <a16:creationId xmlns:a16="http://schemas.microsoft.com/office/drawing/2014/main" xmlns="" id="{0FDAD747-108F-4A6D-9220-5EA05067FF1E}"/>
               </a:ext>
             </a:extLst>
           </p:cNvPr>
@@ -10863,7 +10948,7 @@
           <p:cNvPr id="7" name="矩形 6">
             <a:extLst>
               <a:ext uri="{FF2B5EF4-FFF2-40B4-BE49-F238E27FC236}">
-                <a16:creationId xmlns:a16="http://schemas.microsoft.com/office/drawing/2014/main" id="{0FDAD747-108F-4A6D-9220-5EA05067FF1E}"/>
+                <a16:creationId xmlns:a16="http://schemas.microsoft.com/office/drawing/2014/main" xmlns="" id="{0FDAD747-108F-4A6D-9220-5EA05067FF1E}"/>
               </a:ext>
             </a:extLst>
           </p:cNvPr>
@@ -10959,7 +11044,7 @@
           <p:cNvPr id="9" name="矩形 13" descr="紫色网格">
             <a:extLst>
               <a:ext uri="{FF2B5EF4-FFF2-40B4-BE49-F238E27FC236}">
-                <a16:creationId xmlns:a16="http://schemas.microsoft.com/office/drawing/2014/main" id="{44AEA09D-FD0A-4CA0-883D-93E5EAF762D6}"/>
+                <a16:creationId xmlns:a16="http://schemas.microsoft.com/office/drawing/2014/main" xmlns="" id="{44AEA09D-FD0A-4CA0-883D-93E5EAF762D6}"/>
               </a:ext>
             </a:extLst>
           </p:cNvPr>
@@ -11259,7 +11344,7 @@
           <p:cNvPr id="12" name="矩形 11">
             <a:extLst>
               <a:ext uri="{FF2B5EF4-FFF2-40B4-BE49-F238E27FC236}">
-                <a16:creationId xmlns:a16="http://schemas.microsoft.com/office/drawing/2014/main" id="{0FDAD747-108F-4A6D-9220-5EA05067FF1E}"/>
+                <a16:creationId xmlns:a16="http://schemas.microsoft.com/office/drawing/2014/main" xmlns="" id="{0FDAD747-108F-4A6D-9220-5EA05067FF1E}"/>
               </a:ext>
             </a:extLst>
           </p:cNvPr>
@@ -11353,7 +11438,7 @@
           <p:cNvPr id="6" name="矩形 13" descr="紫色网格">
             <a:extLst>
               <a:ext uri="{FF2B5EF4-FFF2-40B4-BE49-F238E27FC236}">
-                <a16:creationId xmlns:a16="http://schemas.microsoft.com/office/drawing/2014/main" id="{44AEA09D-FD0A-4CA0-883D-93E5EAF762D6}"/>
+                <a16:creationId xmlns:a16="http://schemas.microsoft.com/office/drawing/2014/main" xmlns="" id="{44AEA09D-FD0A-4CA0-883D-93E5EAF762D6}"/>
               </a:ext>
             </a:extLst>
           </p:cNvPr>
@@ -11685,7 +11770,7 @@
           <p:cNvPr id="52" name="矩形 51">
             <a:extLst>
               <a:ext uri="{FF2B5EF4-FFF2-40B4-BE49-F238E27FC236}">
-                <a16:creationId xmlns:a16="http://schemas.microsoft.com/office/drawing/2014/main" id="{C2B44424-4CFE-4BA2-9FCF-F0A911E8A749}"/>
+                <a16:creationId xmlns:a16="http://schemas.microsoft.com/office/drawing/2014/main" xmlns="" id="{C2B44424-4CFE-4BA2-9FCF-F0A911E8A749}"/>
               </a:ext>
             </a:extLst>
           </p:cNvPr>
@@ -11839,7 +11924,7 @@
           <p:cNvPr id="55" name="直接箭头连接符 54">
             <a:extLst>
               <a:ext uri="{FF2B5EF4-FFF2-40B4-BE49-F238E27FC236}">
-                <a16:creationId xmlns:a16="http://schemas.microsoft.com/office/drawing/2014/main" id="{EDD84E7C-3200-40E5-A3C0-E57D7F9E754E}"/>
+                <a16:creationId xmlns:a16="http://schemas.microsoft.com/office/drawing/2014/main" xmlns="" id="{EDD84E7C-3200-40E5-A3C0-E57D7F9E754E}"/>
               </a:ext>
             </a:extLst>
           </p:cNvPr>
@@ -11872,7 +11957,7 @@
           <p:cNvPr id="59" name="矩形 58">
             <a:extLst>
               <a:ext uri="{FF2B5EF4-FFF2-40B4-BE49-F238E27FC236}">
-                <a16:creationId xmlns:a16="http://schemas.microsoft.com/office/drawing/2014/main" id="{0FDAD747-108F-4A6D-9220-5EA05067FF1E}"/>
+                <a16:creationId xmlns:a16="http://schemas.microsoft.com/office/drawing/2014/main" xmlns="" id="{0FDAD747-108F-4A6D-9220-5EA05067FF1E}"/>
               </a:ext>
             </a:extLst>
           </p:cNvPr>
@@ -11919,7 +12004,7 @@
           <p:cNvPr id="60" name="矩形 59">
             <a:extLst>
               <a:ext uri="{FF2B5EF4-FFF2-40B4-BE49-F238E27FC236}">
-                <a16:creationId xmlns:a16="http://schemas.microsoft.com/office/drawing/2014/main" id="{5CEC9FB1-9CBF-4B7B-A321-DF404030F08B}"/>
+                <a16:creationId xmlns:a16="http://schemas.microsoft.com/office/drawing/2014/main" xmlns="" id="{5CEC9FB1-9CBF-4B7B-A321-DF404030F08B}"/>
               </a:ext>
             </a:extLst>
           </p:cNvPr>
@@ -12005,7 +12090,7 @@
           <p:cNvPr id="63" name="直接箭头连接符 62">
             <a:extLst>
               <a:ext uri="{FF2B5EF4-FFF2-40B4-BE49-F238E27FC236}">
-                <a16:creationId xmlns:a16="http://schemas.microsoft.com/office/drawing/2014/main" id="{5A7FC920-9D22-4290-B80F-F4BDC1DE109A}"/>
+                <a16:creationId xmlns:a16="http://schemas.microsoft.com/office/drawing/2014/main" xmlns="" id="{5A7FC920-9D22-4290-B80F-F4BDC1DE109A}"/>
               </a:ext>
             </a:extLst>
           </p:cNvPr>
@@ -12038,7 +12123,7 @@
           <p:cNvPr id="64" name="矩形 63">
             <a:extLst>
               <a:ext uri="{FF2B5EF4-FFF2-40B4-BE49-F238E27FC236}">
-                <a16:creationId xmlns:a16="http://schemas.microsoft.com/office/drawing/2014/main" id="{45B27A13-37E3-4777-9299-E75CAF1F6F9A}"/>
+                <a16:creationId xmlns:a16="http://schemas.microsoft.com/office/drawing/2014/main" xmlns="" id="{45B27A13-37E3-4777-9299-E75CAF1F6F9A}"/>
               </a:ext>
             </a:extLst>
           </p:cNvPr>
@@ -12086,7 +12171,7 @@
           <p:cNvPr id="65" name="图片 64">
             <a:extLst>
               <a:ext uri="{FF2B5EF4-FFF2-40B4-BE49-F238E27FC236}">
-                <a16:creationId xmlns:a16="http://schemas.microsoft.com/office/drawing/2014/main" id="{36569B5B-566F-4C60-9D63-318931B70CA2}"/>
+                <a16:creationId xmlns:a16="http://schemas.microsoft.com/office/drawing/2014/main" xmlns="" id="{36569B5B-566F-4C60-9D63-318931B70CA2}"/>
               </a:ext>
             </a:extLst>
           </p:cNvPr>
@@ -12122,7 +12207,7 @@
           <p:cNvPr id="66" name="矩形 65">
             <a:extLst>
               <a:ext uri="{FF2B5EF4-FFF2-40B4-BE49-F238E27FC236}">
-                <a16:creationId xmlns:a16="http://schemas.microsoft.com/office/drawing/2014/main" id="{2A55BA5B-CE30-435B-95FB-B00B8161E590}"/>
+                <a16:creationId xmlns:a16="http://schemas.microsoft.com/office/drawing/2014/main" xmlns="" id="{2A55BA5B-CE30-435B-95FB-B00B8161E590}"/>
               </a:ext>
             </a:extLst>
           </p:cNvPr>
@@ -12180,7 +12265,7 @@
           <p:cNvPr id="67" name="矩形 66">
             <a:extLst>
               <a:ext uri="{FF2B5EF4-FFF2-40B4-BE49-F238E27FC236}">
-                <a16:creationId xmlns:a16="http://schemas.microsoft.com/office/drawing/2014/main" id="{C2B44424-4CFE-4BA2-9FCF-F0A911E8A749}"/>
+                <a16:creationId xmlns:a16="http://schemas.microsoft.com/office/drawing/2014/main" xmlns="" id="{C2B44424-4CFE-4BA2-9FCF-F0A911E8A749}"/>
               </a:ext>
             </a:extLst>
           </p:cNvPr>
@@ -12291,7 +12376,7 @@
           <p:cNvPr id="72" name="矩形 13" descr="紫色网格">
             <a:extLst>
               <a:ext uri="{FF2B5EF4-FFF2-40B4-BE49-F238E27FC236}">
-                <a16:creationId xmlns:a16="http://schemas.microsoft.com/office/drawing/2014/main" id="{44AEA09D-FD0A-4CA0-883D-93E5EAF762D6}"/>
+                <a16:creationId xmlns:a16="http://schemas.microsoft.com/office/drawing/2014/main" xmlns="" id="{44AEA09D-FD0A-4CA0-883D-93E5EAF762D6}"/>
               </a:ext>
             </a:extLst>
           </p:cNvPr>
@@ -12558,7 +12643,7 @@
           <p:cNvPr id="73" name="矩形 72">
             <a:extLst>
               <a:ext uri="{FF2B5EF4-FFF2-40B4-BE49-F238E27FC236}">
-                <a16:creationId xmlns:a16="http://schemas.microsoft.com/office/drawing/2014/main" id="{0FDAD747-108F-4A6D-9220-5EA05067FF1E}"/>
+                <a16:creationId xmlns:a16="http://schemas.microsoft.com/office/drawing/2014/main" xmlns="" id="{0FDAD747-108F-4A6D-9220-5EA05067FF1E}"/>
               </a:ext>
             </a:extLst>
           </p:cNvPr>
@@ -12605,7 +12690,7 @@
           <p:cNvPr id="76" name="矩形 75">
             <a:extLst>
               <a:ext uri="{FF2B5EF4-FFF2-40B4-BE49-F238E27FC236}">
-                <a16:creationId xmlns:a16="http://schemas.microsoft.com/office/drawing/2014/main" id="{5CEC9FB1-9CBF-4B7B-A321-DF404030F08B}"/>
+                <a16:creationId xmlns:a16="http://schemas.microsoft.com/office/drawing/2014/main" xmlns="" id="{5CEC9FB1-9CBF-4B7B-A321-DF404030F08B}"/>
               </a:ext>
             </a:extLst>
           </p:cNvPr>
@@ -12691,7 +12776,7 @@
           <p:cNvPr id="77" name="矩形 76">
             <a:extLst>
               <a:ext uri="{FF2B5EF4-FFF2-40B4-BE49-F238E27FC236}">
-                <a16:creationId xmlns:a16="http://schemas.microsoft.com/office/drawing/2014/main" id="{5CEC9FB1-9CBF-4B7B-A321-DF404030F08B}"/>
+                <a16:creationId xmlns:a16="http://schemas.microsoft.com/office/drawing/2014/main" xmlns="" id="{5CEC9FB1-9CBF-4B7B-A321-DF404030F08B}"/>
               </a:ext>
             </a:extLst>
           </p:cNvPr>
@@ -12819,7 +12904,7 @@
           <p:cNvPr id="82" name="直接箭头连接符 81">
             <a:extLst>
               <a:ext uri="{FF2B5EF4-FFF2-40B4-BE49-F238E27FC236}">
-                <a16:creationId xmlns:a16="http://schemas.microsoft.com/office/drawing/2014/main" id="{EDD84E7C-3200-40E5-A3C0-E57D7F9E754E}"/>
+                <a16:creationId xmlns:a16="http://schemas.microsoft.com/office/drawing/2014/main" xmlns="" id="{EDD84E7C-3200-40E5-A3C0-E57D7F9E754E}"/>
               </a:ext>
             </a:extLst>
           </p:cNvPr>
@@ -12852,7 +12937,7 @@
           <p:cNvPr id="85" name="直接箭头连接符 84">
             <a:extLst>
               <a:ext uri="{FF2B5EF4-FFF2-40B4-BE49-F238E27FC236}">
-                <a16:creationId xmlns:a16="http://schemas.microsoft.com/office/drawing/2014/main" id="{EDD84E7C-3200-40E5-A3C0-E57D7F9E754E}"/>
+                <a16:creationId xmlns:a16="http://schemas.microsoft.com/office/drawing/2014/main" xmlns="" id="{EDD84E7C-3200-40E5-A3C0-E57D7F9E754E}"/>
               </a:ext>
             </a:extLst>
           </p:cNvPr>
@@ -13008,7 +13093,7 @@
           <p:cNvPr id="12" name="矩形 11">
             <a:extLst>
               <a:ext uri="{FF2B5EF4-FFF2-40B4-BE49-F238E27FC236}">
-                <a16:creationId xmlns:a16="http://schemas.microsoft.com/office/drawing/2014/main" id="{0FDAD747-108F-4A6D-9220-5EA05067FF1E}"/>
+                <a16:creationId xmlns:a16="http://schemas.microsoft.com/office/drawing/2014/main" xmlns="" id="{0FDAD747-108F-4A6D-9220-5EA05067FF1E}"/>
               </a:ext>
             </a:extLst>
           </p:cNvPr>
@@ -13055,7 +13140,7 @@
           <p:cNvPr id="4" name="矩形 3">
             <a:extLst>
               <a:ext uri="{FF2B5EF4-FFF2-40B4-BE49-F238E27FC236}">
-                <a16:creationId xmlns:a16="http://schemas.microsoft.com/office/drawing/2014/main" id="{0FDAD747-108F-4A6D-9220-5EA05067FF1E}"/>
+                <a16:creationId xmlns:a16="http://schemas.microsoft.com/office/drawing/2014/main" xmlns="" id="{0FDAD747-108F-4A6D-9220-5EA05067FF1E}"/>
               </a:ext>
             </a:extLst>
           </p:cNvPr>
@@ -13313,7 +13398,7 @@
           <p:cNvPr id="12" name="矩形 11">
             <a:extLst>
               <a:ext uri="{FF2B5EF4-FFF2-40B4-BE49-F238E27FC236}">
-                <a16:creationId xmlns:a16="http://schemas.microsoft.com/office/drawing/2014/main" id="{0FDAD747-108F-4A6D-9220-5EA05067FF1E}"/>
+                <a16:creationId xmlns:a16="http://schemas.microsoft.com/office/drawing/2014/main" xmlns="" id="{0FDAD747-108F-4A6D-9220-5EA05067FF1E}"/>
               </a:ext>
             </a:extLst>
           </p:cNvPr>
@@ -13363,7 +13448,7 @@
           <p:cNvPr id="4" name="矩形 3">
             <a:extLst>
               <a:ext uri="{FF2B5EF4-FFF2-40B4-BE49-F238E27FC236}">
-                <a16:creationId xmlns:a16="http://schemas.microsoft.com/office/drawing/2014/main" id="{0FDAD747-108F-4A6D-9220-5EA05067FF1E}"/>
+                <a16:creationId xmlns:a16="http://schemas.microsoft.com/office/drawing/2014/main" xmlns="" id="{0FDAD747-108F-4A6D-9220-5EA05067FF1E}"/>
               </a:ext>
             </a:extLst>
           </p:cNvPr>
@@ -13916,7 +14001,7 @@
           <p:cNvPr id="7" name="矩形 13" descr="紫色网格">
             <a:extLst>
               <a:ext uri="{FF2B5EF4-FFF2-40B4-BE49-F238E27FC236}">
-                <a16:creationId xmlns:a16="http://schemas.microsoft.com/office/drawing/2014/main" id="{44AEA09D-FD0A-4CA0-883D-93E5EAF762D6}"/>
+                <a16:creationId xmlns:a16="http://schemas.microsoft.com/office/drawing/2014/main" xmlns="" id="{44AEA09D-FD0A-4CA0-883D-93E5EAF762D6}"/>
               </a:ext>
             </a:extLst>
           </p:cNvPr>
@@ -14226,7 +14311,7 @@
           <p:cNvPr id="12" name="矩形 11">
             <a:extLst>
               <a:ext uri="{FF2B5EF4-FFF2-40B4-BE49-F238E27FC236}">
-                <a16:creationId xmlns:a16="http://schemas.microsoft.com/office/drawing/2014/main" id="{0FDAD747-108F-4A6D-9220-5EA05067FF1E}"/>
+                <a16:creationId xmlns:a16="http://schemas.microsoft.com/office/drawing/2014/main" xmlns="" id="{0FDAD747-108F-4A6D-9220-5EA05067FF1E}"/>
               </a:ext>
             </a:extLst>
           </p:cNvPr>
@@ -14283,7 +14368,7 @@
           <p:cNvPr id="4" name="矩形 3">
             <a:extLst>
               <a:ext uri="{FF2B5EF4-FFF2-40B4-BE49-F238E27FC236}">
-                <a16:creationId xmlns:a16="http://schemas.microsoft.com/office/drawing/2014/main" id="{0FDAD747-108F-4A6D-9220-5EA05067FF1E}"/>
+                <a16:creationId xmlns:a16="http://schemas.microsoft.com/office/drawing/2014/main" xmlns="" id="{0FDAD747-108F-4A6D-9220-5EA05067FF1E}"/>
               </a:ext>
             </a:extLst>
           </p:cNvPr>
@@ -14660,7 +14745,7 @@
           <p:cNvPr id="12" name="矩形 11">
             <a:extLst>
               <a:ext uri="{FF2B5EF4-FFF2-40B4-BE49-F238E27FC236}">
-                <a16:creationId xmlns:a16="http://schemas.microsoft.com/office/drawing/2014/main" id="{0FDAD747-108F-4A6D-9220-5EA05067FF1E}"/>
+                <a16:creationId xmlns:a16="http://schemas.microsoft.com/office/drawing/2014/main" xmlns="" id="{0FDAD747-108F-4A6D-9220-5EA05067FF1E}"/>
               </a:ext>
             </a:extLst>
           </p:cNvPr>
@@ -14707,7 +14792,7 @@
           <p:cNvPr id="4" name="矩形 3">
             <a:extLst>
               <a:ext uri="{FF2B5EF4-FFF2-40B4-BE49-F238E27FC236}">
-                <a16:creationId xmlns:a16="http://schemas.microsoft.com/office/drawing/2014/main" id="{0FDAD747-108F-4A6D-9220-5EA05067FF1E}"/>
+                <a16:creationId xmlns:a16="http://schemas.microsoft.com/office/drawing/2014/main" xmlns="" id="{0FDAD747-108F-4A6D-9220-5EA05067FF1E}"/>
               </a:ext>
             </a:extLst>
           </p:cNvPr>
@@ -15036,7 +15121,7 @@
           <p:cNvPr id="12" name="矩形 11">
             <a:extLst>
               <a:ext uri="{FF2B5EF4-FFF2-40B4-BE49-F238E27FC236}">
-                <a16:creationId xmlns:a16="http://schemas.microsoft.com/office/drawing/2014/main" id="{0FDAD747-108F-4A6D-9220-5EA05067FF1E}"/>
+                <a16:creationId xmlns:a16="http://schemas.microsoft.com/office/drawing/2014/main" xmlns="" id="{0FDAD747-108F-4A6D-9220-5EA05067FF1E}"/>
               </a:ext>
             </a:extLst>
           </p:cNvPr>
@@ -15096,7 +15181,7 @@
           <p:cNvPr id="4" name="矩形 3">
             <a:extLst>
               <a:ext uri="{FF2B5EF4-FFF2-40B4-BE49-F238E27FC236}">
-                <a16:creationId xmlns:a16="http://schemas.microsoft.com/office/drawing/2014/main" id="{0FDAD747-108F-4A6D-9220-5EA05067FF1E}"/>
+                <a16:creationId xmlns:a16="http://schemas.microsoft.com/office/drawing/2014/main" xmlns="" id="{0FDAD747-108F-4A6D-9220-5EA05067FF1E}"/>
               </a:ext>
             </a:extLst>
           </p:cNvPr>
@@ -15615,7 +15700,7 @@
           <p:cNvPr id="12" name="矩形 11">
             <a:extLst>
               <a:ext uri="{FF2B5EF4-FFF2-40B4-BE49-F238E27FC236}">
-                <a16:creationId xmlns:a16="http://schemas.microsoft.com/office/drawing/2014/main" id="{0FDAD747-108F-4A6D-9220-5EA05067FF1E}"/>
+                <a16:creationId xmlns:a16="http://schemas.microsoft.com/office/drawing/2014/main" xmlns="" id="{0FDAD747-108F-4A6D-9220-5EA05067FF1E}"/>
               </a:ext>
             </a:extLst>
           </p:cNvPr>
@@ -15682,7 +15767,7 @@
           <p:cNvPr id="4" name="矩形 3">
             <a:extLst>
               <a:ext uri="{FF2B5EF4-FFF2-40B4-BE49-F238E27FC236}">
-                <a16:creationId xmlns:a16="http://schemas.microsoft.com/office/drawing/2014/main" id="{0FDAD747-108F-4A6D-9220-5EA05067FF1E}"/>
+                <a16:creationId xmlns:a16="http://schemas.microsoft.com/office/drawing/2014/main" xmlns="" id="{0FDAD747-108F-4A6D-9220-5EA05067FF1E}"/>
               </a:ext>
             </a:extLst>
           </p:cNvPr>
@@ -16012,7 +16097,7 @@
           <p:cNvPr id="12" name="矩形 11">
             <a:extLst>
               <a:ext uri="{FF2B5EF4-FFF2-40B4-BE49-F238E27FC236}">
-                <a16:creationId xmlns:a16="http://schemas.microsoft.com/office/drawing/2014/main" id="{0FDAD747-108F-4A6D-9220-5EA05067FF1E}"/>
+                <a16:creationId xmlns:a16="http://schemas.microsoft.com/office/drawing/2014/main" xmlns="" id="{0FDAD747-108F-4A6D-9220-5EA05067FF1E}"/>
               </a:ext>
             </a:extLst>
           </p:cNvPr>
@@ -16059,7 +16144,7 @@
           <p:cNvPr id="4" name="矩形 3">
             <a:extLst>
               <a:ext uri="{FF2B5EF4-FFF2-40B4-BE49-F238E27FC236}">
-                <a16:creationId xmlns:a16="http://schemas.microsoft.com/office/drawing/2014/main" id="{0FDAD747-108F-4A6D-9220-5EA05067FF1E}"/>
+                <a16:creationId xmlns:a16="http://schemas.microsoft.com/office/drawing/2014/main" xmlns="" id="{0FDAD747-108F-4A6D-9220-5EA05067FF1E}"/>
               </a:ext>
             </a:extLst>
           </p:cNvPr>
@@ -16162,7 +16247,7 @@
           <p:cNvPr id="12" name="矩形 11">
             <a:extLst>
               <a:ext uri="{FF2B5EF4-FFF2-40B4-BE49-F238E27FC236}">
-                <a16:creationId xmlns:a16="http://schemas.microsoft.com/office/drawing/2014/main" id="{0FDAD747-108F-4A6D-9220-5EA05067FF1E}"/>
+                <a16:creationId xmlns:a16="http://schemas.microsoft.com/office/drawing/2014/main" xmlns="" id="{0FDAD747-108F-4A6D-9220-5EA05067FF1E}"/>
               </a:ext>
             </a:extLst>
           </p:cNvPr>
@@ -16270,7 +16355,7 @@
           <p:cNvPr id="12" name="矩形 11">
             <a:extLst>
               <a:ext uri="{FF2B5EF4-FFF2-40B4-BE49-F238E27FC236}">
-                <a16:creationId xmlns:a16="http://schemas.microsoft.com/office/drawing/2014/main" id="{0FDAD747-108F-4A6D-9220-5EA05067FF1E}"/>
+                <a16:creationId xmlns:a16="http://schemas.microsoft.com/office/drawing/2014/main" xmlns="" id="{0FDAD747-108F-4A6D-9220-5EA05067FF1E}"/>
               </a:ext>
             </a:extLst>
           </p:cNvPr>
@@ -16317,7 +16402,7 @@
           <p:cNvPr id="4" name="矩形 3">
             <a:extLst>
               <a:ext uri="{FF2B5EF4-FFF2-40B4-BE49-F238E27FC236}">
-                <a16:creationId xmlns:a16="http://schemas.microsoft.com/office/drawing/2014/main" id="{0FDAD747-108F-4A6D-9220-5EA05067FF1E}"/>
+                <a16:creationId xmlns:a16="http://schemas.microsoft.com/office/drawing/2014/main" xmlns="" id="{0FDAD747-108F-4A6D-9220-5EA05067FF1E}"/>
               </a:ext>
             </a:extLst>
           </p:cNvPr>
@@ -16461,7 +16546,7 @@
           <p:cNvPr id="5" name="矩形 13" descr="紫色网格">
             <a:extLst>
               <a:ext uri="{FF2B5EF4-FFF2-40B4-BE49-F238E27FC236}">
-                <a16:creationId xmlns:a16="http://schemas.microsoft.com/office/drawing/2014/main" id="{44AEA09D-FD0A-4CA0-883D-93E5EAF762D6}"/>
+                <a16:creationId xmlns:a16="http://schemas.microsoft.com/office/drawing/2014/main" xmlns="" id="{44AEA09D-FD0A-4CA0-883D-93E5EAF762D6}"/>
               </a:ext>
             </a:extLst>
           </p:cNvPr>
@@ -16781,7 +16866,7 @@
           <p:cNvPr id="52" name="矩形 51">
             <a:extLst>
               <a:ext uri="{FF2B5EF4-FFF2-40B4-BE49-F238E27FC236}">
-                <a16:creationId xmlns:a16="http://schemas.microsoft.com/office/drawing/2014/main" id="{C2B44424-4CFE-4BA2-9FCF-F0A911E8A749}"/>
+                <a16:creationId xmlns:a16="http://schemas.microsoft.com/office/drawing/2014/main" xmlns="" id="{C2B44424-4CFE-4BA2-9FCF-F0A911E8A749}"/>
               </a:ext>
             </a:extLst>
           </p:cNvPr>
@@ -16935,7 +17020,7 @@
           <p:cNvPr id="55" name="直接箭头连接符 54">
             <a:extLst>
               <a:ext uri="{FF2B5EF4-FFF2-40B4-BE49-F238E27FC236}">
-                <a16:creationId xmlns:a16="http://schemas.microsoft.com/office/drawing/2014/main" id="{EDD84E7C-3200-40E5-A3C0-E57D7F9E754E}"/>
+                <a16:creationId xmlns:a16="http://schemas.microsoft.com/office/drawing/2014/main" xmlns="" id="{EDD84E7C-3200-40E5-A3C0-E57D7F9E754E}"/>
               </a:ext>
             </a:extLst>
           </p:cNvPr>
@@ -16968,7 +17053,7 @@
           <p:cNvPr id="59" name="矩形 58">
             <a:extLst>
               <a:ext uri="{FF2B5EF4-FFF2-40B4-BE49-F238E27FC236}">
-                <a16:creationId xmlns:a16="http://schemas.microsoft.com/office/drawing/2014/main" id="{0FDAD747-108F-4A6D-9220-5EA05067FF1E}"/>
+                <a16:creationId xmlns:a16="http://schemas.microsoft.com/office/drawing/2014/main" xmlns="" id="{0FDAD747-108F-4A6D-9220-5EA05067FF1E}"/>
               </a:ext>
             </a:extLst>
           </p:cNvPr>
@@ -17035,7 +17120,7 @@
           <p:cNvPr id="63" name="直接箭头连接符 62">
             <a:extLst>
               <a:ext uri="{FF2B5EF4-FFF2-40B4-BE49-F238E27FC236}">
-                <a16:creationId xmlns:a16="http://schemas.microsoft.com/office/drawing/2014/main" id="{5A7FC920-9D22-4290-B80F-F4BDC1DE109A}"/>
+                <a16:creationId xmlns:a16="http://schemas.microsoft.com/office/drawing/2014/main" xmlns="" id="{5A7FC920-9D22-4290-B80F-F4BDC1DE109A}"/>
               </a:ext>
             </a:extLst>
           </p:cNvPr>
@@ -17068,7 +17153,7 @@
           <p:cNvPr id="64" name="矩形 63">
             <a:extLst>
               <a:ext uri="{FF2B5EF4-FFF2-40B4-BE49-F238E27FC236}">
-                <a16:creationId xmlns:a16="http://schemas.microsoft.com/office/drawing/2014/main" id="{45B27A13-37E3-4777-9299-E75CAF1F6F9A}"/>
+                <a16:creationId xmlns:a16="http://schemas.microsoft.com/office/drawing/2014/main" xmlns="" id="{45B27A13-37E3-4777-9299-E75CAF1F6F9A}"/>
               </a:ext>
             </a:extLst>
           </p:cNvPr>
@@ -17116,7 +17201,7 @@
           <p:cNvPr id="65" name="图片 64">
             <a:extLst>
               <a:ext uri="{FF2B5EF4-FFF2-40B4-BE49-F238E27FC236}">
-                <a16:creationId xmlns:a16="http://schemas.microsoft.com/office/drawing/2014/main" id="{36569B5B-566F-4C60-9D63-318931B70CA2}"/>
+                <a16:creationId xmlns:a16="http://schemas.microsoft.com/office/drawing/2014/main" xmlns="" id="{36569B5B-566F-4C60-9D63-318931B70CA2}"/>
               </a:ext>
             </a:extLst>
           </p:cNvPr>
@@ -17152,7 +17237,7 @@
           <p:cNvPr id="66" name="矩形 65">
             <a:extLst>
               <a:ext uri="{FF2B5EF4-FFF2-40B4-BE49-F238E27FC236}">
-                <a16:creationId xmlns:a16="http://schemas.microsoft.com/office/drawing/2014/main" id="{2A55BA5B-CE30-435B-95FB-B00B8161E590}"/>
+                <a16:creationId xmlns:a16="http://schemas.microsoft.com/office/drawing/2014/main" xmlns="" id="{2A55BA5B-CE30-435B-95FB-B00B8161E590}"/>
               </a:ext>
             </a:extLst>
           </p:cNvPr>
@@ -17220,7 +17305,7 @@
           <p:cNvPr id="67" name="矩形 66">
             <a:extLst>
               <a:ext uri="{FF2B5EF4-FFF2-40B4-BE49-F238E27FC236}">
-                <a16:creationId xmlns:a16="http://schemas.microsoft.com/office/drawing/2014/main" id="{C2B44424-4CFE-4BA2-9FCF-F0A911E8A749}"/>
+                <a16:creationId xmlns:a16="http://schemas.microsoft.com/office/drawing/2014/main" xmlns="" id="{C2B44424-4CFE-4BA2-9FCF-F0A911E8A749}"/>
               </a:ext>
             </a:extLst>
           </p:cNvPr>
@@ -17298,7 +17383,7 @@
           <p:cNvPr id="73" name="矩形 72">
             <a:extLst>
               <a:ext uri="{FF2B5EF4-FFF2-40B4-BE49-F238E27FC236}">
-                <a16:creationId xmlns:a16="http://schemas.microsoft.com/office/drawing/2014/main" id="{0FDAD747-108F-4A6D-9220-5EA05067FF1E}"/>
+                <a16:creationId xmlns:a16="http://schemas.microsoft.com/office/drawing/2014/main" xmlns="" id="{0FDAD747-108F-4A6D-9220-5EA05067FF1E}"/>
               </a:ext>
             </a:extLst>
           </p:cNvPr>
@@ -17345,7 +17430,7 @@
           <p:cNvPr id="15" name="图片 14">
             <a:extLst>
               <a:ext uri="{FF2B5EF4-FFF2-40B4-BE49-F238E27FC236}">
-                <a16:creationId xmlns:a16="http://schemas.microsoft.com/office/drawing/2014/main" id="{36569B5B-566F-4C60-9D63-318931B70CA2}"/>
+                <a16:creationId xmlns:a16="http://schemas.microsoft.com/office/drawing/2014/main" xmlns="" id="{36569B5B-566F-4C60-9D63-318931B70CA2}"/>
               </a:ext>
             </a:extLst>
           </p:cNvPr>
@@ -17388,7 +17473,7 @@
           <p:cNvPr id="16" name="矩形 13" descr="紫色网格">
             <a:extLst>
               <a:ext uri="{FF2B5EF4-FFF2-40B4-BE49-F238E27FC236}">
-                <a16:creationId xmlns:a16="http://schemas.microsoft.com/office/drawing/2014/main" id="{44AEA09D-FD0A-4CA0-883D-93E5EAF762D6}"/>
+                <a16:creationId xmlns:a16="http://schemas.microsoft.com/office/drawing/2014/main" xmlns="" id="{44AEA09D-FD0A-4CA0-883D-93E5EAF762D6}"/>
               </a:ext>
             </a:extLst>
           </p:cNvPr>
@@ -17794,7 +17879,7 @@
           <p:cNvPr id="12" name="矩形 11">
             <a:extLst>
               <a:ext uri="{FF2B5EF4-FFF2-40B4-BE49-F238E27FC236}">
-                <a16:creationId xmlns:a16="http://schemas.microsoft.com/office/drawing/2014/main" id="{0FDAD747-108F-4A6D-9220-5EA05067FF1E}"/>
+                <a16:creationId xmlns:a16="http://schemas.microsoft.com/office/drawing/2014/main" xmlns="" id="{0FDAD747-108F-4A6D-9220-5EA05067FF1E}"/>
               </a:ext>
             </a:extLst>
           </p:cNvPr>
@@ -17841,7 +17926,7 @@
           <p:cNvPr id="4" name="矩形 3">
             <a:extLst>
               <a:ext uri="{FF2B5EF4-FFF2-40B4-BE49-F238E27FC236}">
-                <a16:creationId xmlns:a16="http://schemas.microsoft.com/office/drawing/2014/main" id="{0FDAD747-108F-4A6D-9220-5EA05067FF1E}"/>
+                <a16:creationId xmlns:a16="http://schemas.microsoft.com/office/drawing/2014/main" xmlns="" id="{0FDAD747-108F-4A6D-9220-5EA05067FF1E}"/>
               </a:ext>
             </a:extLst>
           </p:cNvPr>
@@ -18040,7 +18125,7 @@
           <p:cNvPr id="5" name="矩形 4">
             <a:extLst>
               <a:ext uri="{FF2B5EF4-FFF2-40B4-BE49-F238E27FC236}">
-                <a16:creationId xmlns:a16="http://schemas.microsoft.com/office/drawing/2014/main" id="{AB1DF3D9-EC08-40CA-853D-48B16F99EE56}"/>
+                <a16:creationId xmlns:a16="http://schemas.microsoft.com/office/drawing/2014/main" xmlns="" id="{AB1DF3D9-EC08-40CA-853D-48B16F99EE56}"/>
               </a:ext>
             </a:extLst>
           </p:cNvPr>
@@ -18155,7 +18240,7 @@
           <p:cNvPr id="12" name="矩形 11">
             <a:extLst>
               <a:ext uri="{FF2B5EF4-FFF2-40B4-BE49-F238E27FC236}">
-                <a16:creationId xmlns:a16="http://schemas.microsoft.com/office/drawing/2014/main" id="{0FDAD747-108F-4A6D-9220-5EA05067FF1E}"/>
+                <a16:creationId xmlns:a16="http://schemas.microsoft.com/office/drawing/2014/main" xmlns="" id="{0FDAD747-108F-4A6D-9220-5EA05067FF1E}"/>
               </a:ext>
             </a:extLst>
           </p:cNvPr>
@@ -18202,7 +18287,7 @@
           <p:cNvPr id="6" name="矩形 5">
             <a:extLst>
               <a:ext uri="{FF2B5EF4-FFF2-40B4-BE49-F238E27FC236}">
-                <a16:creationId xmlns:a16="http://schemas.microsoft.com/office/drawing/2014/main" id="{0FDAD747-108F-4A6D-9220-5EA05067FF1E}"/>
+                <a16:creationId xmlns:a16="http://schemas.microsoft.com/office/drawing/2014/main" xmlns="" id="{0FDAD747-108F-4A6D-9220-5EA05067FF1E}"/>
               </a:ext>
             </a:extLst>
           </p:cNvPr>
@@ -18378,7 +18463,7 @@
           <p:cNvPr id="12" name="矩形 11">
             <a:extLst>
               <a:ext uri="{FF2B5EF4-FFF2-40B4-BE49-F238E27FC236}">
-                <a16:creationId xmlns:a16="http://schemas.microsoft.com/office/drawing/2014/main" id="{0FDAD747-108F-4A6D-9220-5EA05067FF1E}"/>
+                <a16:creationId xmlns:a16="http://schemas.microsoft.com/office/drawing/2014/main" xmlns="" id="{0FDAD747-108F-4A6D-9220-5EA05067FF1E}"/>
               </a:ext>
             </a:extLst>
           </p:cNvPr>
@@ -18427,7 +18512,7 @@
               <p:cNvPr id="4" name="矩形 3">
                 <a:extLst>
                   <a:ext uri="{FF2B5EF4-FFF2-40B4-BE49-F238E27FC236}">
-                    <a16:creationId xmlns:a16="http://schemas.microsoft.com/office/drawing/2014/main" id="{0FDAD747-108F-4A6D-9220-5EA05067FF1E}"/>
+                    <a16:creationId xmlns:a16="http://schemas.microsoft.com/office/drawing/2014/main" xmlns="" id="{0FDAD747-108F-4A6D-9220-5EA05067FF1E}"/>
                   </a:ext>
                 </a:extLst>
               </p:cNvPr>
@@ -18776,7 +18861,7 @@
           <p:cNvPr id="6" name="矩形 5">
             <a:extLst>
               <a:ext uri="{FF2B5EF4-FFF2-40B4-BE49-F238E27FC236}">
-                <a16:creationId xmlns:a16="http://schemas.microsoft.com/office/drawing/2014/main" id="{AB1DF3D9-EC08-40CA-853D-48B16F99EE56}"/>
+                <a16:creationId xmlns:a16="http://schemas.microsoft.com/office/drawing/2014/main" xmlns="" id="{AB1DF3D9-EC08-40CA-853D-48B16F99EE56}"/>
               </a:ext>
             </a:extLst>
           </p:cNvPr>
@@ -18868,7 +18953,7 @@
           <p:cNvPr id="12" name="矩形 11">
             <a:extLst>
               <a:ext uri="{FF2B5EF4-FFF2-40B4-BE49-F238E27FC236}">
-                <a16:creationId xmlns:a16="http://schemas.microsoft.com/office/drawing/2014/main" id="{0FDAD747-108F-4A6D-9220-5EA05067FF1E}"/>
+                <a16:creationId xmlns:a16="http://schemas.microsoft.com/office/drawing/2014/main" xmlns="" id="{0FDAD747-108F-4A6D-9220-5EA05067FF1E}"/>
               </a:ext>
             </a:extLst>
           </p:cNvPr>
@@ -18917,7 +19002,7 @@
               <p:cNvPr id="4" name="矩形 3">
                 <a:extLst>
                   <a:ext uri="{FF2B5EF4-FFF2-40B4-BE49-F238E27FC236}">
-                    <a16:creationId xmlns:a16="http://schemas.microsoft.com/office/drawing/2014/main" id="{0FDAD747-108F-4A6D-9220-5EA05067FF1E}"/>
+                    <a16:creationId xmlns:a16="http://schemas.microsoft.com/office/drawing/2014/main" xmlns="" id="{0FDAD747-108F-4A6D-9220-5EA05067FF1E}"/>
                   </a:ext>
                 </a:extLst>
               </p:cNvPr>
@@ -19242,7 +19327,7 @@
           <p:cNvPr id="6" name="矩形 5">
             <a:extLst>
               <a:ext uri="{FF2B5EF4-FFF2-40B4-BE49-F238E27FC236}">
-                <a16:creationId xmlns:a16="http://schemas.microsoft.com/office/drawing/2014/main" id="{AB1DF3D9-EC08-40CA-853D-48B16F99EE56}"/>
+                <a16:creationId xmlns:a16="http://schemas.microsoft.com/office/drawing/2014/main" xmlns="" id="{AB1DF3D9-EC08-40CA-853D-48B16F99EE56}"/>
               </a:ext>
             </a:extLst>
           </p:cNvPr>
@@ -19358,7 +19443,7 @@
           <p:cNvPr id="12" name="矩形 11">
             <a:extLst>
               <a:ext uri="{FF2B5EF4-FFF2-40B4-BE49-F238E27FC236}">
-                <a16:creationId xmlns:a16="http://schemas.microsoft.com/office/drawing/2014/main" id="{0FDAD747-108F-4A6D-9220-5EA05067FF1E}"/>
+                <a16:creationId xmlns:a16="http://schemas.microsoft.com/office/drawing/2014/main" xmlns="" id="{0FDAD747-108F-4A6D-9220-5EA05067FF1E}"/>
               </a:ext>
             </a:extLst>
           </p:cNvPr>
@@ -19405,7 +19490,7 @@
           <p:cNvPr id="4" name="矩形 3">
             <a:extLst>
               <a:ext uri="{FF2B5EF4-FFF2-40B4-BE49-F238E27FC236}">
-                <a16:creationId xmlns:a16="http://schemas.microsoft.com/office/drawing/2014/main" id="{0FDAD747-108F-4A6D-9220-5EA05067FF1E}"/>
+                <a16:creationId xmlns:a16="http://schemas.microsoft.com/office/drawing/2014/main" xmlns="" id="{0FDAD747-108F-4A6D-9220-5EA05067FF1E}"/>
               </a:ext>
             </a:extLst>
           </p:cNvPr>
@@ -19559,7 +19644,7 @@
           <p:cNvPr id="8" name="矩形 7">
             <a:extLst>
               <a:ext uri="{FF2B5EF4-FFF2-40B4-BE49-F238E27FC236}">
-                <a16:creationId xmlns:a16="http://schemas.microsoft.com/office/drawing/2014/main" id="{AB1DF3D9-EC08-40CA-853D-48B16F99EE56}"/>
+                <a16:creationId xmlns:a16="http://schemas.microsoft.com/office/drawing/2014/main" xmlns="" id="{AB1DF3D9-EC08-40CA-853D-48B16F99EE56}"/>
               </a:ext>
             </a:extLst>
           </p:cNvPr>
@@ -19699,7 +19784,7 @@
           <p:cNvPr id="12" name="矩形 11">
             <a:extLst>
               <a:ext uri="{FF2B5EF4-FFF2-40B4-BE49-F238E27FC236}">
-                <a16:creationId xmlns:a16="http://schemas.microsoft.com/office/drawing/2014/main" id="{0FDAD747-108F-4A6D-9220-5EA05067FF1E}"/>
+                <a16:creationId xmlns:a16="http://schemas.microsoft.com/office/drawing/2014/main" xmlns="" id="{0FDAD747-108F-4A6D-9220-5EA05067FF1E}"/>
               </a:ext>
             </a:extLst>
           </p:cNvPr>
@@ -19746,7 +19831,7 @@
           <p:cNvPr id="4" name="矩形 3">
             <a:extLst>
               <a:ext uri="{FF2B5EF4-FFF2-40B4-BE49-F238E27FC236}">
-                <a16:creationId xmlns:a16="http://schemas.microsoft.com/office/drawing/2014/main" id="{0FDAD747-108F-4A6D-9220-5EA05067FF1E}"/>
+                <a16:creationId xmlns:a16="http://schemas.microsoft.com/office/drawing/2014/main" xmlns="" id="{0FDAD747-108F-4A6D-9220-5EA05067FF1E}"/>
               </a:ext>
             </a:extLst>
           </p:cNvPr>
@@ -19871,7 +19956,7 @@
           <p:cNvPr id="6" name="矩形 5">
             <a:extLst>
               <a:ext uri="{FF2B5EF4-FFF2-40B4-BE49-F238E27FC236}">
-                <a16:creationId xmlns:a16="http://schemas.microsoft.com/office/drawing/2014/main" id="{AB1DF3D9-EC08-40CA-853D-48B16F99EE56}"/>
+                <a16:creationId xmlns:a16="http://schemas.microsoft.com/office/drawing/2014/main" xmlns="" id="{AB1DF3D9-EC08-40CA-853D-48B16F99EE56}"/>
               </a:ext>
             </a:extLst>
           </p:cNvPr>
@@ -20010,7 +20095,7 @@
           <p:cNvPr id="12" name="矩形 11">
             <a:extLst>
               <a:ext uri="{FF2B5EF4-FFF2-40B4-BE49-F238E27FC236}">
-                <a16:creationId xmlns:a16="http://schemas.microsoft.com/office/drawing/2014/main" id="{0FDAD747-108F-4A6D-9220-5EA05067FF1E}"/>
+                <a16:creationId xmlns:a16="http://schemas.microsoft.com/office/drawing/2014/main" xmlns="" id="{0FDAD747-108F-4A6D-9220-5EA05067FF1E}"/>
               </a:ext>
             </a:extLst>
           </p:cNvPr>
@@ -20057,7 +20142,7 @@
           <p:cNvPr id="4" name="矩形 3">
             <a:extLst>
               <a:ext uri="{FF2B5EF4-FFF2-40B4-BE49-F238E27FC236}">
-                <a16:creationId xmlns:a16="http://schemas.microsoft.com/office/drawing/2014/main" id="{0FDAD747-108F-4A6D-9220-5EA05067FF1E}"/>
+                <a16:creationId xmlns:a16="http://schemas.microsoft.com/office/drawing/2014/main" xmlns="" id="{0FDAD747-108F-4A6D-9220-5EA05067FF1E}"/>
               </a:ext>
             </a:extLst>
           </p:cNvPr>
@@ -20225,7 +20310,7 @@
           <p:cNvPr id="6" name="矩形 5">
             <a:extLst>
               <a:ext uri="{FF2B5EF4-FFF2-40B4-BE49-F238E27FC236}">
-                <a16:creationId xmlns:a16="http://schemas.microsoft.com/office/drawing/2014/main" id="{AB1DF3D9-EC08-40CA-853D-48B16F99EE56}"/>
+                <a16:creationId xmlns:a16="http://schemas.microsoft.com/office/drawing/2014/main" xmlns="" id="{AB1DF3D9-EC08-40CA-853D-48B16F99EE56}"/>
               </a:ext>
             </a:extLst>
           </p:cNvPr>
@@ -20365,7 +20450,7 @@
           <p:cNvPr id="12" name="矩形 11">
             <a:extLst>
               <a:ext uri="{FF2B5EF4-FFF2-40B4-BE49-F238E27FC236}">
-                <a16:creationId xmlns:a16="http://schemas.microsoft.com/office/drawing/2014/main" id="{0FDAD747-108F-4A6D-9220-5EA05067FF1E}"/>
+                <a16:creationId xmlns:a16="http://schemas.microsoft.com/office/drawing/2014/main" xmlns="" id="{0FDAD747-108F-4A6D-9220-5EA05067FF1E}"/>
               </a:ext>
             </a:extLst>
           </p:cNvPr>
@@ -20412,7 +20497,7 @@
           <p:cNvPr id="6" name="矩形 5">
             <a:extLst>
               <a:ext uri="{FF2B5EF4-FFF2-40B4-BE49-F238E27FC236}">
-                <a16:creationId xmlns:a16="http://schemas.microsoft.com/office/drawing/2014/main" id="{AB1DF3D9-EC08-40CA-853D-48B16F99EE56}"/>
+                <a16:creationId xmlns:a16="http://schemas.microsoft.com/office/drawing/2014/main" xmlns="" id="{AB1DF3D9-EC08-40CA-853D-48B16F99EE56}"/>
               </a:ext>
             </a:extLst>
           </p:cNvPr>
@@ -20552,7 +20637,7 @@
           <p:cNvPr id="12" name="矩形 11">
             <a:extLst>
               <a:ext uri="{FF2B5EF4-FFF2-40B4-BE49-F238E27FC236}">
-                <a16:creationId xmlns:a16="http://schemas.microsoft.com/office/drawing/2014/main" id="{0FDAD747-108F-4A6D-9220-5EA05067FF1E}"/>
+                <a16:creationId xmlns:a16="http://schemas.microsoft.com/office/drawing/2014/main" xmlns="" id="{0FDAD747-108F-4A6D-9220-5EA05067FF1E}"/>
               </a:ext>
             </a:extLst>
           </p:cNvPr>
@@ -20599,7 +20684,7 @@
           <p:cNvPr id="4" name="矩形 3">
             <a:extLst>
               <a:ext uri="{FF2B5EF4-FFF2-40B4-BE49-F238E27FC236}">
-                <a16:creationId xmlns:a16="http://schemas.microsoft.com/office/drawing/2014/main" id="{0FDAD747-108F-4A6D-9220-5EA05067FF1E}"/>
+                <a16:creationId xmlns:a16="http://schemas.microsoft.com/office/drawing/2014/main" xmlns="" id="{0FDAD747-108F-4A6D-9220-5EA05067FF1E}"/>
               </a:ext>
             </a:extLst>
           </p:cNvPr>
@@ -21079,7 +21164,7 @@
           <p:cNvPr id="6" name="矩形 5">
             <a:extLst>
               <a:ext uri="{FF2B5EF4-FFF2-40B4-BE49-F238E27FC236}">
-                <a16:creationId xmlns:a16="http://schemas.microsoft.com/office/drawing/2014/main" id="{AB1DF3D9-EC08-40CA-853D-48B16F99EE56}"/>
+                <a16:creationId xmlns:a16="http://schemas.microsoft.com/office/drawing/2014/main" xmlns="" id="{AB1DF3D9-EC08-40CA-853D-48B16F99EE56}"/>
               </a:ext>
             </a:extLst>
           </p:cNvPr>
@@ -21171,7 +21256,7 @@
           <p:cNvPr id="12" name="矩形 11">
             <a:extLst>
               <a:ext uri="{FF2B5EF4-FFF2-40B4-BE49-F238E27FC236}">
-                <a16:creationId xmlns:a16="http://schemas.microsoft.com/office/drawing/2014/main" id="{0FDAD747-108F-4A6D-9220-5EA05067FF1E}"/>
+                <a16:creationId xmlns:a16="http://schemas.microsoft.com/office/drawing/2014/main" xmlns="" id="{0FDAD747-108F-4A6D-9220-5EA05067FF1E}"/>
               </a:ext>
             </a:extLst>
           </p:cNvPr>
@@ -21250,7 +21335,7 @@
           <p:cNvPr id="14" name="矩形 13">
             <a:extLst>
               <a:ext uri="{FF2B5EF4-FFF2-40B4-BE49-F238E27FC236}">
-                <a16:creationId xmlns:a16="http://schemas.microsoft.com/office/drawing/2014/main" id="{C2B44424-4CFE-4BA2-9FCF-F0A911E8A749}"/>
+                <a16:creationId xmlns:a16="http://schemas.microsoft.com/office/drawing/2014/main" xmlns="" id="{C2B44424-4CFE-4BA2-9FCF-F0A911E8A749}"/>
               </a:ext>
             </a:extLst>
           </p:cNvPr>
@@ -21404,7 +21489,7 @@
           <p:cNvPr id="16" name="直接箭头连接符 15">
             <a:extLst>
               <a:ext uri="{FF2B5EF4-FFF2-40B4-BE49-F238E27FC236}">
-                <a16:creationId xmlns:a16="http://schemas.microsoft.com/office/drawing/2014/main" id="{EDD84E7C-3200-40E5-A3C0-E57D7F9E754E}"/>
+                <a16:creationId xmlns:a16="http://schemas.microsoft.com/office/drawing/2014/main" xmlns="" id="{EDD84E7C-3200-40E5-A3C0-E57D7F9E754E}"/>
               </a:ext>
             </a:extLst>
           </p:cNvPr>
@@ -21437,7 +21522,7 @@
           <p:cNvPr id="17" name="矩形 16">
             <a:extLst>
               <a:ext uri="{FF2B5EF4-FFF2-40B4-BE49-F238E27FC236}">
-                <a16:creationId xmlns:a16="http://schemas.microsoft.com/office/drawing/2014/main" id="{0FDAD747-108F-4A6D-9220-5EA05067FF1E}"/>
+                <a16:creationId xmlns:a16="http://schemas.microsoft.com/office/drawing/2014/main" xmlns="" id="{0FDAD747-108F-4A6D-9220-5EA05067FF1E}"/>
               </a:ext>
             </a:extLst>
           </p:cNvPr>
@@ -21484,7 +21569,7 @@
           <p:cNvPr id="18" name="矩形 17">
             <a:extLst>
               <a:ext uri="{FF2B5EF4-FFF2-40B4-BE49-F238E27FC236}">
-                <a16:creationId xmlns:a16="http://schemas.microsoft.com/office/drawing/2014/main" id="{5CEC9FB1-9CBF-4B7B-A321-DF404030F08B}"/>
+                <a16:creationId xmlns:a16="http://schemas.microsoft.com/office/drawing/2014/main" xmlns="" id="{5CEC9FB1-9CBF-4B7B-A321-DF404030F08B}"/>
               </a:ext>
             </a:extLst>
           </p:cNvPr>
@@ -21570,7 +21655,7 @@
           <p:cNvPr id="19" name="直接箭头连接符 18">
             <a:extLst>
               <a:ext uri="{FF2B5EF4-FFF2-40B4-BE49-F238E27FC236}">
-                <a16:creationId xmlns:a16="http://schemas.microsoft.com/office/drawing/2014/main" id="{5A7FC920-9D22-4290-B80F-F4BDC1DE109A}"/>
+                <a16:creationId xmlns:a16="http://schemas.microsoft.com/office/drawing/2014/main" xmlns="" id="{5A7FC920-9D22-4290-B80F-F4BDC1DE109A}"/>
               </a:ext>
             </a:extLst>
           </p:cNvPr>
@@ -21603,7 +21688,7 @@
           <p:cNvPr id="20" name="矩形 19">
             <a:extLst>
               <a:ext uri="{FF2B5EF4-FFF2-40B4-BE49-F238E27FC236}">
-                <a16:creationId xmlns:a16="http://schemas.microsoft.com/office/drawing/2014/main" id="{45B27A13-37E3-4777-9299-E75CAF1F6F9A}"/>
+                <a16:creationId xmlns:a16="http://schemas.microsoft.com/office/drawing/2014/main" xmlns="" id="{45B27A13-37E3-4777-9299-E75CAF1F6F9A}"/>
               </a:ext>
             </a:extLst>
           </p:cNvPr>
@@ -21651,7 +21736,7 @@
           <p:cNvPr id="21" name="图片 20">
             <a:extLst>
               <a:ext uri="{FF2B5EF4-FFF2-40B4-BE49-F238E27FC236}">
-                <a16:creationId xmlns:a16="http://schemas.microsoft.com/office/drawing/2014/main" id="{36569B5B-566F-4C60-9D63-318931B70CA2}"/>
+                <a16:creationId xmlns:a16="http://schemas.microsoft.com/office/drawing/2014/main" xmlns="" id="{36569B5B-566F-4C60-9D63-318931B70CA2}"/>
               </a:ext>
             </a:extLst>
           </p:cNvPr>
@@ -21687,7 +21772,7 @@
           <p:cNvPr id="22" name="矩形 21">
             <a:extLst>
               <a:ext uri="{FF2B5EF4-FFF2-40B4-BE49-F238E27FC236}">
-                <a16:creationId xmlns:a16="http://schemas.microsoft.com/office/drawing/2014/main" id="{2A55BA5B-CE30-435B-95FB-B00B8161E590}"/>
+                <a16:creationId xmlns:a16="http://schemas.microsoft.com/office/drawing/2014/main" xmlns="" id="{2A55BA5B-CE30-435B-95FB-B00B8161E590}"/>
               </a:ext>
             </a:extLst>
           </p:cNvPr>
@@ -21745,7 +21830,7 @@
           <p:cNvPr id="23" name="矩形 22">
             <a:extLst>
               <a:ext uri="{FF2B5EF4-FFF2-40B4-BE49-F238E27FC236}">
-                <a16:creationId xmlns:a16="http://schemas.microsoft.com/office/drawing/2014/main" id="{C2B44424-4CFE-4BA2-9FCF-F0A911E8A749}"/>
+                <a16:creationId xmlns:a16="http://schemas.microsoft.com/office/drawing/2014/main" xmlns="" id="{C2B44424-4CFE-4BA2-9FCF-F0A911E8A749}"/>
               </a:ext>
             </a:extLst>
           </p:cNvPr>
@@ -21856,7 +21941,7 @@
           <p:cNvPr id="25" name="矩形 24">
             <a:extLst>
               <a:ext uri="{FF2B5EF4-FFF2-40B4-BE49-F238E27FC236}">
-                <a16:creationId xmlns:a16="http://schemas.microsoft.com/office/drawing/2014/main" id="{0FDAD747-108F-4A6D-9220-5EA05067FF1E}"/>
+                <a16:creationId xmlns:a16="http://schemas.microsoft.com/office/drawing/2014/main" xmlns="" id="{0FDAD747-108F-4A6D-9220-5EA05067FF1E}"/>
               </a:ext>
             </a:extLst>
           </p:cNvPr>
@@ -22007,7 +22092,7 @@
           <p:cNvPr id="30" name="矩形 29">
             <a:extLst>
               <a:ext uri="{FF2B5EF4-FFF2-40B4-BE49-F238E27FC236}">
-                <a16:creationId xmlns:a16="http://schemas.microsoft.com/office/drawing/2014/main" id="{2A55BA5B-CE30-435B-95FB-B00B8161E590}"/>
+                <a16:creationId xmlns:a16="http://schemas.microsoft.com/office/drawing/2014/main" xmlns="" id="{2A55BA5B-CE30-435B-95FB-B00B8161E590}"/>
               </a:ext>
             </a:extLst>
           </p:cNvPr>
@@ -22075,7 +22160,7 @@
           <p:cNvPr id="31" name="矩形 30">
             <a:extLst>
               <a:ext uri="{FF2B5EF4-FFF2-40B4-BE49-F238E27FC236}">
-                <a16:creationId xmlns:a16="http://schemas.microsoft.com/office/drawing/2014/main" id="{2A55BA5B-CE30-435B-95FB-B00B8161E590}"/>
+                <a16:creationId xmlns:a16="http://schemas.microsoft.com/office/drawing/2014/main" xmlns="" id="{2A55BA5B-CE30-435B-95FB-B00B8161E590}"/>
               </a:ext>
             </a:extLst>
           </p:cNvPr>
@@ -22183,7 +22268,7 @@
           <p:cNvPr id="33" name="矩形 13" descr="紫色网格">
             <a:extLst>
               <a:ext uri="{FF2B5EF4-FFF2-40B4-BE49-F238E27FC236}">
-                <a16:creationId xmlns:a16="http://schemas.microsoft.com/office/drawing/2014/main" id="{44AEA09D-FD0A-4CA0-883D-93E5EAF762D6}"/>
+                <a16:creationId xmlns:a16="http://schemas.microsoft.com/office/drawing/2014/main" xmlns="" id="{44AEA09D-FD0A-4CA0-883D-93E5EAF762D6}"/>
               </a:ext>
             </a:extLst>
           </p:cNvPr>
@@ -22513,7 +22598,7 @@
           <p:cNvPr id="12" name="矩形 11">
             <a:extLst>
               <a:ext uri="{FF2B5EF4-FFF2-40B4-BE49-F238E27FC236}">
-                <a16:creationId xmlns:a16="http://schemas.microsoft.com/office/drawing/2014/main" id="{0FDAD747-108F-4A6D-9220-5EA05067FF1E}"/>
+                <a16:creationId xmlns:a16="http://schemas.microsoft.com/office/drawing/2014/main" xmlns="" id="{0FDAD747-108F-4A6D-9220-5EA05067FF1E}"/>
               </a:ext>
             </a:extLst>
           </p:cNvPr>
@@ -22560,7 +22645,7 @@
           <p:cNvPr id="4" name="矩形 3">
             <a:extLst>
               <a:ext uri="{FF2B5EF4-FFF2-40B4-BE49-F238E27FC236}">
-                <a16:creationId xmlns:a16="http://schemas.microsoft.com/office/drawing/2014/main" id="{0FDAD747-108F-4A6D-9220-5EA05067FF1E}"/>
+                <a16:creationId xmlns:a16="http://schemas.microsoft.com/office/drawing/2014/main" xmlns="" id="{0FDAD747-108F-4A6D-9220-5EA05067FF1E}"/>
               </a:ext>
             </a:extLst>
           </p:cNvPr>
@@ -22709,7 +22794,7 @@
           <p:cNvPr id="6" name="矩形 5">
             <a:extLst>
               <a:ext uri="{FF2B5EF4-FFF2-40B4-BE49-F238E27FC236}">
-                <a16:creationId xmlns:a16="http://schemas.microsoft.com/office/drawing/2014/main" id="{AB1DF3D9-EC08-40CA-853D-48B16F99EE56}"/>
+                <a16:creationId xmlns:a16="http://schemas.microsoft.com/office/drawing/2014/main" xmlns="" id="{AB1DF3D9-EC08-40CA-853D-48B16F99EE56}"/>
               </a:ext>
             </a:extLst>
           </p:cNvPr>
@@ -22885,7 +22970,7 @@
           <p:cNvPr id="12" name="矩形 11">
             <a:extLst>
               <a:ext uri="{FF2B5EF4-FFF2-40B4-BE49-F238E27FC236}">
-                <a16:creationId xmlns:a16="http://schemas.microsoft.com/office/drawing/2014/main" id="{0FDAD747-108F-4A6D-9220-5EA05067FF1E}"/>
+                <a16:creationId xmlns:a16="http://schemas.microsoft.com/office/drawing/2014/main" xmlns="" id="{0FDAD747-108F-4A6D-9220-5EA05067FF1E}"/>
               </a:ext>
             </a:extLst>
           </p:cNvPr>
@@ -22932,7 +23017,7 @@
           <p:cNvPr id="4" name="矩形 3">
             <a:extLst>
               <a:ext uri="{FF2B5EF4-FFF2-40B4-BE49-F238E27FC236}">
-                <a16:creationId xmlns:a16="http://schemas.microsoft.com/office/drawing/2014/main" id="{0FDAD747-108F-4A6D-9220-5EA05067FF1E}"/>
+                <a16:creationId xmlns:a16="http://schemas.microsoft.com/office/drawing/2014/main" xmlns="" id="{0FDAD747-108F-4A6D-9220-5EA05067FF1E}"/>
               </a:ext>
             </a:extLst>
           </p:cNvPr>
@@ -23251,7 +23336,7 @@
           <p:cNvPr id="26" name="矩形 25" descr="紫色网格">
             <a:extLst>
               <a:ext uri="{FF2B5EF4-FFF2-40B4-BE49-F238E27FC236}">
-                <a16:creationId xmlns:a16="http://schemas.microsoft.com/office/drawing/2014/main" id="{44AEA09D-FD0A-4CA0-883D-93E5EAF762D6}"/>
+                <a16:creationId xmlns:a16="http://schemas.microsoft.com/office/drawing/2014/main" xmlns="" id="{44AEA09D-FD0A-4CA0-883D-93E5EAF762D6}"/>
               </a:ext>
             </a:extLst>
           </p:cNvPr>
@@ -23464,7 +23549,7 @@
           <p:cNvPr id="12" name="矩形 11">
             <a:extLst>
               <a:ext uri="{FF2B5EF4-FFF2-40B4-BE49-F238E27FC236}">
-                <a16:creationId xmlns:a16="http://schemas.microsoft.com/office/drawing/2014/main" id="{0FDAD747-108F-4A6D-9220-5EA05067FF1E}"/>
+                <a16:creationId xmlns:a16="http://schemas.microsoft.com/office/drawing/2014/main" xmlns="" id="{0FDAD747-108F-4A6D-9220-5EA05067FF1E}"/>
               </a:ext>
             </a:extLst>
           </p:cNvPr>
@@ -23524,7 +23609,7 @@
           <p:cNvPr id="11" name="矩形 10">
             <a:extLst>
               <a:ext uri="{FF2B5EF4-FFF2-40B4-BE49-F238E27FC236}">
-                <a16:creationId xmlns:a16="http://schemas.microsoft.com/office/drawing/2014/main" id="{C2B44424-4CFE-4BA2-9FCF-F0A911E8A749}"/>
+                <a16:creationId xmlns:a16="http://schemas.microsoft.com/office/drawing/2014/main" xmlns="" id="{C2B44424-4CFE-4BA2-9FCF-F0A911E8A749}"/>
               </a:ext>
             </a:extLst>
           </p:cNvPr>
@@ -23623,7 +23708,7 @@
           <p:cNvPr id="13" name="直接箭头连接符 12">
             <a:extLst>
               <a:ext uri="{FF2B5EF4-FFF2-40B4-BE49-F238E27FC236}">
-                <a16:creationId xmlns:a16="http://schemas.microsoft.com/office/drawing/2014/main" id="{EDD84E7C-3200-40E5-A3C0-E57D7F9E754E}"/>
+                <a16:creationId xmlns:a16="http://schemas.microsoft.com/office/drawing/2014/main" xmlns="" id="{EDD84E7C-3200-40E5-A3C0-E57D7F9E754E}"/>
               </a:ext>
             </a:extLst>
           </p:cNvPr>
@@ -23656,7 +23741,7 @@
           <p:cNvPr id="14" name="矩形 13">
             <a:extLst>
               <a:ext uri="{FF2B5EF4-FFF2-40B4-BE49-F238E27FC236}">
-                <a16:creationId xmlns:a16="http://schemas.microsoft.com/office/drawing/2014/main" id="{0FDAD747-108F-4A6D-9220-5EA05067FF1E}"/>
+                <a16:creationId xmlns:a16="http://schemas.microsoft.com/office/drawing/2014/main" xmlns="" id="{0FDAD747-108F-4A6D-9220-5EA05067FF1E}"/>
               </a:ext>
             </a:extLst>
           </p:cNvPr>
@@ -23744,7 +23829,7 @@
           <p:cNvPr id="15" name="矩形 14">
             <a:extLst>
               <a:ext uri="{FF2B5EF4-FFF2-40B4-BE49-F238E27FC236}">
-                <a16:creationId xmlns:a16="http://schemas.microsoft.com/office/drawing/2014/main" id="{5CEC9FB1-9CBF-4B7B-A321-DF404030F08B}"/>
+                <a16:creationId xmlns:a16="http://schemas.microsoft.com/office/drawing/2014/main" xmlns="" id="{5CEC9FB1-9CBF-4B7B-A321-DF404030F08B}"/>
               </a:ext>
             </a:extLst>
           </p:cNvPr>
@@ -23830,7 +23915,7 @@
           <p:cNvPr id="16" name="直接箭头连接符 15">
             <a:extLst>
               <a:ext uri="{FF2B5EF4-FFF2-40B4-BE49-F238E27FC236}">
-                <a16:creationId xmlns:a16="http://schemas.microsoft.com/office/drawing/2014/main" id="{5A7FC920-9D22-4290-B80F-F4BDC1DE109A}"/>
+                <a16:creationId xmlns:a16="http://schemas.microsoft.com/office/drawing/2014/main" xmlns="" id="{5A7FC920-9D22-4290-B80F-F4BDC1DE109A}"/>
               </a:ext>
             </a:extLst>
           </p:cNvPr>
@@ -23863,7 +23948,7 @@
           <p:cNvPr id="19" name="矩形 18">
             <a:extLst>
               <a:ext uri="{FF2B5EF4-FFF2-40B4-BE49-F238E27FC236}">
-                <a16:creationId xmlns:a16="http://schemas.microsoft.com/office/drawing/2014/main" id="{2A55BA5B-CE30-435B-95FB-B00B8161E590}"/>
+                <a16:creationId xmlns:a16="http://schemas.microsoft.com/office/drawing/2014/main" xmlns="" id="{2A55BA5B-CE30-435B-95FB-B00B8161E590}"/>
               </a:ext>
             </a:extLst>
           </p:cNvPr>
@@ -23921,7 +24006,7 @@
           <p:cNvPr id="23" name="矩形 22">
             <a:extLst>
               <a:ext uri="{FF2B5EF4-FFF2-40B4-BE49-F238E27FC236}">
-                <a16:creationId xmlns:a16="http://schemas.microsoft.com/office/drawing/2014/main" id="{C2B44424-4CFE-4BA2-9FCF-F0A911E8A749}"/>
+                <a16:creationId xmlns:a16="http://schemas.microsoft.com/office/drawing/2014/main" xmlns="" id="{C2B44424-4CFE-4BA2-9FCF-F0A911E8A749}"/>
               </a:ext>
             </a:extLst>
           </p:cNvPr>
@@ -24005,7 +24090,7 @@
           <p:cNvPr id="24" name="矩形 23">
             <a:extLst>
               <a:ext uri="{FF2B5EF4-FFF2-40B4-BE49-F238E27FC236}">
-                <a16:creationId xmlns:a16="http://schemas.microsoft.com/office/drawing/2014/main" id="{0FDAD747-108F-4A6D-9220-5EA05067FF1E}"/>
+                <a16:creationId xmlns:a16="http://schemas.microsoft.com/office/drawing/2014/main" xmlns="" id="{0FDAD747-108F-4A6D-9220-5EA05067FF1E}"/>
               </a:ext>
             </a:extLst>
           </p:cNvPr>
@@ -24113,7 +24198,7 @@
           <p:cNvPr id="25" name="矩形 24" descr="紫色网格">
             <a:extLst>
               <a:ext uri="{FF2B5EF4-FFF2-40B4-BE49-F238E27FC236}">
-                <a16:creationId xmlns:a16="http://schemas.microsoft.com/office/drawing/2014/main" id="{44AEA09D-FD0A-4CA0-883D-93E5EAF762D6}"/>
+                <a16:creationId xmlns:a16="http://schemas.microsoft.com/office/drawing/2014/main" xmlns="" id="{44AEA09D-FD0A-4CA0-883D-93E5EAF762D6}"/>
               </a:ext>
             </a:extLst>
           </p:cNvPr>
@@ -24277,7 +24362,7 @@
           <p:cNvPr id="27" name="矩形 26" descr="紫色网格">
             <a:extLst>
               <a:ext uri="{FF2B5EF4-FFF2-40B4-BE49-F238E27FC236}">
-                <a16:creationId xmlns:a16="http://schemas.microsoft.com/office/drawing/2014/main" id="{44AEA09D-FD0A-4CA0-883D-93E5EAF762D6}"/>
+                <a16:creationId xmlns:a16="http://schemas.microsoft.com/office/drawing/2014/main" xmlns="" id="{44AEA09D-FD0A-4CA0-883D-93E5EAF762D6}"/>
               </a:ext>
             </a:extLst>
           </p:cNvPr>
@@ -24486,7 +24571,7 @@
           <p:cNvPr id="28" name="矩形 27" descr="紫色网格">
             <a:extLst>
               <a:ext uri="{FF2B5EF4-FFF2-40B4-BE49-F238E27FC236}">
-                <a16:creationId xmlns:a16="http://schemas.microsoft.com/office/drawing/2014/main" id="{44AEA09D-FD0A-4CA0-883D-93E5EAF762D6}"/>
+                <a16:creationId xmlns:a16="http://schemas.microsoft.com/office/drawing/2014/main" xmlns="" id="{44AEA09D-FD0A-4CA0-883D-93E5EAF762D6}"/>
               </a:ext>
             </a:extLst>
           </p:cNvPr>
@@ -24661,7 +24746,7 @@
           <p:cNvPr id="29" name="矩形 28" descr="紫色网格">
             <a:extLst>
               <a:ext uri="{FF2B5EF4-FFF2-40B4-BE49-F238E27FC236}">
-                <a16:creationId xmlns:a16="http://schemas.microsoft.com/office/drawing/2014/main" id="{44AEA09D-FD0A-4CA0-883D-93E5EAF762D6}"/>
+                <a16:creationId xmlns:a16="http://schemas.microsoft.com/office/drawing/2014/main" xmlns="" id="{44AEA09D-FD0A-4CA0-883D-93E5EAF762D6}"/>
               </a:ext>
             </a:extLst>
           </p:cNvPr>
@@ -24886,7 +24971,7 @@
           <p:cNvPr id="30" name="矩形 29" descr="紫色网格">
             <a:extLst>
               <a:ext uri="{FF2B5EF4-FFF2-40B4-BE49-F238E27FC236}">
-                <a16:creationId xmlns:a16="http://schemas.microsoft.com/office/drawing/2014/main" id="{44AEA09D-FD0A-4CA0-883D-93E5EAF762D6}"/>
+                <a16:creationId xmlns:a16="http://schemas.microsoft.com/office/drawing/2014/main" xmlns="" id="{44AEA09D-FD0A-4CA0-883D-93E5EAF762D6}"/>
               </a:ext>
             </a:extLst>
           </p:cNvPr>
@@ -25087,7 +25172,7 @@
           <p:cNvPr id="12" name="矩形 11">
             <a:extLst>
               <a:ext uri="{FF2B5EF4-FFF2-40B4-BE49-F238E27FC236}">
-                <a16:creationId xmlns:a16="http://schemas.microsoft.com/office/drawing/2014/main" id="{0FDAD747-108F-4A6D-9220-5EA05067FF1E}"/>
+                <a16:creationId xmlns:a16="http://schemas.microsoft.com/office/drawing/2014/main" xmlns="" id="{0FDAD747-108F-4A6D-9220-5EA05067FF1E}"/>
               </a:ext>
             </a:extLst>
           </p:cNvPr>
@@ -25147,7 +25232,7 @@
           <p:cNvPr id="4" name="矩形 3">
             <a:extLst>
               <a:ext uri="{FF2B5EF4-FFF2-40B4-BE49-F238E27FC236}">
-                <a16:creationId xmlns:a16="http://schemas.microsoft.com/office/drawing/2014/main" id="{0FDAD747-108F-4A6D-9220-5EA05067FF1E}"/>
+                <a16:creationId xmlns:a16="http://schemas.microsoft.com/office/drawing/2014/main" xmlns="" id="{0FDAD747-108F-4A6D-9220-5EA05067FF1E}"/>
               </a:ext>
             </a:extLst>
           </p:cNvPr>
@@ -25391,7 +25476,7 @@
           <p:cNvPr id="5" name="矩形 4" descr="紫色网格">
             <a:extLst>
               <a:ext uri="{FF2B5EF4-FFF2-40B4-BE49-F238E27FC236}">
-                <a16:creationId xmlns:a16="http://schemas.microsoft.com/office/drawing/2014/main" id="{44AEA09D-FD0A-4CA0-883D-93E5EAF762D6}"/>
+                <a16:creationId xmlns:a16="http://schemas.microsoft.com/office/drawing/2014/main" xmlns="" id="{44AEA09D-FD0A-4CA0-883D-93E5EAF762D6}"/>
               </a:ext>
             </a:extLst>
           </p:cNvPr>
@@ -25684,7 +25769,7 @@
           <p:cNvPr id="6" name="矩形 5" descr="紫色网格">
             <a:extLst>
               <a:ext uri="{FF2B5EF4-FFF2-40B4-BE49-F238E27FC236}">
-                <a16:creationId xmlns:a16="http://schemas.microsoft.com/office/drawing/2014/main" id="{44AEA09D-FD0A-4CA0-883D-93E5EAF762D6}"/>
+                <a16:creationId xmlns:a16="http://schemas.microsoft.com/office/drawing/2014/main" xmlns="" id="{44AEA09D-FD0A-4CA0-883D-93E5EAF762D6}"/>
               </a:ext>
             </a:extLst>
           </p:cNvPr>
@@ -25985,7 +26070,7 @@
           <p:cNvPr id="7" name="矩形 6" descr="紫色网格">
             <a:extLst>
               <a:ext uri="{FF2B5EF4-FFF2-40B4-BE49-F238E27FC236}">
-                <a16:creationId xmlns:a16="http://schemas.microsoft.com/office/drawing/2014/main" id="{44AEA09D-FD0A-4CA0-883D-93E5EAF762D6}"/>
+                <a16:creationId xmlns:a16="http://schemas.microsoft.com/office/drawing/2014/main" xmlns="" id="{44AEA09D-FD0A-4CA0-883D-93E5EAF762D6}"/>
               </a:ext>
             </a:extLst>
           </p:cNvPr>
@@ -26195,7 +26280,7 @@
           <p:cNvPr id="8" name="矩形 7" descr="紫色网格">
             <a:extLst>
               <a:ext uri="{FF2B5EF4-FFF2-40B4-BE49-F238E27FC236}">
-                <a16:creationId xmlns:a16="http://schemas.microsoft.com/office/drawing/2014/main" id="{44AEA09D-FD0A-4CA0-883D-93E5EAF762D6}"/>
+                <a16:creationId xmlns:a16="http://schemas.microsoft.com/office/drawing/2014/main" xmlns="" id="{44AEA09D-FD0A-4CA0-883D-93E5EAF762D6}"/>
               </a:ext>
             </a:extLst>
           </p:cNvPr>
@@ -26394,7 +26479,7 @@
           <p:cNvPr id="9" name="矩形 8" descr="紫色网格">
             <a:extLst>
               <a:ext uri="{FF2B5EF4-FFF2-40B4-BE49-F238E27FC236}">
-                <a16:creationId xmlns:a16="http://schemas.microsoft.com/office/drawing/2014/main" id="{44AEA09D-FD0A-4CA0-883D-93E5EAF762D6}"/>
+                <a16:creationId xmlns:a16="http://schemas.microsoft.com/office/drawing/2014/main" xmlns="" id="{44AEA09D-FD0A-4CA0-883D-93E5EAF762D6}"/>
               </a:ext>
             </a:extLst>
           </p:cNvPr>
@@ -26630,7 +26715,7 @@
           <p:cNvPr id="12" name="矩形 11">
             <a:extLst>
               <a:ext uri="{FF2B5EF4-FFF2-40B4-BE49-F238E27FC236}">
-                <a16:creationId xmlns:a16="http://schemas.microsoft.com/office/drawing/2014/main" id="{0FDAD747-108F-4A6D-9220-5EA05067FF1E}"/>
+                <a16:creationId xmlns:a16="http://schemas.microsoft.com/office/drawing/2014/main" xmlns="" id="{0FDAD747-108F-4A6D-9220-5EA05067FF1E}"/>
               </a:ext>
             </a:extLst>
           </p:cNvPr>
@@ -26690,7 +26775,7 @@
           <p:cNvPr id="4" name="矩形 3">
             <a:extLst>
               <a:ext uri="{FF2B5EF4-FFF2-40B4-BE49-F238E27FC236}">
-                <a16:creationId xmlns:a16="http://schemas.microsoft.com/office/drawing/2014/main" id="{0FDAD747-108F-4A6D-9220-5EA05067FF1E}"/>
+                <a16:creationId xmlns:a16="http://schemas.microsoft.com/office/drawing/2014/main" xmlns="" id="{0FDAD747-108F-4A6D-9220-5EA05067FF1E}"/>
               </a:ext>
             </a:extLst>
           </p:cNvPr>
@@ -27061,7 +27146,7 @@
           <p:cNvPr id="12" name="矩形 11">
             <a:extLst>
               <a:ext uri="{FF2B5EF4-FFF2-40B4-BE49-F238E27FC236}">
-                <a16:creationId xmlns:a16="http://schemas.microsoft.com/office/drawing/2014/main" id="{0FDAD747-108F-4A6D-9220-5EA05067FF1E}"/>
+                <a16:creationId xmlns:a16="http://schemas.microsoft.com/office/drawing/2014/main" xmlns="" id="{0FDAD747-108F-4A6D-9220-5EA05067FF1E}"/>
               </a:ext>
             </a:extLst>
           </p:cNvPr>
@@ -27131,42 +27216,42 @@
                 <a:gridCol w="1879600">
                   <a:extLst>
                     <a:ext uri="{9D8B030D-6E8A-4147-A177-3AD203B41FA5}">
-                      <a16:colId xmlns:a16="http://schemas.microsoft.com/office/drawing/2014/main" val="20000"/>
+                      <a16:colId xmlns:a16="http://schemas.microsoft.com/office/drawing/2014/main" xmlns="" val="20000"/>
                     </a:ext>
                   </a:extLst>
                 </a:gridCol>
                 <a:gridCol w="1879600">
                   <a:extLst>
                     <a:ext uri="{9D8B030D-6E8A-4147-A177-3AD203B41FA5}">
-                      <a16:colId xmlns:a16="http://schemas.microsoft.com/office/drawing/2014/main" val="20001"/>
+                      <a16:colId xmlns:a16="http://schemas.microsoft.com/office/drawing/2014/main" xmlns="" val="20001"/>
                     </a:ext>
                   </a:extLst>
                 </a:gridCol>
                 <a:gridCol w="1879600">
                   <a:extLst>
                     <a:ext uri="{9D8B030D-6E8A-4147-A177-3AD203B41FA5}">
-                      <a16:colId xmlns:a16="http://schemas.microsoft.com/office/drawing/2014/main" val="20002"/>
+                      <a16:colId xmlns:a16="http://schemas.microsoft.com/office/drawing/2014/main" xmlns="" val="20002"/>
                     </a:ext>
                   </a:extLst>
                 </a:gridCol>
                 <a:gridCol w="1879600">
                   <a:extLst>
                     <a:ext uri="{9D8B030D-6E8A-4147-A177-3AD203B41FA5}">
-                      <a16:colId xmlns:a16="http://schemas.microsoft.com/office/drawing/2014/main" val="20003"/>
+                      <a16:colId xmlns:a16="http://schemas.microsoft.com/office/drawing/2014/main" xmlns="" val="20003"/>
                     </a:ext>
                   </a:extLst>
                 </a:gridCol>
                 <a:gridCol w="1879600">
                   <a:extLst>
                     <a:ext uri="{9D8B030D-6E8A-4147-A177-3AD203B41FA5}">
-                      <a16:colId xmlns:a16="http://schemas.microsoft.com/office/drawing/2014/main" val="20004"/>
+                      <a16:colId xmlns:a16="http://schemas.microsoft.com/office/drawing/2014/main" xmlns="" val="20004"/>
                     </a:ext>
                   </a:extLst>
                 </a:gridCol>
                 <a:gridCol w="1879600">
                   <a:extLst>
                     <a:ext uri="{9D8B030D-6E8A-4147-A177-3AD203B41FA5}">
-                      <a16:colId xmlns:a16="http://schemas.microsoft.com/office/drawing/2014/main" val="20005"/>
+                      <a16:colId xmlns:a16="http://schemas.microsoft.com/office/drawing/2014/main" xmlns="" val="20005"/>
                     </a:ext>
                   </a:extLst>
                 </a:gridCol>
@@ -27313,7 +27398,7 @@
                 </a:tc>
                 <a:extLst>
                   <a:ext uri="{0D108BD9-81ED-4DB2-BD59-A6C34878D82A}">
-                    <a16:rowId xmlns:a16="http://schemas.microsoft.com/office/drawing/2014/main" val="10000"/>
+                    <a16:rowId xmlns:a16="http://schemas.microsoft.com/office/drawing/2014/main" xmlns="" val="10000"/>
                   </a:ext>
                 </a:extLst>
               </a:tr>
@@ -27418,7 +27503,7 @@
                 </a:tc>
                 <a:extLst>
                   <a:ext uri="{0D108BD9-81ED-4DB2-BD59-A6C34878D82A}">
-                    <a16:rowId xmlns:a16="http://schemas.microsoft.com/office/drawing/2014/main" val="10001"/>
+                    <a16:rowId xmlns:a16="http://schemas.microsoft.com/office/drawing/2014/main" xmlns="" val="10001"/>
                   </a:ext>
                 </a:extLst>
               </a:tr>
@@ -27516,7 +27601,7 @@
                 </a:tc>
                 <a:extLst>
                   <a:ext uri="{0D108BD9-81ED-4DB2-BD59-A6C34878D82A}">
-                    <a16:rowId xmlns:a16="http://schemas.microsoft.com/office/drawing/2014/main" val="10002"/>
+                    <a16:rowId xmlns:a16="http://schemas.microsoft.com/office/drawing/2014/main" xmlns="" val="10002"/>
                   </a:ext>
                 </a:extLst>
               </a:tr>
@@ -27614,7 +27699,7 @@
                 </a:tc>
                 <a:extLst>
                   <a:ext uri="{0D108BD9-81ED-4DB2-BD59-A6C34878D82A}">
-                    <a16:rowId xmlns:a16="http://schemas.microsoft.com/office/drawing/2014/main" val="10003"/>
+                    <a16:rowId xmlns:a16="http://schemas.microsoft.com/office/drawing/2014/main" xmlns="" val="10003"/>
                   </a:ext>
                 </a:extLst>
               </a:tr>
@@ -27712,7 +27797,7 @@
                 </a:tc>
                 <a:extLst>
                   <a:ext uri="{0D108BD9-81ED-4DB2-BD59-A6C34878D82A}">
-                    <a16:rowId xmlns:a16="http://schemas.microsoft.com/office/drawing/2014/main" val="10004"/>
+                    <a16:rowId xmlns:a16="http://schemas.microsoft.com/office/drawing/2014/main" xmlns="" val="10004"/>
                   </a:ext>
                 </a:extLst>
               </a:tr>
@@ -27817,7 +27902,7 @@
                 </a:tc>
                 <a:extLst>
                   <a:ext uri="{0D108BD9-81ED-4DB2-BD59-A6C34878D82A}">
-                    <a16:rowId xmlns:a16="http://schemas.microsoft.com/office/drawing/2014/main" val="10005"/>
+                    <a16:rowId xmlns:a16="http://schemas.microsoft.com/office/drawing/2014/main" xmlns="" val="10005"/>
                   </a:ext>
                 </a:extLst>
               </a:tr>
@@ -27915,7 +28000,7 @@
                 </a:tc>
                 <a:extLst>
                   <a:ext uri="{0D108BD9-81ED-4DB2-BD59-A6C34878D82A}">
-                    <a16:rowId xmlns:a16="http://schemas.microsoft.com/office/drawing/2014/main" val="10006"/>
+                    <a16:rowId xmlns:a16="http://schemas.microsoft.com/office/drawing/2014/main" xmlns="" val="10006"/>
                   </a:ext>
                 </a:extLst>
               </a:tr>
@@ -28013,7 +28098,7 @@
                 </a:tc>
                 <a:extLst>
                   <a:ext uri="{0D108BD9-81ED-4DB2-BD59-A6C34878D82A}">
-                    <a16:rowId xmlns:a16="http://schemas.microsoft.com/office/drawing/2014/main" val="10007"/>
+                    <a16:rowId xmlns:a16="http://schemas.microsoft.com/office/drawing/2014/main" xmlns="" val="10007"/>
                   </a:ext>
                 </a:extLst>
               </a:tr>
@@ -28111,7 +28196,7 @@
                 </a:tc>
                 <a:extLst>
                   <a:ext uri="{0D108BD9-81ED-4DB2-BD59-A6C34878D82A}">
-                    <a16:rowId xmlns:a16="http://schemas.microsoft.com/office/drawing/2014/main" val="10008"/>
+                    <a16:rowId xmlns:a16="http://schemas.microsoft.com/office/drawing/2014/main" xmlns="" val="10008"/>
                   </a:ext>
                 </a:extLst>
               </a:tr>
@@ -28124,7 +28209,7 @@
           <p:cNvPr id="10" name="矩形 9" descr="紫色网格">
             <a:extLst>
               <a:ext uri="{FF2B5EF4-FFF2-40B4-BE49-F238E27FC236}">
-                <a16:creationId xmlns:a16="http://schemas.microsoft.com/office/drawing/2014/main" id="{44AEA09D-FD0A-4CA0-883D-93E5EAF762D6}"/>
+                <a16:creationId xmlns:a16="http://schemas.microsoft.com/office/drawing/2014/main" xmlns="" id="{44AEA09D-FD0A-4CA0-883D-93E5EAF762D6}"/>
               </a:ext>
             </a:extLst>
           </p:cNvPr>
@@ -28338,7 +28423,7 @@
           <p:cNvPr id="12" name="矩形 11">
             <a:extLst>
               <a:ext uri="{FF2B5EF4-FFF2-40B4-BE49-F238E27FC236}">
-                <a16:creationId xmlns:a16="http://schemas.microsoft.com/office/drawing/2014/main" id="{0FDAD747-108F-4A6D-9220-5EA05067FF1E}"/>
+                <a16:creationId xmlns:a16="http://schemas.microsoft.com/office/drawing/2014/main" xmlns="" id="{0FDAD747-108F-4A6D-9220-5EA05067FF1E}"/>
               </a:ext>
             </a:extLst>
           </p:cNvPr>
@@ -28405,7 +28490,7 @@
           <p:cNvPr id="4" name="矩形 3">
             <a:extLst>
               <a:ext uri="{FF2B5EF4-FFF2-40B4-BE49-F238E27FC236}">
-                <a16:creationId xmlns:a16="http://schemas.microsoft.com/office/drawing/2014/main" id="{0FDAD747-108F-4A6D-9220-5EA05067FF1E}"/>
+                <a16:creationId xmlns:a16="http://schemas.microsoft.com/office/drawing/2014/main" xmlns="" id="{0FDAD747-108F-4A6D-9220-5EA05067FF1E}"/>
               </a:ext>
             </a:extLst>
           </p:cNvPr>
@@ -28775,7 +28860,7 @@
           <p:cNvPr id="12" name="矩形 11">
             <a:extLst>
               <a:ext uri="{FF2B5EF4-FFF2-40B4-BE49-F238E27FC236}">
-                <a16:creationId xmlns:a16="http://schemas.microsoft.com/office/drawing/2014/main" id="{0FDAD747-108F-4A6D-9220-5EA05067FF1E}"/>
+                <a16:creationId xmlns:a16="http://schemas.microsoft.com/office/drawing/2014/main" xmlns="" id="{0FDAD747-108F-4A6D-9220-5EA05067FF1E}"/>
               </a:ext>
             </a:extLst>
           </p:cNvPr>
@@ -28854,7 +28939,7 @@
           <p:cNvPr id="14" name="矩形 13">
             <a:extLst>
               <a:ext uri="{FF2B5EF4-FFF2-40B4-BE49-F238E27FC236}">
-                <a16:creationId xmlns:a16="http://schemas.microsoft.com/office/drawing/2014/main" id="{C2B44424-4CFE-4BA2-9FCF-F0A911E8A749}"/>
+                <a16:creationId xmlns:a16="http://schemas.microsoft.com/office/drawing/2014/main" xmlns="" id="{C2B44424-4CFE-4BA2-9FCF-F0A911E8A749}"/>
               </a:ext>
             </a:extLst>
           </p:cNvPr>
@@ -29008,7 +29093,7 @@
           <p:cNvPr id="16" name="直接箭头连接符 15">
             <a:extLst>
               <a:ext uri="{FF2B5EF4-FFF2-40B4-BE49-F238E27FC236}">
-                <a16:creationId xmlns:a16="http://schemas.microsoft.com/office/drawing/2014/main" id="{EDD84E7C-3200-40E5-A3C0-E57D7F9E754E}"/>
+                <a16:creationId xmlns:a16="http://schemas.microsoft.com/office/drawing/2014/main" xmlns="" id="{EDD84E7C-3200-40E5-A3C0-E57D7F9E754E}"/>
               </a:ext>
             </a:extLst>
           </p:cNvPr>
@@ -29041,7 +29126,7 @@
           <p:cNvPr id="17" name="矩形 16">
             <a:extLst>
               <a:ext uri="{FF2B5EF4-FFF2-40B4-BE49-F238E27FC236}">
-                <a16:creationId xmlns:a16="http://schemas.microsoft.com/office/drawing/2014/main" id="{0FDAD747-108F-4A6D-9220-5EA05067FF1E}"/>
+                <a16:creationId xmlns:a16="http://schemas.microsoft.com/office/drawing/2014/main" xmlns="" id="{0FDAD747-108F-4A6D-9220-5EA05067FF1E}"/>
               </a:ext>
             </a:extLst>
           </p:cNvPr>
@@ -29088,7 +29173,7 @@
           <p:cNvPr id="18" name="矩形 17">
             <a:extLst>
               <a:ext uri="{FF2B5EF4-FFF2-40B4-BE49-F238E27FC236}">
-                <a16:creationId xmlns:a16="http://schemas.microsoft.com/office/drawing/2014/main" id="{5CEC9FB1-9CBF-4B7B-A321-DF404030F08B}"/>
+                <a16:creationId xmlns:a16="http://schemas.microsoft.com/office/drawing/2014/main" xmlns="" id="{5CEC9FB1-9CBF-4B7B-A321-DF404030F08B}"/>
               </a:ext>
             </a:extLst>
           </p:cNvPr>
@@ -29174,7 +29259,7 @@
           <p:cNvPr id="19" name="直接箭头连接符 18">
             <a:extLst>
               <a:ext uri="{FF2B5EF4-FFF2-40B4-BE49-F238E27FC236}">
-                <a16:creationId xmlns:a16="http://schemas.microsoft.com/office/drawing/2014/main" id="{5A7FC920-9D22-4290-B80F-F4BDC1DE109A}"/>
+                <a16:creationId xmlns:a16="http://schemas.microsoft.com/office/drawing/2014/main" xmlns="" id="{5A7FC920-9D22-4290-B80F-F4BDC1DE109A}"/>
               </a:ext>
             </a:extLst>
           </p:cNvPr>
@@ -29207,7 +29292,7 @@
           <p:cNvPr id="20" name="矩形 19">
             <a:extLst>
               <a:ext uri="{FF2B5EF4-FFF2-40B4-BE49-F238E27FC236}">
-                <a16:creationId xmlns:a16="http://schemas.microsoft.com/office/drawing/2014/main" id="{45B27A13-37E3-4777-9299-E75CAF1F6F9A}"/>
+                <a16:creationId xmlns:a16="http://schemas.microsoft.com/office/drawing/2014/main" xmlns="" id="{45B27A13-37E3-4777-9299-E75CAF1F6F9A}"/>
               </a:ext>
             </a:extLst>
           </p:cNvPr>
@@ -29255,7 +29340,7 @@
           <p:cNvPr id="21" name="图片 20">
             <a:extLst>
               <a:ext uri="{FF2B5EF4-FFF2-40B4-BE49-F238E27FC236}">
-                <a16:creationId xmlns:a16="http://schemas.microsoft.com/office/drawing/2014/main" id="{36569B5B-566F-4C60-9D63-318931B70CA2}"/>
+                <a16:creationId xmlns:a16="http://schemas.microsoft.com/office/drawing/2014/main" xmlns="" id="{36569B5B-566F-4C60-9D63-318931B70CA2}"/>
               </a:ext>
             </a:extLst>
           </p:cNvPr>
@@ -29291,7 +29376,7 @@
           <p:cNvPr id="22" name="矩形 21">
             <a:extLst>
               <a:ext uri="{FF2B5EF4-FFF2-40B4-BE49-F238E27FC236}">
-                <a16:creationId xmlns:a16="http://schemas.microsoft.com/office/drawing/2014/main" id="{2A55BA5B-CE30-435B-95FB-B00B8161E590}"/>
+                <a16:creationId xmlns:a16="http://schemas.microsoft.com/office/drawing/2014/main" xmlns="" id="{2A55BA5B-CE30-435B-95FB-B00B8161E590}"/>
               </a:ext>
             </a:extLst>
           </p:cNvPr>
@@ -29349,7 +29434,7 @@
           <p:cNvPr id="23" name="矩形 22">
             <a:extLst>
               <a:ext uri="{FF2B5EF4-FFF2-40B4-BE49-F238E27FC236}">
-                <a16:creationId xmlns:a16="http://schemas.microsoft.com/office/drawing/2014/main" id="{C2B44424-4CFE-4BA2-9FCF-F0A911E8A749}"/>
+                <a16:creationId xmlns:a16="http://schemas.microsoft.com/office/drawing/2014/main" xmlns="" id="{C2B44424-4CFE-4BA2-9FCF-F0A911E8A749}"/>
               </a:ext>
             </a:extLst>
           </p:cNvPr>
@@ -29460,7 +29545,7 @@
           <p:cNvPr id="25" name="矩形 24">
             <a:extLst>
               <a:ext uri="{FF2B5EF4-FFF2-40B4-BE49-F238E27FC236}">
-                <a16:creationId xmlns:a16="http://schemas.microsoft.com/office/drawing/2014/main" id="{0FDAD747-108F-4A6D-9220-5EA05067FF1E}"/>
+                <a16:creationId xmlns:a16="http://schemas.microsoft.com/office/drawing/2014/main" xmlns="" id="{0FDAD747-108F-4A6D-9220-5EA05067FF1E}"/>
               </a:ext>
             </a:extLst>
           </p:cNvPr>
@@ -29659,7 +29744,7 @@
           <p:cNvPr id="30" name="矩形 29">
             <a:extLst>
               <a:ext uri="{FF2B5EF4-FFF2-40B4-BE49-F238E27FC236}">
-                <a16:creationId xmlns:a16="http://schemas.microsoft.com/office/drawing/2014/main" id="{2A55BA5B-CE30-435B-95FB-B00B8161E590}"/>
+                <a16:creationId xmlns:a16="http://schemas.microsoft.com/office/drawing/2014/main" xmlns="" id="{2A55BA5B-CE30-435B-95FB-B00B8161E590}"/>
               </a:ext>
             </a:extLst>
           </p:cNvPr>
@@ -29727,7 +29812,7 @@
           <p:cNvPr id="27" name="矩形 26">
             <a:extLst>
               <a:ext uri="{FF2B5EF4-FFF2-40B4-BE49-F238E27FC236}">
-                <a16:creationId xmlns:a16="http://schemas.microsoft.com/office/drawing/2014/main" id="{0FDAD747-108F-4A6D-9220-5EA05067FF1E}"/>
+                <a16:creationId xmlns:a16="http://schemas.microsoft.com/office/drawing/2014/main" xmlns="" id="{0FDAD747-108F-4A6D-9220-5EA05067FF1E}"/>
               </a:ext>
             </a:extLst>
           </p:cNvPr>
@@ -29794,7 +29879,7 @@
           <p:cNvPr id="28" name="矩形 13" descr="紫色网格">
             <a:extLst>
               <a:ext uri="{FF2B5EF4-FFF2-40B4-BE49-F238E27FC236}">
-                <a16:creationId xmlns:a16="http://schemas.microsoft.com/office/drawing/2014/main" id="{44AEA09D-FD0A-4CA0-883D-93E5EAF762D6}"/>
+                <a16:creationId xmlns:a16="http://schemas.microsoft.com/office/drawing/2014/main" xmlns="" id="{44AEA09D-FD0A-4CA0-883D-93E5EAF762D6}"/>
               </a:ext>
             </a:extLst>
           </p:cNvPr>
@@ -30094,7 +30179,7 @@
           <p:cNvPr id="12" name="矩形 11">
             <a:extLst>
               <a:ext uri="{FF2B5EF4-FFF2-40B4-BE49-F238E27FC236}">
-                <a16:creationId xmlns:a16="http://schemas.microsoft.com/office/drawing/2014/main" id="{0FDAD747-108F-4A6D-9220-5EA05067FF1E}"/>
+                <a16:creationId xmlns:a16="http://schemas.microsoft.com/office/drawing/2014/main" xmlns="" id="{0FDAD747-108F-4A6D-9220-5EA05067FF1E}"/>
               </a:ext>
             </a:extLst>
           </p:cNvPr>
@@ -30161,7 +30246,7 @@
           <p:cNvPr id="4" name="矩形 3">
             <a:extLst>
               <a:ext uri="{FF2B5EF4-FFF2-40B4-BE49-F238E27FC236}">
-                <a16:creationId xmlns:a16="http://schemas.microsoft.com/office/drawing/2014/main" id="{0FDAD747-108F-4A6D-9220-5EA05067FF1E}"/>
+                <a16:creationId xmlns:a16="http://schemas.microsoft.com/office/drawing/2014/main" xmlns="" id="{0FDAD747-108F-4A6D-9220-5EA05067FF1E}"/>
               </a:ext>
             </a:extLst>
           </p:cNvPr>
@@ -30733,7 +30818,7 @@
           <p:cNvPr id="12" name="矩形 11">
             <a:extLst>
               <a:ext uri="{FF2B5EF4-FFF2-40B4-BE49-F238E27FC236}">
-                <a16:creationId xmlns:a16="http://schemas.microsoft.com/office/drawing/2014/main" id="{0FDAD747-108F-4A6D-9220-5EA05067FF1E}"/>
+                <a16:creationId xmlns:a16="http://schemas.microsoft.com/office/drawing/2014/main" xmlns="" id="{0FDAD747-108F-4A6D-9220-5EA05067FF1E}"/>
               </a:ext>
             </a:extLst>
           </p:cNvPr>
@@ -30780,7 +30865,7 @@
           <p:cNvPr id="4" name="矩形 3">
             <a:extLst>
               <a:ext uri="{FF2B5EF4-FFF2-40B4-BE49-F238E27FC236}">
-                <a16:creationId xmlns:a16="http://schemas.microsoft.com/office/drawing/2014/main" id="{0FDAD747-108F-4A6D-9220-5EA05067FF1E}"/>
+                <a16:creationId xmlns:a16="http://schemas.microsoft.com/office/drawing/2014/main" xmlns="" id="{0FDAD747-108F-4A6D-9220-5EA05067FF1E}"/>
               </a:ext>
             </a:extLst>
           </p:cNvPr>
@@ -31413,7 +31498,7 @@
           <p:cNvPr id="12" name="矩形 11">
             <a:extLst>
               <a:ext uri="{FF2B5EF4-FFF2-40B4-BE49-F238E27FC236}">
-                <a16:creationId xmlns:a16="http://schemas.microsoft.com/office/drawing/2014/main" id="{0FDAD747-108F-4A6D-9220-5EA05067FF1E}"/>
+                <a16:creationId xmlns:a16="http://schemas.microsoft.com/office/drawing/2014/main" xmlns="" id="{0FDAD747-108F-4A6D-9220-5EA05067FF1E}"/>
               </a:ext>
             </a:extLst>
           </p:cNvPr>
@@ -31460,7 +31545,7 @@
           <p:cNvPr id="4" name="矩形 3">
             <a:extLst>
               <a:ext uri="{FF2B5EF4-FFF2-40B4-BE49-F238E27FC236}">
-                <a16:creationId xmlns:a16="http://schemas.microsoft.com/office/drawing/2014/main" id="{0FDAD747-108F-4A6D-9220-5EA05067FF1E}"/>
+                <a16:creationId xmlns:a16="http://schemas.microsoft.com/office/drawing/2014/main" xmlns="" id="{0FDAD747-108F-4A6D-9220-5EA05067FF1E}"/>
               </a:ext>
             </a:extLst>
           </p:cNvPr>
@@ -31879,7 +31964,7 @@
           <p:cNvPr id="12" name="矩形 11">
             <a:extLst>
               <a:ext uri="{FF2B5EF4-FFF2-40B4-BE49-F238E27FC236}">
-                <a16:creationId xmlns:a16="http://schemas.microsoft.com/office/drawing/2014/main" id="{0FDAD747-108F-4A6D-9220-5EA05067FF1E}"/>
+                <a16:creationId xmlns:a16="http://schemas.microsoft.com/office/drawing/2014/main" xmlns="" id="{0FDAD747-108F-4A6D-9220-5EA05067FF1E}"/>
               </a:ext>
             </a:extLst>
           </p:cNvPr>
@@ -31926,7 +32011,7 @@
           <p:cNvPr id="4" name="矩形 3">
             <a:extLst>
               <a:ext uri="{FF2B5EF4-FFF2-40B4-BE49-F238E27FC236}">
-                <a16:creationId xmlns:a16="http://schemas.microsoft.com/office/drawing/2014/main" id="{0FDAD747-108F-4A6D-9220-5EA05067FF1E}"/>
+                <a16:creationId xmlns:a16="http://schemas.microsoft.com/office/drawing/2014/main" xmlns="" id="{0FDAD747-108F-4A6D-9220-5EA05067FF1E}"/>
               </a:ext>
             </a:extLst>
           </p:cNvPr>
@@ -32153,7 +32238,7 @@
           <p:cNvPr id="12" name="矩形 11">
             <a:extLst>
               <a:ext uri="{FF2B5EF4-FFF2-40B4-BE49-F238E27FC236}">
-                <a16:creationId xmlns:a16="http://schemas.microsoft.com/office/drawing/2014/main" id="{0FDAD747-108F-4A6D-9220-5EA05067FF1E}"/>
+                <a16:creationId xmlns:a16="http://schemas.microsoft.com/office/drawing/2014/main" xmlns="" id="{0FDAD747-108F-4A6D-9220-5EA05067FF1E}"/>
               </a:ext>
             </a:extLst>
           </p:cNvPr>
@@ -32224,7 +32309,7 @@
           <p:cNvPr id="5" name="矩形 4">
             <a:extLst>
               <a:ext uri="{FF2B5EF4-FFF2-40B4-BE49-F238E27FC236}">
-                <a16:creationId xmlns:a16="http://schemas.microsoft.com/office/drawing/2014/main" id="{0FDAD747-108F-4A6D-9220-5EA05067FF1E}"/>
+                <a16:creationId xmlns:a16="http://schemas.microsoft.com/office/drawing/2014/main" xmlns="" id="{0FDAD747-108F-4A6D-9220-5EA05067FF1E}"/>
               </a:ext>
             </a:extLst>
           </p:cNvPr>
@@ -32596,92 +32681,44 @@
       </p:grpSpPr>
       <p:sp>
         <p:nvSpPr>
-          <p:cNvPr id="13" name="文本框 12"/>
-          <p:cNvSpPr txBox="1"/>
+          <p:cNvPr id="12" name="矩形 11">
+            <a:extLst>
+              <a:ext uri="{FF2B5EF4-FFF2-40B4-BE49-F238E27FC236}">
+                <a16:creationId xmlns:a16="http://schemas.microsoft.com/office/drawing/2014/main" xmlns="" id="{0FDAD747-108F-4A6D-9220-5EA05067FF1E}"/>
+              </a:ext>
+            </a:extLst>
+          </p:cNvPr>
+          <p:cNvSpPr/>
           <p:nvPr/>
         </p:nvSpPr>
         <p:spPr>
           <a:xfrm>
-            <a:off x="1133852" y="2368487"/>
-            <a:ext cx="9954277" cy="707886"/>
+            <a:off x="843572" y="1120596"/>
+            <a:ext cx="3877985" cy="584775"/>
           </a:xfrm>
           <a:prstGeom prst="rect">
             <a:avLst/>
           </a:prstGeom>
-          <a:noFill/>
         </p:spPr>
         <p:txBody>
-          <a:bodyPr wrap="square" rtlCol="0" anchor="ctr">
+          <a:bodyPr wrap="none">
             <a:spAutoFit/>
           </a:bodyPr>
           <a:lstStyle/>
           <a:p>
-            <a:pPr algn="ctr"/>
-            <a:r>
-              <a:rPr lang="en-US" altLang="zh-CN" sz="4000" b="1" dirty="0" smtClean="0">
-                <a:solidFill>
-                  <a:schemeClr val="bg2">
-                    <a:lumMod val="10000"/>
-                  </a:schemeClr>
-                </a:solidFill>
-                <a:latin typeface="微软雅黑" panose="020B0503020204020204" pitchFamily="34" charset="-122"/>
-                <a:ea typeface="微软雅黑" panose="020B0503020204020204" pitchFamily="34" charset="-122"/>
-              </a:rPr>
-              <a:t>4</a:t>
-            </a:r>
-            <a:r>
-              <a:rPr lang="zh-CN" altLang="en-US" sz="4000" b="1" dirty="0" smtClean="0">
-                <a:solidFill>
-                  <a:schemeClr val="bg2">
-                    <a:lumMod val="10000"/>
-                  </a:schemeClr>
-                </a:solidFill>
-                <a:latin typeface="微软雅黑" panose="020B0503020204020204" pitchFamily="34" charset="-122"/>
-                <a:ea typeface="微软雅黑" panose="020B0503020204020204" pitchFamily="34" charset="-122"/>
-              </a:rPr>
-              <a:t>月</a:t>
-            </a:r>
-            <a:r>
-              <a:rPr lang="en-US" altLang="zh-CN" sz="4000" b="1" dirty="0" smtClean="0">
-                <a:solidFill>
-                  <a:schemeClr val="bg2">
-                    <a:lumMod val="10000"/>
-                  </a:schemeClr>
-                </a:solidFill>
-                <a:latin typeface="微软雅黑" panose="020B0503020204020204" pitchFamily="34" charset="-122"/>
-                <a:ea typeface="微软雅黑" panose="020B0503020204020204" pitchFamily="34" charset="-122"/>
-              </a:rPr>
-              <a:t>10</a:t>
-            </a:r>
-            <a:r>
-              <a:rPr lang="zh-CN" altLang="en-US" sz="4000" b="1" dirty="0" smtClean="0">
-                <a:solidFill>
-                  <a:schemeClr val="bg2">
-                    <a:lumMod val="10000"/>
-                  </a:schemeClr>
-                </a:solidFill>
-                <a:latin typeface="微软雅黑" panose="020B0503020204020204" pitchFamily="34" charset="-122"/>
-                <a:ea typeface="微软雅黑" panose="020B0503020204020204" pitchFamily="34" charset="-122"/>
-              </a:rPr>
-              <a:t>号 汇报</a:t>
-            </a:r>
-            <a:r>
-              <a:rPr lang="en-US" altLang="zh-CN" sz="4000" b="1" dirty="0" smtClean="0">
-                <a:solidFill>
-                  <a:schemeClr val="bg2">
-                    <a:lumMod val="10000"/>
-                  </a:schemeClr>
-                </a:solidFill>
-                <a:latin typeface="微软雅黑" panose="020B0503020204020204" pitchFamily="34" charset="-122"/>
-                <a:ea typeface="微软雅黑" panose="020B0503020204020204" pitchFamily="34" charset="-122"/>
-              </a:rPr>
-              <a:t>PPT</a:t>
-            </a:r>
-            <a:endParaRPr lang="en-US" altLang="zh-CN" sz="4000" dirty="0" smtClean="0">
+            <a:r>
+              <a:rPr lang="zh-CN" altLang="en-US" sz="3200" b="1" dirty="0" smtClean="0">
+                <a:solidFill>
+                  <a:prstClr val="black"/>
+                </a:solidFill>
+                <a:latin typeface="微软雅黑" panose="020B0503020204020204" pitchFamily="34" charset="-122"/>
+                <a:ea typeface="微软雅黑" panose="020B0503020204020204" pitchFamily="34" charset="-122"/>
+              </a:rPr>
+              <a:t>细粒度实验初步结果</a:t>
+            </a:r>
+            <a:endParaRPr lang="zh-CN" altLang="en-US" sz="3200" b="1" dirty="0">
               <a:solidFill>
-                <a:schemeClr val="bg2">
-                  <a:lumMod val="10000"/>
-                </a:schemeClr>
+                <a:prstClr val="black"/>
               </a:solidFill>
               <a:latin typeface="微软雅黑" panose="020B0503020204020204" pitchFamily="34" charset="-122"/>
               <a:ea typeface="微软雅黑" panose="020B0503020204020204" pitchFamily="34" charset="-122"/>
@@ -32689,10 +32726,208 @@
           </a:p>
         </p:txBody>
       </p:sp>
+      <p:sp>
+        <p:nvSpPr>
+          <p:cNvPr id="4" name="矩形 3">
+            <a:extLst>
+              <a:ext uri="{FF2B5EF4-FFF2-40B4-BE49-F238E27FC236}">
+                <a16:creationId xmlns:a16="http://schemas.microsoft.com/office/drawing/2014/main" xmlns="" id="{0FDAD747-108F-4A6D-9220-5EA05067FF1E}"/>
+              </a:ext>
+            </a:extLst>
+          </p:cNvPr>
+          <p:cNvSpPr/>
+          <p:nvPr/>
+        </p:nvSpPr>
+        <p:spPr>
+          <a:xfrm>
+            <a:off x="843573" y="2098407"/>
+            <a:ext cx="10730590" cy="2062103"/>
+          </a:xfrm>
+          <a:prstGeom prst="rect">
+            <a:avLst/>
+          </a:prstGeom>
+        </p:spPr>
+        <p:txBody>
+          <a:bodyPr wrap="square">
+            <a:spAutoFit/>
+          </a:bodyPr>
+          <a:lstStyle/>
+          <a:p>
+            <a:pPr marL="285750" indent="-285750">
+              <a:lnSpc>
+                <a:spcPct val="200000"/>
+              </a:lnSpc>
+              <a:buFont typeface="Wingdings" panose="05000000000000000000" pitchFamily="2" charset="2"/>
+              <a:buChar char="p"/>
+            </a:pPr>
+            <a:r>
+              <a:rPr lang="zh-CN" altLang="en-US" sz="1600" b="1" dirty="0" smtClean="0">
+                <a:solidFill>
+                  <a:prstClr val="black"/>
+                </a:solidFill>
+                <a:latin typeface="微软雅黑" panose="020B0503020204020204" pitchFamily="34" charset="-122"/>
+                <a:ea typeface="微软雅黑" panose="020B0503020204020204" pitchFamily="34" charset="-122"/>
+              </a:rPr>
+              <a:t>正常无处理样本可做到</a:t>
+            </a:r>
+            <a:r>
+              <a:rPr lang="en-US" altLang="zh-CN" sz="1600" b="1" dirty="0" smtClean="0">
+                <a:solidFill>
+                  <a:prstClr val="black"/>
+                </a:solidFill>
+                <a:latin typeface="微软雅黑" panose="020B0503020204020204" pitchFamily="34" charset="-122"/>
+                <a:ea typeface="微软雅黑" panose="020B0503020204020204" pitchFamily="34" charset="-122"/>
+              </a:rPr>
+              <a:t>100%</a:t>
+            </a:r>
+          </a:p>
+          <a:p>
+            <a:pPr marL="285750" indent="-285750">
+              <a:lnSpc>
+                <a:spcPct val="200000"/>
+              </a:lnSpc>
+              <a:buFont typeface="Wingdings" panose="05000000000000000000" pitchFamily="2" charset="2"/>
+              <a:buChar char="p"/>
+            </a:pPr>
+            <a:r>
+              <a:rPr lang="zh-CN" altLang="en-US" sz="1600" b="1" dirty="0">
+                <a:solidFill>
+                  <a:prstClr val="black"/>
+                </a:solidFill>
+                <a:latin typeface="微软雅黑" panose="020B0503020204020204" pitchFamily="34" charset="-122"/>
+                <a:ea typeface="微软雅黑" panose="020B0503020204020204" pitchFamily="34" charset="-122"/>
+              </a:rPr>
+              <a:t>太</a:t>
+            </a:r>
+            <a:r>
+              <a:rPr lang="zh-CN" altLang="en-US" sz="1600" b="1" dirty="0" smtClean="0">
+                <a:solidFill>
+                  <a:prstClr val="black"/>
+                </a:solidFill>
+                <a:latin typeface="微软雅黑" panose="020B0503020204020204" pitchFamily="34" charset="-122"/>
+                <a:ea typeface="微软雅黑" panose="020B0503020204020204" pitchFamily="34" charset="-122"/>
+              </a:rPr>
+              <a:t>慢或太快</a:t>
+            </a:r>
+            <a:r>
+              <a:rPr lang="zh-CN" altLang="en-US" sz="1600" b="1" dirty="0" smtClean="0">
+                <a:solidFill>
+                  <a:prstClr val="black"/>
+                </a:solidFill>
+                <a:latin typeface="微软雅黑" panose="020B0503020204020204" pitchFamily="34" charset="-122"/>
+                <a:ea typeface="微软雅黑" panose="020B0503020204020204" pitchFamily="34" charset="-122"/>
+              </a:rPr>
+              <a:t>容易识别不出来</a:t>
+            </a:r>
+            <a:endParaRPr lang="en-US" altLang="zh-CN" sz="1600" b="1" dirty="0" smtClean="0">
+              <a:solidFill>
+                <a:prstClr val="black"/>
+              </a:solidFill>
+              <a:latin typeface="微软雅黑" panose="020B0503020204020204" pitchFamily="34" charset="-122"/>
+              <a:ea typeface="微软雅黑" panose="020B0503020204020204" pitchFamily="34" charset="-122"/>
+            </a:endParaRPr>
+          </a:p>
+          <a:p>
+            <a:pPr marL="285750" indent="-285750">
+              <a:lnSpc>
+                <a:spcPct val="200000"/>
+              </a:lnSpc>
+              <a:buFont typeface="Wingdings" panose="05000000000000000000" pitchFamily="2" charset="2"/>
+              <a:buChar char="p"/>
+            </a:pPr>
+            <a:r>
+              <a:rPr lang="zh-CN" altLang="en-US" sz="1600" b="1" dirty="0" smtClean="0">
+                <a:solidFill>
+                  <a:prstClr val="black"/>
+                </a:solidFill>
+                <a:latin typeface="微软雅黑" panose="020B0503020204020204" pitchFamily="34" charset="-122"/>
+                <a:ea typeface="微软雅黑" panose="020B0503020204020204" pitchFamily="34" charset="-122"/>
+              </a:rPr>
+              <a:t>粗看</a:t>
+            </a:r>
+            <a:r>
+              <a:rPr lang="en-US" altLang="zh-CN" sz="1600" b="1" dirty="0" smtClean="0">
+                <a:solidFill>
+                  <a:prstClr val="black"/>
+                </a:solidFill>
+                <a:latin typeface="微软雅黑" panose="020B0503020204020204" pitchFamily="34" charset="-122"/>
+                <a:ea typeface="微软雅黑" panose="020B0503020204020204" pitchFamily="34" charset="-122"/>
+              </a:rPr>
+              <a:t>OLA</a:t>
+            </a:r>
+            <a:r>
+              <a:rPr lang="zh-CN" altLang="en-US" sz="1600" b="1" dirty="0" smtClean="0">
+                <a:solidFill>
+                  <a:prstClr val="black"/>
+                </a:solidFill>
+                <a:latin typeface="微软雅黑" panose="020B0503020204020204" pitchFamily="34" charset="-122"/>
+                <a:ea typeface="微软雅黑" panose="020B0503020204020204" pitchFamily="34" charset="-122"/>
+              </a:rPr>
+              <a:t>效果最好，</a:t>
+            </a:r>
+            <a:r>
+              <a:rPr lang="en-US" altLang="zh-CN" sz="1600" b="1" dirty="0" smtClean="0">
+                <a:solidFill>
+                  <a:prstClr val="black"/>
+                </a:solidFill>
+                <a:latin typeface="微软雅黑" panose="020B0503020204020204" pitchFamily="34" charset="-122"/>
+                <a:ea typeface="微软雅黑" panose="020B0503020204020204" pitchFamily="34" charset="-122"/>
+              </a:rPr>
+              <a:t>OLA&gt;WSOLA&gt;PV</a:t>
+            </a:r>
+            <a:r>
+              <a:rPr lang="zh-CN" altLang="en-US" sz="1600" b="1" dirty="0" smtClean="0">
+                <a:solidFill>
+                  <a:prstClr val="black"/>
+                </a:solidFill>
+                <a:latin typeface="微软雅黑" panose="020B0503020204020204" pitchFamily="34" charset="-122"/>
+                <a:ea typeface="微软雅黑" panose="020B0503020204020204" pitchFamily="34" charset="-122"/>
+              </a:rPr>
+              <a:t>，例如</a:t>
+            </a:r>
+            <a:r>
+              <a:rPr lang="en-US" altLang="zh-CN" sz="1600" b="1" dirty="0" smtClean="0">
+                <a:solidFill>
+                  <a:prstClr val="black"/>
+                </a:solidFill>
+                <a:latin typeface="微软雅黑" panose="020B0503020204020204" pitchFamily="34" charset="-122"/>
+                <a:ea typeface="微软雅黑" panose="020B0503020204020204" pitchFamily="34" charset="-122"/>
+              </a:rPr>
+              <a:t>Okay-&gt;Ok</a:t>
+            </a:r>
+          </a:p>
+          <a:p>
+            <a:pPr marL="285750" indent="-285750">
+              <a:lnSpc>
+                <a:spcPct val="200000"/>
+              </a:lnSpc>
+              <a:buFont typeface="Wingdings" panose="05000000000000000000" pitchFamily="2" charset="2"/>
+              <a:buChar char="p"/>
+            </a:pPr>
+            <a:r>
+              <a:rPr lang="zh-CN" altLang="en-US" sz="1600" b="1" dirty="0" smtClean="0">
+                <a:solidFill>
+                  <a:prstClr val="black"/>
+                </a:solidFill>
+                <a:latin typeface="微软雅黑" panose="020B0503020204020204" pitchFamily="34" charset="-122"/>
+                <a:ea typeface="微软雅黑" panose="020B0503020204020204" pitchFamily="34" charset="-122"/>
+              </a:rPr>
+              <a:t>科大讯飞好于百度</a:t>
+            </a:r>
+            <a:endParaRPr lang="en-US" altLang="zh-CN" sz="1600" b="1" dirty="0" smtClean="0">
+              <a:solidFill>
+                <a:prstClr val="black"/>
+              </a:solidFill>
+              <a:latin typeface="微软雅黑" panose="020B0503020204020204" pitchFamily="34" charset="-122"/>
+              <a:ea typeface="微软雅黑" panose="020B0503020204020204" pitchFamily="34" charset="-122"/>
+            </a:endParaRPr>
+          </a:p>
+        </p:txBody>
+      </p:sp>
     </p:spTree>
     <p:extLst>
       <p:ext uri="{BB962C8B-B14F-4D97-AF65-F5344CB8AC3E}">
-        <p14:creationId xmlns:p14="http://schemas.microsoft.com/office/powerpoint/2010/main" val="1758818972"/>
+        <p14:creationId xmlns:p14="http://schemas.microsoft.com/office/powerpoint/2010/main" val="1130742833"/>
       </p:ext>
     </p:extLst>
   </p:cSld>
@@ -32728,44 +32963,92 @@
       </p:grpSpPr>
       <p:sp>
         <p:nvSpPr>
-          <p:cNvPr id="12" name="矩形 11">
-            <a:extLst>
-              <a:ext uri="{FF2B5EF4-FFF2-40B4-BE49-F238E27FC236}">
-                <a16:creationId xmlns:a16="http://schemas.microsoft.com/office/drawing/2014/main" id="{0FDAD747-108F-4A6D-9220-5EA05067FF1E}"/>
-              </a:ext>
-            </a:extLst>
-          </p:cNvPr>
-          <p:cNvSpPr/>
+          <p:cNvPr id="13" name="文本框 12"/>
+          <p:cNvSpPr txBox="1"/>
           <p:nvPr/>
         </p:nvSpPr>
         <p:spPr>
           <a:xfrm>
-            <a:off x="843572" y="1120596"/>
-            <a:ext cx="1826141" cy="584775"/>
+            <a:off x="1133852" y="2368487"/>
+            <a:ext cx="9954277" cy="707886"/>
           </a:xfrm>
           <a:prstGeom prst="rect">
             <a:avLst/>
           </a:prstGeom>
+          <a:noFill/>
         </p:spPr>
         <p:txBody>
-          <a:bodyPr wrap="none">
+          <a:bodyPr wrap="square" rtlCol="0" anchor="ctr">
             <a:spAutoFit/>
           </a:bodyPr>
           <a:lstStyle/>
           <a:p>
-            <a:r>
-              <a:rPr lang="zh-CN" altLang="en-US" sz="3200" b="1" dirty="0" smtClean="0">
-                <a:solidFill>
-                  <a:prstClr val="black"/>
-                </a:solidFill>
-                <a:latin typeface="微软雅黑" panose="020B0503020204020204" pitchFamily="34" charset="-122"/>
-                <a:ea typeface="微软雅黑" panose="020B0503020204020204" pitchFamily="34" charset="-122"/>
-              </a:rPr>
-              <a:t>最近进展</a:t>
-            </a:r>
-            <a:endParaRPr lang="zh-CN" altLang="en-US" sz="3200" b="1" dirty="0">
+            <a:pPr algn="ctr"/>
+            <a:r>
+              <a:rPr lang="en-US" altLang="zh-CN" sz="4000" b="1" dirty="0" smtClean="0">
+                <a:solidFill>
+                  <a:schemeClr val="bg2">
+                    <a:lumMod val="10000"/>
+                  </a:schemeClr>
+                </a:solidFill>
+                <a:latin typeface="微软雅黑" panose="020B0503020204020204" pitchFamily="34" charset="-122"/>
+                <a:ea typeface="微软雅黑" panose="020B0503020204020204" pitchFamily="34" charset="-122"/>
+              </a:rPr>
+              <a:t>4</a:t>
+            </a:r>
+            <a:r>
+              <a:rPr lang="zh-CN" altLang="en-US" sz="4000" b="1" dirty="0" smtClean="0">
+                <a:solidFill>
+                  <a:schemeClr val="bg2">
+                    <a:lumMod val="10000"/>
+                  </a:schemeClr>
+                </a:solidFill>
+                <a:latin typeface="微软雅黑" panose="020B0503020204020204" pitchFamily="34" charset="-122"/>
+                <a:ea typeface="微软雅黑" panose="020B0503020204020204" pitchFamily="34" charset="-122"/>
+              </a:rPr>
+              <a:t>月</a:t>
+            </a:r>
+            <a:r>
+              <a:rPr lang="en-US" altLang="zh-CN" sz="4000" b="1" dirty="0" smtClean="0">
+                <a:solidFill>
+                  <a:schemeClr val="bg2">
+                    <a:lumMod val="10000"/>
+                  </a:schemeClr>
+                </a:solidFill>
+                <a:latin typeface="微软雅黑" panose="020B0503020204020204" pitchFamily="34" charset="-122"/>
+                <a:ea typeface="微软雅黑" panose="020B0503020204020204" pitchFamily="34" charset="-122"/>
+              </a:rPr>
+              <a:t>10</a:t>
+            </a:r>
+            <a:r>
+              <a:rPr lang="zh-CN" altLang="en-US" sz="4000" b="1" dirty="0" smtClean="0">
+                <a:solidFill>
+                  <a:schemeClr val="bg2">
+                    <a:lumMod val="10000"/>
+                  </a:schemeClr>
+                </a:solidFill>
+                <a:latin typeface="微软雅黑" panose="020B0503020204020204" pitchFamily="34" charset="-122"/>
+                <a:ea typeface="微软雅黑" panose="020B0503020204020204" pitchFamily="34" charset="-122"/>
+              </a:rPr>
+              <a:t>号 汇报</a:t>
+            </a:r>
+            <a:r>
+              <a:rPr lang="en-US" altLang="zh-CN" sz="4000" b="1" dirty="0" smtClean="0">
+                <a:solidFill>
+                  <a:schemeClr val="bg2">
+                    <a:lumMod val="10000"/>
+                  </a:schemeClr>
+                </a:solidFill>
+                <a:latin typeface="微软雅黑" panose="020B0503020204020204" pitchFamily="34" charset="-122"/>
+                <a:ea typeface="微软雅黑" panose="020B0503020204020204" pitchFamily="34" charset="-122"/>
+              </a:rPr>
+              <a:t>PPT</a:t>
+            </a:r>
+            <a:endParaRPr lang="en-US" altLang="zh-CN" sz="4000" dirty="0" smtClean="0">
               <a:solidFill>
-                <a:prstClr val="black"/>
+                <a:schemeClr val="bg2">
+                  <a:lumMod val="10000"/>
+                </a:schemeClr>
               </a:solidFill>
               <a:latin typeface="微软雅黑" panose="020B0503020204020204" pitchFamily="34" charset="-122"/>
               <a:ea typeface="微软雅黑" panose="020B0503020204020204" pitchFamily="34" charset="-122"/>
@@ -32773,481 +33056,10 @@
           </a:p>
         </p:txBody>
       </p:sp>
-      <p:sp>
-        <p:nvSpPr>
-          <p:cNvPr id="4" name="矩形 3">
-            <a:extLst>
-              <a:ext uri="{FF2B5EF4-FFF2-40B4-BE49-F238E27FC236}">
-                <a16:creationId xmlns:a16="http://schemas.microsoft.com/office/drawing/2014/main" id="{0FDAD747-108F-4A6D-9220-5EA05067FF1E}"/>
-              </a:ext>
-            </a:extLst>
-          </p:cNvPr>
-          <p:cNvSpPr/>
-          <p:nvPr/>
-        </p:nvSpPr>
-        <p:spPr>
-          <a:xfrm>
-            <a:off x="843573" y="2098407"/>
-            <a:ext cx="10730590" cy="4031873"/>
-          </a:xfrm>
-          <a:prstGeom prst="rect">
-            <a:avLst/>
-          </a:prstGeom>
-        </p:spPr>
-        <p:txBody>
-          <a:bodyPr wrap="square">
-            <a:spAutoFit/>
-          </a:bodyPr>
-          <a:lstStyle/>
-          <a:p>
-            <a:pPr marL="285750" indent="-285750">
-              <a:lnSpc>
-                <a:spcPct val="200000"/>
-              </a:lnSpc>
-              <a:buFont typeface="Wingdings" panose="05000000000000000000" pitchFamily="2" charset="2"/>
-              <a:buChar char="p"/>
-            </a:pPr>
-            <a:r>
-              <a:rPr lang="zh-CN" altLang="en-US" sz="1600" b="1" dirty="0" smtClean="0">
-                <a:solidFill>
-                  <a:prstClr val="black"/>
-                </a:solidFill>
-                <a:latin typeface="微软雅黑" panose="020B0503020204020204" pitchFamily="34" charset="-122"/>
-                <a:ea typeface="微软雅黑" panose="020B0503020204020204" pitchFamily="34" charset="-122"/>
-              </a:rPr>
-              <a:t>环境搭建</a:t>
-            </a:r>
-            <a:r>
-              <a:rPr lang="zh-CN" altLang="en-US" sz="1600" dirty="0" smtClean="0">
-                <a:solidFill>
-                  <a:prstClr val="black"/>
-                </a:solidFill>
-                <a:latin typeface="微软雅黑" panose="020B0503020204020204" pitchFamily="34" charset="-122"/>
-                <a:ea typeface="微软雅黑" panose="020B0503020204020204" pitchFamily="34" charset="-122"/>
-              </a:rPr>
-              <a:t>：</a:t>
-            </a:r>
-            <a:r>
-              <a:rPr lang="en-US" altLang="zh-CN" sz="1600" dirty="0" smtClean="0">
-                <a:solidFill>
-                  <a:prstClr val="black"/>
-                </a:solidFill>
-                <a:latin typeface="微软雅黑" panose="020B0503020204020204" pitchFamily="34" charset="-122"/>
-                <a:ea typeface="微软雅黑" panose="020B0503020204020204" pitchFamily="34" charset="-122"/>
-              </a:rPr>
-              <a:t>1</a:t>
-            </a:r>
-            <a:r>
-              <a:rPr lang="zh-CN" altLang="en-US" sz="1600" dirty="0" smtClean="0">
-                <a:solidFill>
-                  <a:prstClr val="black"/>
-                </a:solidFill>
-                <a:latin typeface="微软雅黑" panose="020B0503020204020204" pitchFamily="34" charset="-122"/>
-                <a:ea typeface="微软雅黑" panose="020B0503020204020204" pitchFamily="34" charset="-122"/>
-              </a:rPr>
-              <a:t>）开</a:t>
-            </a:r>
-            <a:r>
-              <a:rPr lang="zh-CN" altLang="en-US" sz="1600" dirty="0">
-                <a:solidFill>
-                  <a:prstClr val="black"/>
-                </a:solidFill>
-                <a:latin typeface="微软雅黑" panose="020B0503020204020204" pitchFamily="34" charset="-122"/>
-                <a:ea typeface="微软雅黑" panose="020B0503020204020204" pitchFamily="34" charset="-122"/>
-              </a:rPr>
-              <a:t>源模型环境</a:t>
-            </a:r>
-            <a:r>
-              <a:rPr lang="zh-CN" altLang="en-US" sz="1600" dirty="0" smtClean="0">
-                <a:solidFill>
-                  <a:prstClr val="black"/>
-                </a:solidFill>
-                <a:latin typeface="微软雅黑" panose="020B0503020204020204" pitchFamily="34" charset="-122"/>
-                <a:ea typeface="微软雅黑" panose="020B0503020204020204" pitchFamily="34" charset="-122"/>
-              </a:rPr>
-              <a:t>搭建（沁宏详细介绍下现在卡在哪里）；</a:t>
-            </a:r>
-            <a:r>
-              <a:rPr lang="en-US" altLang="zh-CN" sz="1600" dirty="0" smtClean="0">
-                <a:solidFill>
-                  <a:prstClr val="black"/>
-                </a:solidFill>
-                <a:latin typeface="微软雅黑" panose="020B0503020204020204" pitchFamily="34" charset="-122"/>
-                <a:ea typeface="微软雅黑" panose="020B0503020204020204" pitchFamily="34" charset="-122"/>
-              </a:rPr>
-              <a:t>2</a:t>
-            </a:r>
-            <a:r>
-              <a:rPr lang="zh-CN" altLang="en-US" sz="1600" dirty="0" smtClean="0">
-                <a:solidFill>
-                  <a:prstClr val="black"/>
-                </a:solidFill>
-                <a:latin typeface="微软雅黑" panose="020B0503020204020204" pitchFamily="34" charset="-122"/>
-                <a:ea typeface="微软雅黑" panose="020B0503020204020204" pitchFamily="34" charset="-122"/>
-              </a:rPr>
-              <a:t>）百度、科大讯飞正常功能</a:t>
-            </a:r>
-            <a:r>
-              <a:rPr lang="en-US" altLang="zh-CN" sz="1600" dirty="0" smtClean="0">
-                <a:solidFill>
-                  <a:prstClr val="black"/>
-                </a:solidFill>
-                <a:latin typeface="微软雅黑" panose="020B0503020204020204" pitchFamily="34" charset="-122"/>
-                <a:ea typeface="微软雅黑" panose="020B0503020204020204" pitchFamily="34" charset="-122"/>
-              </a:rPr>
-              <a:t>debug</a:t>
-            </a:r>
-            <a:r>
-              <a:rPr lang="zh-CN" altLang="en-US" sz="1600" dirty="0" smtClean="0">
-                <a:solidFill>
-                  <a:prstClr val="black"/>
-                </a:solidFill>
-                <a:latin typeface="微软雅黑" panose="020B0503020204020204" pitchFamily="34" charset="-122"/>
-                <a:ea typeface="微软雅黑" panose="020B0503020204020204" pitchFamily="34" charset="-122"/>
-              </a:rPr>
-              <a:t>完成，确定</a:t>
-            </a:r>
-            <a:r>
-              <a:rPr lang="en-US" altLang="zh-CN" sz="1600" dirty="0" smtClean="0">
-                <a:solidFill>
-                  <a:prstClr val="black"/>
-                </a:solidFill>
-                <a:latin typeface="微软雅黑" panose="020B0503020204020204" pitchFamily="34" charset="-122"/>
-                <a:ea typeface="微软雅黑" panose="020B0503020204020204" pitchFamily="34" charset="-122"/>
-              </a:rPr>
-              <a:t>google </a:t>
-            </a:r>
-            <a:r>
-              <a:rPr lang="en-US" altLang="zh-CN" sz="1600" dirty="0" err="1" smtClean="0">
-                <a:solidFill>
-                  <a:prstClr val="black"/>
-                </a:solidFill>
-                <a:latin typeface="微软雅黑" panose="020B0503020204020204" pitchFamily="34" charset="-122"/>
-                <a:ea typeface="微软雅黑" panose="020B0503020204020204" pitchFamily="34" charset="-122"/>
-              </a:rPr>
-              <a:t>api</a:t>
-            </a:r>
-            <a:r>
-              <a:rPr lang="zh-CN" altLang="en-US" sz="1600" dirty="0" smtClean="0">
-                <a:solidFill>
-                  <a:prstClr val="black"/>
-                </a:solidFill>
-                <a:latin typeface="微软雅黑" panose="020B0503020204020204" pitchFamily="34" charset="-122"/>
-                <a:ea typeface="微软雅黑" panose="020B0503020204020204" pitchFamily="34" charset="-122"/>
-              </a:rPr>
-              <a:t>国内不可用。</a:t>
-            </a:r>
-            <a:endParaRPr lang="en-US" altLang="zh-CN" sz="1600" dirty="0" smtClean="0">
-              <a:solidFill>
-                <a:prstClr val="black"/>
-              </a:solidFill>
-              <a:latin typeface="微软雅黑" panose="020B0503020204020204" pitchFamily="34" charset="-122"/>
-              <a:ea typeface="微软雅黑" panose="020B0503020204020204" pitchFamily="34" charset="-122"/>
-            </a:endParaRPr>
-          </a:p>
-          <a:p>
-            <a:pPr marL="285750" indent="-285750">
-              <a:lnSpc>
-                <a:spcPct val="200000"/>
-              </a:lnSpc>
-              <a:buFont typeface="Wingdings" panose="05000000000000000000" pitchFamily="2" charset="2"/>
-              <a:buChar char="p"/>
-            </a:pPr>
-            <a:r>
-              <a:rPr lang="zh-CN" altLang="en-US" sz="1600" b="1" dirty="0" smtClean="0">
-                <a:solidFill>
-                  <a:prstClr val="black"/>
-                </a:solidFill>
-                <a:latin typeface="微软雅黑" panose="020B0503020204020204" pitchFamily="34" charset="-122"/>
-                <a:ea typeface="微软雅黑" panose="020B0503020204020204" pitchFamily="34" charset="-122"/>
-              </a:rPr>
-              <a:t>思路讨论</a:t>
-            </a:r>
-            <a:r>
-              <a:rPr lang="zh-CN" altLang="en-US" sz="1600" dirty="0" smtClean="0">
-                <a:solidFill>
-                  <a:prstClr val="black"/>
-                </a:solidFill>
-                <a:latin typeface="微软雅黑" panose="020B0503020204020204" pitchFamily="34" charset="-122"/>
-                <a:ea typeface="微软雅黑" panose="020B0503020204020204" pitchFamily="34" charset="-122"/>
-              </a:rPr>
-              <a:t>：基于预处理的防御方法详见</a:t>
-            </a:r>
-            <a:r>
-              <a:rPr lang="en-US" altLang="zh-CN" sz="1600" dirty="0" smtClean="0">
-                <a:solidFill>
-                  <a:prstClr val="black"/>
-                </a:solidFill>
-                <a:latin typeface="微软雅黑" panose="020B0503020204020204" pitchFamily="34" charset="-122"/>
-                <a:ea typeface="微软雅黑" panose="020B0503020204020204" pitchFamily="34" charset="-122"/>
-              </a:rPr>
-              <a:t>P53-55</a:t>
-            </a:r>
-          </a:p>
-          <a:p>
-            <a:pPr marL="285750" indent="-285750">
-              <a:lnSpc>
-                <a:spcPct val="200000"/>
-              </a:lnSpc>
-              <a:buFont typeface="Wingdings" panose="05000000000000000000" pitchFamily="2" charset="2"/>
-              <a:buChar char="p"/>
-            </a:pPr>
-            <a:r>
-              <a:rPr lang="zh-CN" altLang="en-US" sz="1600" b="1" dirty="0" smtClean="0">
-                <a:solidFill>
-                  <a:prstClr val="black"/>
-                </a:solidFill>
-                <a:latin typeface="微软雅黑" panose="020B0503020204020204" pitchFamily="34" charset="-122"/>
-                <a:ea typeface="微软雅黑" panose="020B0503020204020204" pitchFamily="34" charset="-122"/>
-              </a:rPr>
-              <a:t>音频频谱</a:t>
-            </a:r>
-            <a:r>
-              <a:rPr lang="zh-CN" altLang="en-US" sz="1600" b="1" dirty="0" smtClean="0">
-                <a:solidFill>
-                  <a:prstClr val="black"/>
-                </a:solidFill>
-                <a:latin typeface="微软雅黑" panose="020B0503020204020204" pitchFamily="34" charset="-122"/>
-                <a:ea typeface="微软雅黑" panose="020B0503020204020204" pitchFamily="34" charset="-122"/>
-              </a:rPr>
-              <a:t>图与波形图</a:t>
-            </a:r>
-            <a:r>
-              <a:rPr lang="zh-CN" altLang="en-US" sz="1600" b="1" dirty="0" smtClean="0">
-                <a:solidFill>
-                  <a:prstClr val="black"/>
-                </a:solidFill>
-                <a:latin typeface="微软雅黑" panose="020B0503020204020204" pitchFamily="34" charset="-122"/>
-                <a:ea typeface="微软雅黑" panose="020B0503020204020204" pitchFamily="34" charset="-122"/>
-              </a:rPr>
-              <a:t>处理</a:t>
-            </a:r>
-            <a:r>
-              <a:rPr lang="zh-CN" altLang="en-US" sz="1600" b="1" dirty="0" smtClean="0">
-                <a:solidFill>
-                  <a:prstClr val="black"/>
-                </a:solidFill>
-                <a:latin typeface="微软雅黑" panose="020B0503020204020204" pitchFamily="34" charset="-122"/>
-                <a:ea typeface="微软雅黑" panose="020B0503020204020204" pitchFamily="34" charset="-122"/>
-                <a:sym typeface="Wingdings" panose="05000000000000000000" pitchFamily="2" charset="2"/>
-              </a:rPr>
-              <a:t>：</a:t>
-            </a:r>
-            <a:r>
-              <a:rPr lang="en-US" altLang="zh-CN" sz="1600" dirty="0" smtClean="0">
-                <a:solidFill>
-                  <a:prstClr val="black"/>
-                </a:solidFill>
-                <a:latin typeface="微软雅黑" panose="020B0503020204020204" pitchFamily="34" charset="-122"/>
-                <a:ea typeface="微软雅黑" panose="020B0503020204020204" pitchFamily="34" charset="-122"/>
-                <a:sym typeface="Wingdings" panose="05000000000000000000" pitchFamily="2" charset="2"/>
-              </a:rPr>
-              <a:t>1</a:t>
-            </a:r>
-            <a:r>
-              <a:rPr lang="zh-CN" altLang="en-US" sz="1600" dirty="0" smtClean="0">
-                <a:solidFill>
-                  <a:prstClr val="black"/>
-                </a:solidFill>
-                <a:latin typeface="微软雅黑" panose="020B0503020204020204" pitchFamily="34" charset="-122"/>
-                <a:ea typeface="微软雅黑" panose="020B0503020204020204" pitchFamily="34" charset="-122"/>
-                <a:sym typeface="Wingdings" panose="05000000000000000000" pitchFamily="2" charset="2"/>
-              </a:rPr>
-              <a:t>）同一音频，同一速度，不同倍速算法；</a:t>
-            </a:r>
-            <a:r>
-              <a:rPr lang="en-US" altLang="zh-CN" sz="1600" dirty="0" smtClean="0">
-                <a:solidFill>
-                  <a:prstClr val="black"/>
-                </a:solidFill>
-                <a:latin typeface="微软雅黑" panose="020B0503020204020204" pitchFamily="34" charset="-122"/>
-                <a:ea typeface="微软雅黑" panose="020B0503020204020204" pitchFamily="34" charset="-122"/>
-                <a:sym typeface="Wingdings" panose="05000000000000000000" pitchFamily="2" charset="2"/>
-              </a:rPr>
-              <a:t>2</a:t>
-            </a:r>
-            <a:r>
-              <a:rPr lang="zh-CN" altLang="en-US" sz="1600" dirty="0" smtClean="0">
-                <a:solidFill>
-                  <a:prstClr val="black"/>
-                </a:solidFill>
-                <a:latin typeface="微软雅黑" panose="020B0503020204020204" pitchFamily="34" charset="-122"/>
-                <a:ea typeface="微软雅黑" panose="020B0503020204020204" pitchFamily="34" charset="-122"/>
-                <a:sym typeface="Wingdings" panose="05000000000000000000" pitchFamily="2" charset="2"/>
-              </a:rPr>
-              <a:t>）同一音频，同一倍速算法，不同速度。</a:t>
-            </a:r>
-            <a:endParaRPr lang="en-US" altLang="zh-CN" sz="1600" b="1" dirty="0" smtClean="0">
-              <a:solidFill>
-                <a:prstClr val="black"/>
-              </a:solidFill>
-              <a:latin typeface="微软雅黑" panose="020B0503020204020204" pitchFamily="34" charset="-122"/>
-              <a:ea typeface="微软雅黑" panose="020B0503020204020204" pitchFamily="34" charset="-122"/>
-            </a:endParaRPr>
-          </a:p>
-          <a:p>
-            <a:pPr marL="285750" indent="-285750">
-              <a:lnSpc>
-                <a:spcPct val="200000"/>
-              </a:lnSpc>
-              <a:buFont typeface="Wingdings" panose="05000000000000000000" pitchFamily="2" charset="2"/>
-              <a:buChar char="p"/>
-            </a:pPr>
-            <a:r>
-              <a:rPr lang="zh-CN" altLang="en-US" sz="1600" b="1" dirty="0">
-                <a:solidFill>
-                  <a:prstClr val="black"/>
-                </a:solidFill>
-                <a:latin typeface="微软雅黑" panose="020B0503020204020204" pitchFamily="34" charset="-122"/>
-                <a:ea typeface="微软雅黑" panose="020B0503020204020204" pitchFamily="34" charset="-122"/>
-              </a:rPr>
-              <a:t>倍速算</a:t>
-            </a:r>
-            <a:r>
-              <a:rPr lang="zh-CN" altLang="en-US" sz="1600" b="1" dirty="0" smtClean="0">
-                <a:solidFill>
-                  <a:prstClr val="black"/>
-                </a:solidFill>
-                <a:latin typeface="微软雅黑" panose="020B0503020204020204" pitchFamily="34" charset="-122"/>
-                <a:ea typeface="微软雅黑" panose="020B0503020204020204" pitchFamily="34" charset="-122"/>
-              </a:rPr>
-              <a:t>法预处理机理研究：</a:t>
-            </a:r>
-            <a:r>
-              <a:rPr lang="zh-CN" altLang="en-US" sz="1600" dirty="0" smtClean="0">
-                <a:solidFill>
-                  <a:prstClr val="black"/>
-                </a:solidFill>
-                <a:latin typeface="微软雅黑" panose="020B0503020204020204" pitchFamily="34" charset="-122"/>
-                <a:ea typeface="微软雅黑" panose="020B0503020204020204" pitchFamily="34" charset="-122"/>
-              </a:rPr>
-              <a:t>详见</a:t>
-            </a:r>
-            <a:r>
-              <a:rPr lang="en-US" altLang="zh-CN" sz="1600" dirty="0" smtClean="0">
-                <a:solidFill>
-                  <a:prstClr val="black"/>
-                </a:solidFill>
-                <a:latin typeface="微软雅黑" panose="020B0503020204020204" pitchFamily="34" charset="-122"/>
-                <a:ea typeface="微软雅黑" panose="020B0503020204020204" pitchFamily="34" charset="-122"/>
-              </a:rPr>
-              <a:t>P33-P40</a:t>
-            </a:r>
-          </a:p>
-          <a:p>
-            <a:pPr marL="285750" indent="-285750">
-              <a:lnSpc>
-                <a:spcPct val="200000"/>
-              </a:lnSpc>
-              <a:buFont typeface="Wingdings" panose="05000000000000000000" pitchFamily="2" charset="2"/>
-              <a:buChar char="p"/>
-            </a:pPr>
-            <a:r>
-              <a:rPr lang="zh-CN" altLang="en-US" sz="1600" b="1" dirty="0" smtClean="0">
-                <a:solidFill>
-                  <a:prstClr val="black"/>
-                </a:solidFill>
-                <a:latin typeface="微软雅黑" panose="020B0503020204020204" pitchFamily="34" charset="-122"/>
-                <a:ea typeface="微软雅黑" panose="020B0503020204020204" pitchFamily="34" charset="-122"/>
-              </a:rPr>
-              <a:t>细粒度探究</a:t>
-            </a:r>
-            <a:r>
-              <a:rPr lang="zh-CN" altLang="en-US" sz="1600" b="1" dirty="0" smtClean="0">
-                <a:solidFill>
-                  <a:prstClr val="black"/>
-                </a:solidFill>
-                <a:latin typeface="微软雅黑" panose="020B0503020204020204" pitchFamily="34" charset="-122"/>
-                <a:ea typeface="微软雅黑" panose="020B0503020204020204" pitchFamily="34" charset="-122"/>
-              </a:rPr>
-              <a:t>实验</a:t>
-            </a:r>
-            <a:r>
-              <a:rPr lang="en-US" altLang="zh-CN" sz="1600" b="1" dirty="0" smtClean="0">
-                <a:solidFill>
-                  <a:prstClr val="black"/>
-                </a:solidFill>
-                <a:latin typeface="微软雅黑" panose="020B0503020204020204" pitchFamily="34" charset="-122"/>
-                <a:ea typeface="微软雅黑" panose="020B0503020204020204" pitchFamily="34" charset="-122"/>
-              </a:rPr>
-              <a:t>:</a:t>
-            </a:r>
-            <a:r>
-              <a:rPr lang="en-US" altLang="zh-CN" sz="1600" dirty="0" smtClean="0">
-                <a:solidFill>
-                  <a:prstClr val="black"/>
-                </a:solidFill>
-                <a:latin typeface="微软雅黑" panose="020B0503020204020204" pitchFamily="34" charset="-122"/>
-                <a:ea typeface="微软雅黑" panose="020B0503020204020204" pitchFamily="34" charset="-122"/>
-              </a:rPr>
-              <a:t> 0.25:2.75:0.25</a:t>
-            </a:r>
-            <a:endParaRPr lang="en-US" altLang="zh-CN" sz="1600" b="1" dirty="0" smtClean="0">
-              <a:solidFill>
-                <a:prstClr val="black"/>
-              </a:solidFill>
-              <a:latin typeface="微软雅黑" panose="020B0503020204020204" pitchFamily="34" charset="-122"/>
-              <a:ea typeface="微软雅黑" panose="020B0503020204020204" pitchFamily="34" charset="-122"/>
-            </a:endParaRPr>
-          </a:p>
-          <a:p>
-            <a:pPr marL="285750" indent="-285750">
-              <a:lnSpc>
-                <a:spcPct val="200000"/>
-              </a:lnSpc>
-              <a:buFont typeface="Wingdings" panose="05000000000000000000" pitchFamily="2" charset="2"/>
-              <a:buChar char="p"/>
-            </a:pPr>
-            <a:r>
-              <a:rPr lang="en-US" altLang="zh-CN" sz="1600" b="1" dirty="0" err="1" smtClean="0">
-                <a:solidFill>
-                  <a:prstClr val="black"/>
-                </a:solidFill>
-                <a:latin typeface="微软雅黑" panose="020B0503020204020204" pitchFamily="34" charset="-122"/>
-                <a:ea typeface="微软雅黑" panose="020B0503020204020204" pitchFamily="34" charset="-122"/>
-              </a:rPr>
-              <a:t>Github</a:t>
-            </a:r>
-            <a:r>
-              <a:rPr lang="zh-CN" altLang="en-US" sz="1600" b="1" dirty="0" smtClean="0">
-                <a:solidFill>
-                  <a:prstClr val="black"/>
-                </a:solidFill>
-                <a:latin typeface="微软雅黑" panose="020B0503020204020204" pitchFamily="34" charset="-122"/>
-                <a:ea typeface="微软雅黑" panose="020B0503020204020204" pitchFamily="34" charset="-122"/>
-              </a:rPr>
-              <a:t>文件整理</a:t>
-            </a:r>
-            <a:endParaRPr lang="en-US" altLang="zh-CN" sz="1600" b="1" dirty="0" smtClean="0">
-              <a:solidFill>
-                <a:prstClr val="black"/>
-              </a:solidFill>
-              <a:latin typeface="微软雅黑" panose="020B0503020204020204" pitchFamily="34" charset="-122"/>
-              <a:ea typeface="微软雅黑" panose="020B0503020204020204" pitchFamily="34" charset="-122"/>
-            </a:endParaRPr>
-          </a:p>
-          <a:p>
-            <a:pPr marL="285750" indent="-285750">
-              <a:lnSpc>
-                <a:spcPct val="200000"/>
-              </a:lnSpc>
-              <a:buFont typeface="Wingdings" panose="05000000000000000000" pitchFamily="2" charset="2"/>
-              <a:buChar char="p"/>
-            </a:pPr>
-            <a:endParaRPr lang="en-US" altLang="zh-CN" sz="1600" dirty="0" smtClean="0">
-              <a:solidFill>
-                <a:prstClr val="black"/>
-              </a:solidFill>
-              <a:latin typeface="微软雅黑" panose="020B0503020204020204" pitchFamily="34" charset="-122"/>
-              <a:ea typeface="微软雅黑" panose="020B0503020204020204" pitchFamily="34" charset="-122"/>
-            </a:endParaRPr>
-          </a:p>
-        </p:txBody>
-      </p:sp>
     </p:spTree>
     <p:extLst>
       <p:ext uri="{BB962C8B-B14F-4D97-AF65-F5344CB8AC3E}">
-        <p14:creationId xmlns:p14="http://schemas.microsoft.com/office/powerpoint/2010/main" val="2643354430"/>
+        <p14:creationId xmlns:p14="http://schemas.microsoft.com/office/powerpoint/2010/main" val="1758818972"/>
       </p:ext>
     </p:extLst>
   </p:cSld>
@@ -33286,7 +33098,7 @@
           <p:cNvPr id="12" name="矩形 11">
             <a:extLst>
               <a:ext uri="{FF2B5EF4-FFF2-40B4-BE49-F238E27FC236}">
-                <a16:creationId xmlns:a16="http://schemas.microsoft.com/office/drawing/2014/main" id="{0FDAD747-108F-4A6D-9220-5EA05067FF1E}"/>
+                <a16:creationId xmlns:a16="http://schemas.microsoft.com/office/drawing/2014/main" xmlns="" id="{0FDAD747-108F-4A6D-9220-5EA05067FF1E}"/>
               </a:ext>
             </a:extLst>
           </p:cNvPr>
@@ -33316,7 +33128,7 @@
                 <a:latin typeface="微软雅黑" panose="020B0503020204020204" pitchFamily="34" charset="-122"/>
                 <a:ea typeface="微软雅黑" panose="020B0503020204020204" pitchFamily="34" charset="-122"/>
               </a:rPr>
-              <a:t>未来工作</a:t>
+              <a:t>最近进展</a:t>
             </a:r>
             <a:endParaRPr lang="zh-CN" altLang="en-US" sz="3200" b="1" dirty="0">
               <a:solidFill>
@@ -33333,7 +33145,7 @@
           <p:cNvPr id="4" name="矩形 3">
             <a:extLst>
               <a:ext uri="{FF2B5EF4-FFF2-40B4-BE49-F238E27FC236}">
-                <a16:creationId xmlns:a16="http://schemas.microsoft.com/office/drawing/2014/main" id="{0FDAD747-108F-4A6D-9220-5EA05067FF1E}"/>
+                <a16:creationId xmlns:a16="http://schemas.microsoft.com/office/drawing/2014/main" xmlns="" id="{0FDAD747-108F-4A6D-9220-5EA05067FF1E}"/>
               </a:ext>
             </a:extLst>
           </p:cNvPr>
@@ -33343,7 +33155,7 @@
         <p:spPr>
           <a:xfrm>
             <a:off x="843573" y="2098407"/>
-            <a:ext cx="10730590" cy="2062103"/>
+            <a:ext cx="10730590" cy="4031873"/>
           </a:xfrm>
           <a:prstGeom prst="rect">
             <a:avLst/>
@@ -33370,7 +33182,247 @@
                 <a:latin typeface="微软雅黑" panose="020B0503020204020204" pitchFamily="34" charset="-122"/>
                 <a:ea typeface="微软雅黑" panose="020B0503020204020204" pitchFamily="34" charset="-122"/>
               </a:rPr>
-              <a:t>量化实验（代码加输出）</a:t>
+              <a:t>环境搭建</a:t>
+            </a:r>
+            <a:r>
+              <a:rPr lang="zh-CN" altLang="en-US" sz="1600" dirty="0" smtClean="0">
+                <a:solidFill>
+                  <a:prstClr val="black"/>
+                </a:solidFill>
+                <a:latin typeface="微软雅黑" panose="020B0503020204020204" pitchFamily="34" charset="-122"/>
+                <a:ea typeface="微软雅黑" panose="020B0503020204020204" pitchFamily="34" charset="-122"/>
+              </a:rPr>
+              <a:t>：</a:t>
+            </a:r>
+            <a:r>
+              <a:rPr lang="en-US" altLang="zh-CN" sz="1600" dirty="0" smtClean="0">
+                <a:solidFill>
+                  <a:prstClr val="black"/>
+                </a:solidFill>
+                <a:latin typeface="微软雅黑" panose="020B0503020204020204" pitchFamily="34" charset="-122"/>
+                <a:ea typeface="微软雅黑" panose="020B0503020204020204" pitchFamily="34" charset="-122"/>
+              </a:rPr>
+              <a:t>1</a:t>
+            </a:r>
+            <a:r>
+              <a:rPr lang="zh-CN" altLang="en-US" sz="1600" dirty="0" smtClean="0">
+                <a:solidFill>
+                  <a:prstClr val="black"/>
+                </a:solidFill>
+                <a:latin typeface="微软雅黑" panose="020B0503020204020204" pitchFamily="34" charset="-122"/>
+                <a:ea typeface="微软雅黑" panose="020B0503020204020204" pitchFamily="34" charset="-122"/>
+              </a:rPr>
+              <a:t>）开</a:t>
+            </a:r>
+            <a:r>
+              <a:rPr lang="zh-CN" altLang="en-US" sz="1600" dirty="0">
+                <a:solidFill>
+                  <a:prstClr val="black"/>
+                </a:solidFill>
+                <a:latin typeface="微软雅黑" panose="020B0503020204020204" pitchFamily="34" charset="-122"/>
+                <a:ea typeface="微软雅黑" panose="020B0503020204020204" pitchFamily="34" charset="-122"/>
+              </a:rPr>
+              <a:t>源模型环境</a:t>
+            </a:r>
+            <a:r>
+              <a:rPr lang="zh-CN" altLang="en-US" sz="1600" dirty="0" smtClean="0">
+                <a:solidFill>
+                  <a:prstClr val="black"/>
+                </a:solidFill>
+                <a:latin typeface="微软雅黑" panose="020B0503020204020204" pitchFamily="34" charset="-122"/>
+                <a:ea typeface="微软雅黑" panose="020B0503020204020204" pitchFamily="34" charset="-122"/>
+              </a:rPr>
+              <a:t>搭建（沁宏详细介绍下现在卡在哪里）；</a:t>
+            </a:r>
+            <a:r>
+              <a:rPr lang="en-US" altLang="zh-CN" sz="1600" dirty="0" smtClean="0">
+                <a:solidFill>
+                  <a:prstClr val="black"/>
+                </a:solidFill>
+                <a:latin typeface="微软雅黑" panose="020B0503020204020204" pitchFamily="34" charset="-122"/>
+                <a:ea typeface="微软雅黑" panose="020B0503020204020204" pitchFamily="34" charset="-122"/>
+              </a:rPr>
+              <a:t>2</a:t>
+            </a:r>
+            <a:r>
+              <a:rPr lang="zh-CN" altLang="en-US" sz="1600" dirty="0" smtClean="0">
+                <a:solidFill>
+                  <a:prstClr val="black"/>
+                </a:solidFill>
+                <a:latin typeface="微软雅黑" panose="020B0503020204020204" pitchFamily="34" charset="-122"/>
+                <a:ea typeface="微软雅黑" panose="020B0503020204020204" pitchFamily="34" charset="-122"/>
+              </a:rPr>
+              <a:t>）百度、科大讯飞正常功能</a:t>
+            </a:r>
+            <a:r>
+              <a:rPr lang="en-US" altLang="zh-CN" sz="1600" dirty="0" smtClean="0">
+                <a:solidFill>
+                  <a:prstClr val="black"/>
+                </a:solidFill>
+                <a:latin typeface="微软雅黑" panose="020B0503020204020204" pitchFamily="34" charset="-122"/>
+                <a:ea typeface="微软雅黑" panose="020B0503020204020204" pitchFamily="34" charset="-122"/>
+              </a:rPr>
+              <a:t>debug</a:t>
+            </a:r>
+            <a:r>
+              <a:rPr lang="zh-CN" altLang="en-US" sz="1600" dirty="0" smtClean="0">
+                <a:solidFill>
+                  <a:prstClr val="black"/>
+                </a:solidFill>
+                <a:latin typeface="微软雅黑" panose="020B0503020204020204" pitchFamily="34" charset="-122"/>
+                <a:ea typeface="微软雅黑" panose="020B0503020204020204" pitchFamily="34" charset="-122"/>
+              </a:rPr>
+              <a:t>完成，确定</a:t>
+            </a:r>
+            <a:r>
+              <a:rPr lang="en-US" altLang="zh-CN" sz="1600" dirty="0" smtClean="0">
+                <a:solidFill>
+                  <a:prstClr val="black"/>
+                </a:solidFill>
+                <a:latin typeface="微软雅黑" panose="020B0503020204020204" pitchFamily="34" charset="-122"/>
+                <a:ea typeface="微软雅黑" panose="020B0503020204020204" pitchFamily="34" charset="-122"/>
+              </a:rPr>
+              <a:t>google </a:t>
+            </a:r>
+            <a:r>
+              <a:rPr lang="en-US" altLang="zh-CN" sz="1600" dirty="0" err="1" smtClean="0">
+                <a:solidFill>
+                  <a:prstClr val="black"/>
+                </a:solidFill>
+                <a:latin typeface="微软雅黑" panose="020B0503020204020204" pitchFamily="34" charset="-122"/>
+                <a:ea typeface="微软雅黑" panose="020B0503020204020204" pitchFamily="34" charset="-122"/>
+              </a:rPr>
+              <a:t>api</a:t>
+            </a:r>
+            <a:r>
+              <a:rPr lang="zh-CN" altLang="en-US" sz="1600" dirty="0" smtClean="0">
+                <a:solidFill>
+                  <a:prstClr val="black"/>
+                </a:solidFill>
+                <a:latin typeface="微软雅黑" panose="020B0503020204020204" pitchFamily="34" charset="-122"/>
+                <a:ea typeface="微软雅黑" panose="020B0503020204020204" pitchFamily="34" charset="-122"/>
+              </a:rPr>
+              <a:t>国内不可用。</a:t>
+            </a:r>
+            <a:endParaRPr lang="en-US" altLang="zh-CN" sz="1600" dirty="0" smtClean="0">
+              <a:solidFill>
+                <a:prstClr val="black"/>
+              </a:solidFill>
+              <a:latin typeface="微软雅黑" panose="020B0503020204020204" pitchFamily="34" charset="-122"/>
+              <a:ea typeface="微软雅黑" panose="020B0503020204020204" pitchFamily="34" charset="-122"/>
+            </a:endParaRPr>
+          </a:p>
+          <a:p>
+            <a:pPr marL="285750" indent="-285750">
+              <a:lnSpc>
+                <a:spcPct val="200000"/>
+              </a:lnSpc>
+              <a:buFont typeface="Wingdings" panose="05000000000000000000" pitchFamily="2" charset="2"/>
+              <a:buChar char="p"/>
+            </a:pPr>
+            <a:r>
+              <a:rPr lang="zh-CN" altLang="en-US" sz="1600" b="1" dirty="0" smtClean="0">
+                <a:solidFill>
+                  <a:prstClr val="black"/>
+                </a:solidFill>
+                <a:latin typeface="微软雅黑" panose="020B0503020204020204" pitchFamily="34" charset="-122"/>
+                <a:ea typeface="微软雅黑" panose="020B0503020204020204" pitchFamily="34" charset="-122"/>
+              </a:rPr>
+              <a:t>思路讨论</a:t>
+            </a:r>
+            <a:r>
+              <a:rPr lang="zh-CN" altLang="en-US" sz="1600" dirty="0" smtClean="0">
+                <a:solidFill>
+                  <a:prstClr val="black"/>
+                </a:solidFill>
+                <a:latin typeface="微软雅黑" panose="020B0503020204020204" pitchFamily="34" charset="-122"/>
+                <a:ea typeface="微软雅黑" panose="020B0503020204020204" pitchFamily="34" charset="-122"/>
+              </a:rPr>
+              <a:t>：基于预处理的防御方法详见</a:t>
+            </a:r>
+            <a:r>
+              <a:rPr lang="en-US" altLang="zh-CN" sz="1600" dirty="0" smtClean="0">
+                <a:solidFill>
+                  <a:prstClr val="black"/>
+                </a:solidFill>
+                <a:latin typeface="微软雅黑" panose="020B0503020204020204" pitchFamily="34" charset="-122"/>
+                <a:ea typeface="微软雅黑" panose="020B0503020204020204" pitchFamily="34" charset="-122"/>
+              </a:rPr>
+              <a:t>P53-55</a:t>
+            </a:r>
+          </a:p>
+          <a:p>
+            <a:pPr marL="285750" indent="-285750">
+              <a:lnSpc>
+                <a:spcPct val="200000"/>
+              </a:lnSpc>
+              <a:buFont typeface="Wingdings" panose="05000000000000000000" pitchFamily="2" charset="2"/>
+              <a:buChar char="p"/>
+            </a:pPr>
+            <a:r>
+              <a:rPr lang="zh-CN" altLang="en-US" sz="1600" b="1" dirty="0" smtClean="0">
+                <a:solidFill>
+                  <a:prstClr val="black"/>
+                </a:solidFill>
+                <a:latin typeface="微软雅黑" panose="020B0503020204020204" pitchFamily="34" charset="-122"/>
+                <a:ea typeface="微软雅黑" panose="020B0503020204020204" pitchFamily="34" charset="-122"/>
+              </a:rPr>
+              <a:t>音频频谱图与波形图处理</a:t>
+            </a:r>
+            <a:r>
+              <a:rPr lang="zh-CN" altLang="en-US" sz="1600" b="1" dirty="0" smtClean="0">
+                <a:solidFill>
+                  <a:prstClr val="black"/>
+                </a:solidFill>
+                <a:latin typeface="微软雅黑" panose="020B0503020204020204" pitchFamily="34" charset="-122"/>
+                <a:ea typeface="微软雅黑" panose="020B0503020204020204" pitchFamily="34" charset="-122"/>
+                <a:sym typeface="Wingdings" panose="05000000000000000000" pitchFamily="2" charset="2"/>
+              </a:rPr>
+              <a:t>：</a:t>
+            </a:r>
+            <a:r>
+              <a:rPr lang="en-US" altLang="zh-CN" sz="1600" dirty="0" smtClean="0">
+                <a:solidFill>
+                  <a:prstClr val="black"/>
+                </a:solidFill>
+                <a:latin typeface="微软雅黑" panose="020B0503020204020204" pitchFamily="34" charset="-122"/>
+                <a:ea typeface="微软雅黑" panose="020B0503020204020204" pitchFamily="34" charset="-122"/>
+                <a:sym typeface="Wingdings" panose="05000000000000000000" pitchFamily="2" charset="2"/>
+              </a:rPr>
+              <a:t>1</a:t>
+            </a:r>
+            <a:r>
+              <a:rPr lang="zh-CN" altLang="en-US" sz="1600" dirty="0" smtClean="0">
+                <a:solidFill>
+                  <a:prstClr val="black"/>
+                </a:solidFill>
+                <a:latin typeface="微软雅黑" panose="020B0503020204020204" pitchFamily="34" charset="-122"/>
+                <a:ea typeface="微软雅黑" panose="020B0503020204020204" pitchFamily="34" charset="-122"/>
+                <a:sym typeface="Wingdings" panose="05000000000000000000" pitchFamily="2" charset="2"/>
+              </a:rPr>
+              <a:t>）同一音频，同一速度，不同倍速算法；</a:t>
+            </a:r>
+            <a:r>
+              <a:rPr lang="en-US" altLang="zh-CN" sz="1600" dirty="0" smtClean="0">
+                <a:solidFill>
+                  <a:prstClr val="black"/>
+                </a:solidFill>
+                <a:latin typeface="微软雅黑" panose="020B0503020204020204" pitchFamily="34" charset="-122"/>
+                <a:ea typeface="微软雅黑" panose="020B0503020204020204" pitchFamily="34" charset="-122"/>
+                <a:sym typeface="Wingdings" panose="05000000000000000000" pitchFamily="2" charset="2"/>
+              </a:rPr>
+              <a:t>2</a:t>
+            </a:r>
+            <a:r>
+              <a:rPr lang="zh-CN" altLang="en-US" sz="1600" dirty="0" smtClean="0">
+                <a:solidFill>
+                  <a:prstClr val="black"/>
+                </a:solidFill>
+                <a:latin typeface="微软雅黑" panose="020B0503020204020204" pitchFamily="34" charset="-122"/>
+                <a:ea typeface="微软雅黑" panose="020B0503020204020204" pitchFamily="34" charset="-122"/>
+                <a:sym typeface="Wingdings" panose="05000000000000000000" pitchFamily="2" charset="2"/>
+              </a:rPr>
+              <a:t>）同一音频，同一倍速算法，不同速度。</a:t>
             </a:r>
             <a:endParaRPr lang="en-US" altLang="zh-CN" sz="1600" b="1" dirty="0" smtClean="0">
               <a:solidFill>
@@ -33396,7 +33448,7 @@
                 <a:latin typeface="微软雅黑" panose="020B0503020204020204" pitchFamily="34" charset="-122"/>
                 <a:ea typeface="微软雅黑" panose="020B0503020204020204" pitchFamily="34" charset="-122"/>
               </a:rPr>
-              <a:t>白盒</a:t>
+              <a:t>倍速算</a:t>
             </a:r>
             <a:r>
               <a:rPr lang="zh-CN" altLang="en-US" sz="1600" b="1" dirty="0" smtClean="0">
@@ -33406,8 +33458,37 @@
                 <a:latin typeface="微软雅黑" panose="020B0503020204020204" pitchFamily="34" charset="-122"/>
                 <a:ea typeface="微软雅黑" panose="020B0503020204020204" pitchFamily="34" charset="-122"/>
               </a:rPr>
-              <a:t>开</a:t>
-            </a:r>
+              <a:t>法预处理机理研究：</a:t>
+            </a:r>
+            <a:r>
+              <a:rPr lang="zh-CN" altLang="en-US" sz="1600" dirty="0" smtClean="0">
+                <a:solidFill>
+                  <a:prstClr val="black"/>
+                </a:solidFill>
+                <a:latin typeface="微软雅黑" panose="020B0503020204020204" pitchFamily="34" charset="-122"/>
+                <a:ea typeface="微软雅黑" panose="020B0503020204020204" pitchFamily="34" charset="-122"/>
+              </a:rPr>
+              <a:t>详见</a:t>
+            </a:r>
+            <a:r>
+              <a:rPr lang="en-US" altLang="zh-CN" sz="1600" dirty="0" smtClean="0">
+                <a:solidFill>
+                  <a:prstClr val="black"/>
+                </a:solidFill>
+                <a:latin typeface="微软雅黑" panose="020B0503020204020204" pitchFamily="34" charset="-122"/>
+                <a:ea typeface="微软雅黑" panose="020B0503020204020204" pitchFamily="34" charset="-122"/>
+              </a:rPr>
+              <a:t>P33-P40</a:t>
+            </a:r>
+          </a:p>
+          <a:p>
+            <a:pPr marL="285750" indent="-285750">
+              <a:lnSpc>
+                <a:spcPct val="200000"/>
+              </a:lnSpc>
+              <a:buFont typeface="Wingdings" panose="05000000000000000000" pitchFamily="2" charset="2"/>
+              <a:buChar char="p"/>
+            </a:pPr>
             <a:r>
               <a:rPr lang="zh-CN" altLang="en-US" sz="1600" b="1" dirty="0" smtClean="0">
                 <a:solidFill>
@@ -33416,7 +33497,57 @@
                 <a:latin typeface="微软雅黑" panose="020B0503020204020204" pitchFamily="34" charset="-122"/>
                 <a:ea typeface="微软雅黑" panose="020B0503020204020204" pitchFamily="34" charset="-122"/>
               </a:rPr>
-              <a:t>源模型调试完成</a:t>
+              <a:t>细粒度探究实验</a:t>
+            </a:r>
+            <a:r>
+              <a:rPr lang="en-US" altLang="zh-CN" sz="1600" b="1" dirty="0" smtClean="0">
+                <a:solidFill>
+                  <a:prstClr val="black"/>
+                </a:solidFill>
+                <a:latin typeface="微软雅黑" panose="020B0503020204020204" pitchFamily="34" charset="-122"/>
+                <a:ea typeface="微软雅黑" panose="020B0503020204020204" pitchFamily="34" charset="-122"/>
+              </a:rPr>
+              <a:t>:</a:t>
+            </a:r>
+            <a:r>
+              <a:rPr lang="en-US" altLang="zh-CN" sz="1600" dirty="0" smtClean="0">
+                <a:solidFill>
+                  <a:prstClr val="black"/>
+                </a:solidFill>
+                <a:latin typeface="微软雅黑" panose="020B0503020204020204" pitchFamily="34" charset="-122"/>
+                <a:ea typeface="微软雅黑" panose="020B0503020204020204" pitchFamily="34" charset="-122"/>
+              </a:rPr>
+              <a:t> </a:t>
+            </a:r>
+            <a:r>
+              <a:rPr lang="en-US" altLang="zh-CN" sz="1600" dirty="0" smtClean="0">
+                <a:solidFill>
+                  <a:prstClr val="black"/>
+                </a:solidFill>
+                <a:latin typeface="微软雅黑" panose="020B0503020204020204" pitchFamily="34" charset="-122"/>
+                <a:ea typeface="微软雅黑" panose="020B0503020204020204" pitchFamily="34" charset="-122"/>
+              </a:rPr>
+              <a:t>0.25:2.75:0.25</a:t>
+            </a:r>
+            <a:r>
+              <a:rPr lang="zh-CN" altLang="en-US" sz="1600" dirty="0" smtClean="0">
+                <a:solidFill>
+                  <a:prstClr val="black"/>
+                </a:solidFill>
+                <a:latin typeface="微软雅黑" panose="020B0503020204020204" pitchFamily="34" charset="-122"/>
+                <a:ea typeface="微软雅黑" panose="020B0503020204020204" pitchFamily="34" charset="-122"/>
+              </a:rPr>
+              <a:t>，总结见</a:t>
+            </a:r>
+            <a:r>
+              <a:rPr lang="en-US" altLang="zh-CN" sz="1600" dirty="0" smtClean="0">
+                <a:solidFill>
+                  <a:prstClr val="black"/>
+                </a:solidFill>
+                <a:latin typeface="微软雅黑" panose="020B0503020204020204" pitchFamily="34" charset="-122"/>
+                <a:ea typeface="微软雅黑" panose="020B0503020204020204" pitchFamily="34" charset="-122"/>
+              </a:rPr>
+              <a:t>P57</a:t>
             </a:r>
             <a:endParaRPr lang="en-US" altLang="zh-CN" sz="1600" b="1" dirty="0" smtClean="0">
               <a:solidFill>
@@ -33435,6 +33566,16 @@
               <a:buChar char="p"/>
             </a:pPr>
             <a:r>
+              <a:rPr lang="en-US" altLang="zh-CN" sz="1600" b="1" dirty="0" err="1" smtClean="0">
+                <a:solidFill>
+                  <a:prstClr val="black"/>
+                </a:solidFill>
+                <a:latin typeface="微软雅黑" panose="020B0503020204020204" pitchFamily="34" charset="-122"/>
+                <a:ea typeface="微软雅黑" panose="020B0503020204020204" pitchFamily="34" charset="-122"/>
+              </a:rPr>
+              <a:t>Github</a:t>
+            </a:r>
+            <a:r>
               <a:rPr lang="zh-CN" altLang="en-US" sz="1600" b="1" dirty="0" smtClean="0">
                 <a:solidFill>
                   <a:prstClr val="black"/>
@@ -33442,7 +33583,7 @@
                 <a:latin typeface="微软雅黑" panose="020B0503020204020204" pitchFamily="34" charset="-122"/>
                 <a:ea typeface="微软雅黑" panose="020B0503020204020204" pitchFamily="34" charset="-122"/>
               </a:rPr>
-              <a:t>部分单词倍速测试</a:t>
+              <a:t>文件整理</a:t>
             </a:r>
             <a:endParaRPr lang="en-US" altLang="zh-CN" sz="1600" b="1" dirty="0" smtClean="0">
               <a:solidFill>
@@ -33473,7 +33614,7 @@
     </p:spTree>
     <p:extLst>
       <p:ext uri="{BB962C8B-B14F-4D97-AF65-F5344CB8AC3E}">
-        <p14:creationId xmlns:p14="http://schemas.microsoft.com/office/powerpoint/2010/main" val="3387419480"/>
+        <p14:creationId xmlns:p14="http://schemas.microsoft.com/office/powerpoint/2010/main" val="2643354430"/>
       </p:ext>
     </p:extLst>
   </p:cSld>
@@ -33512,7 +33653,7 @@
           <p:cNvPr id="12" name="矩形 11">
             <a:extLst>
               <a:ext uri="{FF2B5EF4-FFF2-40B4-BE49-F238E27FC236}">
-                <a16:creationId xmlns:a16="http://schemas.microsoft.com/office/drawing/2014/main" id="{0FDAD747-108F-4A6D-9220-5EA05067FF1E}"/>
+                <a16:creationId xmlns:a16="http://schemas.microsoft.com/office/drawing/2014/main" xmlns="" id="{0FDAD747-108F-4A6D-9220-5EA05067FF1E}"/>
               </a:ext>
             </a:extLst>
           </p:cNvPr>
@@ -33591,7 +33732,7 @@
           <p:cNvPr id="14" name="矩形 13">
             <a:extLst>
               <a:ext uri="{FF2B5EF4-FFF2-40B4-BE49-F238E27FC236}">
-                <a16:creationId xmlns:a16="http://schemas.microsoft.com/office/drawing/2014/main" id="{C2B44424-4CFE-4BA2-9FCF-F0A911E8A749}"/>
+                <a16:creationId xmlns:a16="http://schemas.microsoft.com/office/drawing/2014/main" xmlns="" id="{C2B44424-4CFE-4BA2-9FCF-F0A911E8A749}"/>
               </a:ext>
             </a:extLst>
           </p:cNvPr>
@@ -33745,7 +33886,7 @@
           <p:cNvPr id="16" name="直接箭头连接符 15">
             <a:extLst>
               <a:ext uri="{FF2B5EF4-FFF2-40B4-BE49-F238E27FC236}">
-                <a16:creationId xmlns:a16="http://schemas.microsoft.com/office/drawing/2014/main" id="{EDD84E7C-3200-40E5-A3C0-E57D7F9E754E}"/>
+                <a16:creationId xmlns:a16="http://schemas.microsoft.com/office/drawing/2014/main" xmlns="" id="{EDD84E7C-3200-40E5-A3C0-E57D7F9E754E}"/>
               </a:ext>
             </a:extLst>
           </p:cNvPr>
@@ -33778,7 +33919,7 @@
           <p:cNvPr id="17" name="矩形 16">
             <a:extLst>
               <a:ext uri="{FF2B5EF4-FFF2-40B4-BE49-F238E27FC236}">
-                <a16:creationId xmlns:a16="http://schemas.microsoft.com/office/drawing/2014/main" id="{0FDAD747-108F-4A6D-9220-5EA05067FF1E}"/>
+                <a16:creationId xmlns:a16="http://schemas.microsoft.com/office/drawing/2014/main" xmlns="" id="{0FDAD747-108F-4A6D-9220-5EA05067FF1E}"/>
               </a:ext>
             </a:extLst>
           </p:cNvPr>
@@ -33825,7 +33966,7 @@
           <p:cNvPr id="18" name="矩形 17">
             <a:extLst>
               <a:ext uri="{FF2B5EF4-FFF2-40B4-BE49-F238E27FC236}">
-                <a16:creationId xmlns:a16="http://schemas.microsoft.com/office/drawing/2014/main" id="{5CEC9FB1-9CBF-4B7B-A321-DF404030F08B}"/>
+                <a16:creationId xmlns:a16="http://schemas.microsoft.com/office/drawing/2014/main" xmlns="" id="{5CEC9FB1-9CBF-4B7B-A321-DF404030F08B}"/>
               </a:ext>
             </a:extLst>
           </p:cNvPr>
@@ -33911,7 +34052,7 @@
           <p:cNvPr id="19" name="直接箭头连接符 18">
             <a:extLst>
               <a:ext uri="{FF2B5EF4-FFF2-40B4-BE49-F238E27FC236}">
-                <a16:creationId xmlns:a16="http://schemas.microsoft.com/office/drawing/2014/main" id="{5A7FC920-9D22-4290-B80F-F4BDC1DE109A}"/>
+                <a16:creationId xmlns:a16="http://schemas.microsoft.com/office/drawing/2014/main" xmlns="" id="{5A7FC920-9D22-4290-B80F-F4BDC1DE109A}"/>
               </a:ext>
             </a:extLst>
           </p:cNvPr>
@@ -33944,7 +34085,7 @@
           <p:cNvPr id="20" name="矩形 19">
             <a:extLst>
               <a:ext uri="{FF2B5EF4-FFF2-40B4-BE49-F238E27FC236}">
-                <a16:creationId xmlns:a16="http://schemas.microsoft.com/office/drawing/2014/main" id="{45B27A13-37E3-4777-9299-E75CAF1F6F9A}"/>
+                <a16:creationId xmlns:a16="http://schemas.microsoft.com/office/drawing/2014/main" xmlns="" id="{45B27A13-37E3-4777-9299-E75CAF1F6F9A}"/>
               </a:ext>
             </a:extLst>
           </p:cNvPr>
@@ -33992,7 +34133,7 @@
           <p:cNvPr id="21" name="图片 20">
             <a:extLst>
               <a:ext uri="{FF2B5EF4-FFF2-40B4-BE49-F238E27FC236}">
-                <a16:creationId xmlns:a16="http://schemas.microsoft.com/office/drawing/2014/main" id="{36569B5B-566F-4C60-9D63-318931B70CA2}"/>
+                <a16:creationId xmlns:a16="http://schemas.microsoft.com/office/drawing/2014/main" xmlns="" id="{36569B5B-566F-4C60-9D63-318931B70CA2}"/>
               </a:ext>
             </a:extLst>
           </p:cNvPr>
@@ -34028,7 +34169,7 @@
           <p:cNvPr id="22" name="矩形 21">
             <a:extLst>
               <a:ext uri="{FF2B5EF4-FFF2-40B4-BE49-F238E27FC236}">
-                <a16:creationId xmlns:a16="http://schemas.microsoft.com/office/drawing/2014/main" id="{2A55BA5B-CE30-435B-95FB-B00B8161E590}"/>
+                <a16:creationId xmlns:a16="http://schemas.microsoft.com/office/drawing/2014/main" xmlns="" id="{2A55BA5B-CE30-435B-95FB-B00B8161E590}"/>
               </a:ext>
             </a:extLst>
           </p:cNvPr>
@@ -34086,7 +34227,7 @@
           <p:cNvPr id="23" name="矩形 22">
             <a:extLst>
               <a:ext uri="{FF2B5EF4-FFF2-40B4-BE49-F238E27FC236}">
-                <a16:creationId xmlns:a16="http://schemas.microsoft.com/office/drawing/2014/main" id="{C2B44424-4CFE-4BA2-9FCF-F0A911E8A749}"/>
+                <a16:creationId xmlns:a16="http://schemas.microsoft.com/office/drawing/2014/main" xmlns="" id="{C2B44424-4CFE-4BA2-9FCF-F0A911E8A749}"/>
               </a:ext>
             </a:extLst>
           </p:cNvPr>
@@ -34197,7 +34338,7 @@
           <p:cNvPr id="25" name="矩形 24">
             <a:extLst>
               <a:ext uri="{FF2B5EF4-FFF2-40B4-BE49-F238E27FC236}">
-                <a16:creationId xmlns:a16="http://schemas.microsoft.com/office/drawing/2014/main" id="{0FDAD747-108F-4A6D-9220-5EA05067FF1E}"/>
+                <a16:creationId xmlns:a16="http://schemas.microsoft.com/office/drawing/2014/main" xmlns="" id="{0FDAD747-108F-4A6D-9220-5EA05067FF1E}"/>
               </a:ext>
             </a:extLst>
           </p:cNvPr>
@@ -34396,7 +34537,7 @@
           <p:cNvPr id="30" name="矩形 29">
             <a:extLst>
               <a:ext uri="{FF2B5EF4-FFF2-40B4-BE49-F238E27FC236}">
-                <a16:creationId xmlns:a16="http://schemas.microsoft.com/office/drawing/2014/main" id="{2A55BA5B-CE30-435B-95FB-B00B8161E590}"/>
+                <a16:creationId xmlns:a16="http://schemas.microsoft.com/office/drawing/2014/main" xmlns="" id="{2A55BA5B-CE30-435B-95FB-B00B8161E590}"/>
               </a:ext>
             </a:extLst>
           </p:cNvPr>
@@ -34464,7 +34605,7 @@
           <p:cNvPr id="27" name="矩形 26">
             <a:extLst>
               <a:ext uri="{FF2B5EF4-FFF2-40B4-BE49-F238E27FC236}">
-                <a16:creationId xmlns:a16="http://schemas.microsoft.com/office/drawing/2014/main" id="{0FDAD747-108F-4A6D-9220-5EA05067FF1E}"/>
+                <a16:creationId xmlns:a16="http://schemas.microsoft.com/office/drawing/2014/main" xmlns="" id="{0FDAD747-108F-4A6D-9220-5EA05067FF1E}"/>
               </a:ext>
             </a:extLst>
           </p:cNvPr>
@@ -34531,7 +34672,7 @@
           <p:cNvPr id="28" name="矩形 13" descr="紫色网格">
             <a:extLst>
               <a:ext uri="{FF2B5EF4-FFF2-40B4-BE49-F238E27FC236}">
-                <a16:creationId xmlns:a16="http://schemas.microsoft.com/office/drawing/2014/main" id="{44AEA09D-FD0A-4CA0-883D-93E5EAF762D6}"/>
+                <a16:creationId xmlns:a16="http://schemas.microsoft.com/office/drawing/2014/main" xmlns="" id="{44AEA09D-FD0A-4CA0-883D-93E5EAF762D6}"/>
               </a:ext>
             </a:extLst>
           </p:cNvPr>
@@ -34819,6 +34960,272 @@
 </p:sld>
 </file>
 
+<file path=ppt/slides/slide60.xml><?xml version="1.0" encoding="utf-8"?>
+<p:sld xmlns:a="http://schemas.openxmlformats.org/drawingml/2006/main" xmlns:r="http://schemas.openxmlformats.org/officeDocument/2006/relationships" xmlns:p="http://schemas.openxmlformats.org/presentationml/2006/main">
+  <p:cSld>
+    <p:spTree>
+      <p:nvGrpSpPr>
+        <p:cNvPr id="1" name=""/>
+        <p:cNvGrpSpPr/>
+        <p:nvPr/>
+      </p:nvGrpSpPr>
+      <p:grpSpPr>
+        <a:xfrm>
+          <a:off x="0" y="0"/>
+          <a:ext cx="0" cy="0"/>
+          <a:chOff x="0" y="0"/>
+          <a:chExt cx="0" cy="0"/>
+        </a:xfrm>
+      </p:grpSpPr>
+      <p:sp>
+        <p:nvSpPr>
+          <p:cNvPr id="12" name="矩形 11">
+            <a:extLst>
+              <a:ext uri="{FF2B5EF4-FFF2-40B4-BE49-F238E27FC236}">
+                <a16:creationId xmlns:a16="http://schemas.microsoft.com/office/drawing/2014/main" xmlns="" id="{0FDAD747-108F-4A6D-9220-5EA05067FF1E}"/>
+              </a:ext>
+            </a:extLst>
+          </p:cNvPr>
+          <p:cNvSpPr/>
+          <p:nvPr/>
+        </p:nvSpPr>
+        <p:spPr>
+          <a:xfrm>
+            <a:off x="843572" y="1120596"/>
+            <a:ext cx="1826141" cy="584775"/>
+          </a:xfrm>
+          <a:prstGeom prst="rect">
+            <a:avLst/>
+          </a:prstGeom>
+        </p:spPr>
+        <p:txBody>
+          <a:bodyPr wrap="none">
+            <a:spAutoFit/>
+          </a:bodyPr>
+          <a:lstStyle/>
+          <a:p>
+            <a:r>
+              <a:rPr lang="zh-CN" altLang="en-US" sz="3200" b="1" dirty="0" smtClean="0">
+                <a:solidFill>
+                  <a:prstClr val="black"/>
+                </a:solidFill>
+                <a:latin typeface="微软雅黑" panose="020B0503020204020204" pitchFamily="34" charset="-122"/>
+                <a:ea typeface="微软雅黑" panose="020B0503020204020204" pitchFamily="34" charset="-122"/>
+              </a:rPr>
+              <a:t>未来工作</a:t>
+            </a:r>
+            <a:endParaRPr lang="zh-CN" altLang="en-US" sz="3200" b="1" dirty="0">
+              <a:solidFill>
+                <a:prstClr val="black"/>
+              </a:solidFill>
+              <a:latin typeface="微软雅黑" panose="020B0503020204020204" pitchFamily="34" charset="-122"/>
+              <a:ea typeface="微软雅黑" panose="020B0503020204020204" pitchFamily="34" charset="-122"/>
+            </a:endParaRPr>
+          </a:p>
+        </p:txBody>
+      </p:sp>
+      <p:sp>
+        <p:nvSpPr>
+          <p:cNvPr id="4" name="矩形 3">
+            <a:extLst>
+              <a:ext uri="{FF2B5EF4-FFF2-40B4-BE49-F238E27FC236}">
+                <a16:creationId xmlns:a16="http://schemas.microsoft.com/office/drawing/2014/main" xmlns="" id="{0FDAD747-108F-4A6D-9220-5EA05067FF1E}"/>
+              </a:ext>
+            </a:extLst>
+          </p:cNvPr>
+          <p:cNvSpPr/>
+          <p:nvPr/>
+        </p:nvSpPr>
+        <p:spPr>
+          <a:xfrm>
+            <a:off x="843573" y="2098407"/>
+            <a:ext cx="10730590" cy="2062103"/>
+          </a:xfrm>
+          <a:prstGeom prst="rect">
+            <a:avLst/>
+          </a:prstGeom>
+        </p:spPr>
+        <p:txBody>
+          <a:bodyPr wrap="square">
+            <a:spAutoFit/>
+          </a:bodyPr>
+          <a:lstStyle/>
+          <a:p>
+            <a:pPr marL="285750" indent="-285750">
+              <a:lnSpc>
+                <a:spcPct val="200000"/>
+              </a:lnSpc>
+              <a:buFont typeface="Wingdings" panose="05000000000000000000" pitchFamily="2" charset="2"/>
+              <a:buChar char="p"/>
+            </a:pPr>
+            <a:r>
+              <a:rPr lang="zh-CN" altLang="en-US" sz="1600" b="1" dirty="0" smtClean="0">
+                <a:solidFill>
+                  <a:prstClr val="black"/>
+                </a:solidFill>
+                <a:latin typeface="微软雅黑" panose="020B0503020204020204" pitchFamily="34" charset="-122"/>
+                <a:ea typeface="微软雅黑" panose="020B0503020204020204" pitchFamily="34" charset="-122"/>
+              </a:rPr>
+              <a:t>量化实验（代码加输出</a:t>
+            </a:r>
+            <a:r>
+              <a:rPr lang="zh-CN" altLang="en-US" sz="1600" b="1" dirty="0" smtClean="0">
+                <a:solidFill>
+                  <a:prstClr val="black"/>
+                </a:solidFill>
+                <a:latin typeface="微软雅黑" panose="020B0503020204020204" pitchFamily="34" charset="-122"/>
+                <a:ea typeface="微软雅黑" panose="020B0503020204020204" pitchFamily="34" charset="-122"/>
+              </a:rPr>
+              <a:t>）：</a:t>
+            </a:r>
+            <a:r>
+              <a:rPr lang="en-US" altLang="zh-CN" sz="1600" dirty="0" smtClean="0">
+                <a:solidFill>
+                  <a:prstClr val="black"/>
+                </a:solidFill>
+                <a:latin typeface="微软雅黑" panose="020B0503020204020204" pitchFamily="34" charset="-122"/>
+                <a:ea typeface="微软雅黑" panose="020B0503020204020204" pitchFamily="34" charset="-122"/>
+              </a:rPr>
+              <a:t>WER</a:t>
+            </a:r>
+            <a:r>
+              <a:rPr lang="zh-CN" altLang="en-US" sz="1600" dirty="0" smtClean="0">
+                <a:solidFill>
+                  <a:prstClr val="black"/>
+                </a:solidFill>
+                <a:latin typeface="微软雅黑" panose="020B0503020204020204" pitchFamily="34" charset="-122"/>
+                <a:ea typeface="微软雅黑" panose="020B0503020204020204" pitchFamily="34" charset="-122"/>
+              </a:rPr>
+              <a:t>、</a:t>
+            </a:r>
+            <a:r>
+              <a:rPr lang="en-US" altLang="zh-CN" sz="1600" dirty="0" smtClean="0">
+                <a:solidFill>
+                  <a:prstClr val="black"/>
+                </a:solidFill>
+                <a:latin typeface="微软雅黑" panose="020B0503020204020204" pitchFamily="34" charset="-122"/>
+                <a:ea typeface="微软雅黑" panose="020B0503020204020204" pitchFamily="34" charset="-122"/>
+              </a:rPr>
+              <a:t>MFCC</a:t>
+            </a:r>
+            <a:r>
+              <a:rPr lang="zh-CN" altLang="en-US" sz="1600" dirty="0" smtClean="0">
+                <a:solidFill>
+                  <a:prstClr val="black"/>
+                </a:solidFill>
+                <a:latin typeface="微软雅黑" panose="020B0503020204020204" pitchFamily="34" charset="-122"/>
+                <a:ea typeface="微软雅黑" panose="020B0503020204020204" pitchFamily="34" charset="-122"/>
+              </a:rPr>
+              <a:t>相似度等</a:t>
+            </a:r>
+            <a:endParaRPr lang="en-US" altLang="zh-CN" sz="1600" dirty="0" smtClean="0">
+              <a:solidFill>
+                <a:prstClr val="black"/>
+              </a:solidFill>
+              <a:latin typeface="微软雅黑" panose="020B0503020204020204" pitchFamily="34" charset="-122"/>
+              <a:ea typeface="微软雅黑" panose="020B0503020204020204" pitchFamily="34" charset="-122"/>
+            </a:endParaRPr>
+          </a:p>
+          <a:p>
+            <a:pPr marL="285750" indent="-285750">
+              <a:lnSpc>
+                <a:spcPct val="200000"/>
+              </a:lnSpc>
+              <a:buFont typeface="Wingdings" panose="05000000000000000000" pitchFamily="2" charset="2"/>
+              <a:buChar char="p"/>
+            </a:pPr>
+            <a:r>
+              <a:rPr lang="zh-CN" altLang="en-US" sz="1600" b="1" dirty="0">
+                <a:solidFill>
+                  <a:prstClr val="black"/>
+                </a:solidFill>
+                <a:latin typeface="微软雅黑" panose="020B0503020204020204" pitchFamily="34" charset="-122"/>
+                <a:ea typeface="微软雅黑" panose="020B0503020204020204" pitchFamily="34" charset="-122"/>
+              </a:rPr>
+              <a:t>白盒</a:t>
+            </a:r>
+            <a:r>
+              <a:rPr lang="zh-CN" altLang="en-US" sz="1600" b="1" dirty="0" smtClean="0">
+                <a:solidFill>
+                  <a:prstClr val="black"/>
+                </a:solidFill>
+                <a:latin typeface="微软雅黑" panose="020B0503020204020204" pitchFamily="34" charset="-122"/>
+                <a:ea typeface="微软雅黑" panose="020B0503020204020204" pitchFamily="34" charset="-122"/>
+              </a:rPr>
+              <a:t>开源模型调试完成</a:t>
+            </a:r>
+            <a:endParaRPr lang="en-US" altLang="zh-CN" sz="1600" b="1" dirty="0" smtClean="0">
+              <a:solidFill>
+                <a:prstClr val="black"/>
+              </a:solidFill>
+              <a:latin typeface="微软雅黑" panose="020B0503020204020204" pitchFamily="34" charset="-122"/>
+              <a:ea typeface="微软雅黑" panose="020B0503020204020204" pitchFamily="34" charset="-122"/>
+            </a:endParaRPr>
+          </a:p>
+          <a:p>
+            <a:pPr marL="285750" indent="-285750">
+              <a:lnSpc>
+                <a:spcPct val="200000"/>
+              </a:lnSpc>
+              <a:buFont typeface="Wingdings" panose="05000000000000000000" pitchFamily="2" charset="2"/>
+              <a:buChar char="p"/>
+            </a:pPr>
+            <a:r>
+              <a:rPr lang="zh-CN" altLang="en-US" sz="1600" b="1" dirty="0" smtClean="0">
+                <a:solidFill>
+                  <a:prstClr val="black"/>
+                </a:solidFill>
+                <a:latin typeface="微软雅黑" panose="020B0503020204020204" pitchFamily="34" charset="-122"/>
+                <a:ea typeface="微软雅黑" panose="020B0503020204020204" pitchFamily="34" charset="-122"/>
+              </a:rPr>
+              <a:t>部分单词倍速测试</a:t>
+            </a:r>
+            <a:endParaRPr lang="en-US" altLang="zh-CN" sz="1600" b="1" dirty="0" smtClean="0">
+              <a:solidFill>
+                <a:prstClr val="black"/>
+              </a:solidFill>
+              <a:latin typeface="微软雅黑" panose="020B0503020204020204" pitchFamily="34" charset="-122"/>
+              <a:ea typeface="微软雅黑" panose="020B0503020204020204" pitchFamily="34" charset="-122"/>
+            </a:endParaRPr>
+          </a:p>
+          <a:p>
+            <a:pPr marL="285750" indent="-285750">
+              <a:lnSpc>
+                <a:spcPct val="200000"/>
+              </a:lnSpc>
+              <a:buFont typeface="Wingdings" panose="05000000000000000000" pitchFamily="2" charset="2"/>
+              <a:buChar char="p"/>
+            </a:pPr>
+            <a:endParaRPr lang="en-US" altLang="zh-CN" sz="1600" dirty="0" smtClean="0">
+              <a:solidFill>
+                <a:prstClr val="black"/>
+              </a:solidFill>
+              <a:latin typeface="微软雅黑" panose="020B0503020204020204" pitchFamily="34" charset="-122"/>
+              <a:ea typeface="微软雅黑" panose="020B0503020204020204" pitchFamily="34" charset="-122"/>
+            </a:endParaRPr>
+          </a:p>
+        </p:txBody>
+      </p:sp>
+    </p:spTree>
+    <p:extLst>
+      <p:ext uri="{BB962C8B-B14F-4D97-AF65-F5344CB8AC3E}">
+        <p14:creationId xmlns:p14="http://schemas.microsoft.com/office/powerpoint/2010/main" val="3387419480"/>
+      </p:ext>
+    </p:extLst>
+  </p:cSld>
+  <p:clrMapOvr>
+    <a:masterClrMapping/>
+  </p:clrMapOvr>
+  <p:timing>
+    <p:tnLst>
+      <p:par>
+        <p:cTn id="1" dur="indefinite" restart="never" nodeType="tmRoot"/>
+      </p:par>
+    </p:tnLst>
+  </p:timing>
+</p:sld>
+</file>
+
 <file path=ppt/slides/slide7.xml><?xml version="1.0" encoding="utf-8"?>
 <p:sld xmlns:a="http://schemas.openxmlformats.org/drawingml/2006/main" xmlns:r="http://schemas.openxmlformats.org/officeDocument/2006/relationships" xmlns:p="http://schemas.openxmlformats.org/presentationml/2006/main">
   <p:cSld>
@@ -34925,7 +35332,7 @@
           <p:cNvPr id="7" name="矩形 6">
             <a:extLst>
               <a:ext uri="{FF2B5EF4-FFF2-40B4-BE49-F238E27FC236}">
-                <a16:creationId xmlns:a16="http://schemas.microsoft.com/office/drawing/2014/main" id="{0FDAD747-108F-4A6D-9220-5EA05067FF1E}"/>
+                <a16:creationId xmlns:a16="http://schemas.microsoft.com/office/drawing/2014/main" xmlns="" id="{0FDAD747-108F-4A6D-9220-5EA05067FF1E}"/>
               </a:ext>
             </a:extLst>
           </p:cNvPr>
@@ -35071,7 +35478,7 @@
           <p:cNvPr id="8" name="矩形 13" descr="紫色网格">
             <a:extLst>
               <a:ext uri="{FF2B5EF4-FFF2-40B4-BE49-F238E27FC236}">
-                <a16:creationId xmlns:a16="http://schemas.microsoft.com/office/drawing/2014/main" id="{44AEA09D-FD0A-4CA0-883D-93E5EAF762D6}"/>
+                <a16:creationId xmlns:a16="http://schemas.microsoft.com/office/drawing/2014/main" xmlns="" id="{44AEA09D-FD0A-4CA0-883D-93E5EAF762D6}"/>
               </a:ext>
             </a:extLst>
           </p:cNvPr>
@@ -35360,7 +35767,7 @@
           <p:cNvPr id="9" name="矩形 8">
             <a:extLst>
               <a:ext uri="{FF2B5EF4-FFF2-40B4-BE49-F238E27FC236}">
-                <a16:creationId xmlns:a16="http://schemas.microsoft.com/office/drawing/2014/main" id="{0FDAD747-108F-4A6D-9220-5EA05067FF1E}"/>
+                <a16:creationId xmlns:a16="http://schemas.microsoft.com/office/drawing/2014/main" xmlns="" id="{0FDAD747-108F-4A6D-9220-5EA05067FF1E}"/>
               </a:ext>
             </a:extLst>
           </p:cNvPr>
@@ -35470,7 +35877,7 @@
           <p:cNvPr id="9" name="矩形 8">
             <a:extLst>
               <a:ext uri="{FF2B5EF4-FFF2-40B4-BE49-F238E27FC236}">
-                <a16:creationId xmlns:a16="http://schemas.microsoft.com/office/drawing/2014/main" id="{AB1DF3D9-EC08-40CA-853D-48B16F99EE56}"/>
+                <a16:creationId xmlns:a16="http://schemas.microsoft.com/office/drawing/2014/main" xmlns="" id="{AB1DF3D9-EC08-40CA-853D-48B16F99EE56}"/>
               </a:ext>
             </a:extLst>
           </p:cNvPr>
@@ -35661,7 +36068,7 @@
           <p:cNvPr id="8" name="矩形 7">
             <a:extLst>
               <a:ext uri="{FF2B5EF4-FFF2-40B4-BE49-F238E27FC236}">
-                <a16:creationId xmlns:a16="http://schemas.microsoft.com/office/drawing/2014/main" id="{0FDAD747-108F-4A6D-9220-5EA05067FF1E}"/>
+                <a16:creationId xmlns:a16="http://schemas.microsoft.com/office/drawing/2014/main" xmlns="" id="{0FDAD747-108F-4A6D-9220-5EA05067FF1E}"/>
               </a:ext>
             </a:extLst>
           </p:cNvPr>

--- a/documents/基于音频预处理过程的语音识别系统攻击2.6.pptx
+++ b/documents/基于音频预处理过程的语音识别系统攻击2.6.pptx
@@ -5187,12 +5187,52 @@
           <a:lstStyle/>
           <a:p>
             <a:r>
+              <a:rPr lang="zh-CN" altLang="en-US" dirty="0" smtClean="0"/>
+              <a:t>采样率影响、倍速影响</a:t>
+            </a:r>
+            <a:endParaRPr lang="en-US" altLang="zh-CN" dirty="0" smtClean="0"/>
+          </a:p>
+          <a:p>
+            <a:r>
+              <a:rPr lang="zh-CN" altLang="en-US" dirty="0" smtClean="0"/>
+              <a:t>理论模型 叠加 讨论影响机理</a:t>
+            </a:r>
+            <a:endParaRPr lang="en-US" altLang="zh-CN" dirty="0" smtClean="0"/>
+          </a:p>
+          <a:p>
+            <a:r>
+              <a:rPr lang="zh-CN" altLang="en-US" dirty="0" smtClean="0"/>
+              <a:t>长短相关 音节相关</a:t>
+            </a:r>
+            <a:endParaRPr lang="en-US" altLang="zh-CN" dirty="0" smtClean="0"/>
+          </a:p>
+          <a:p>
+            <a:r>
+              <a:rPr lang="zh-CN" altLang="en-US" dirty="0" smtClean="0"/>
+              <a:t>人耳可听性 识别效果</a:t>
+            </a:r>
+            <a:endParaRPr lang="en-US" altLang="zh-CN" dirty="0" smtClean="0"/>
+          </a:p>
+          <a:p>
+            <a:r>
+              <a:rPr lang="zh-CN" altLang="en-US" dirty="0" smtClean="0"/>
+              <a:t>单词长度 音节 和识别效果的关系</a:t>
+            </a:r>
+            <a:endParaRPr lang="en-US" altLang="zh-CN" dirty="0" smtClean="0"/>
+          </a:p>
+          <a:p>
+            <a:r>
               <a:rPr lang="en-US" altLang="zh-CN" dirty="0" smtClean="0"/>
-              <a:t>1.</a:t>
-            </a:r>
+              <a:t>A-&gt;B</a:t>
+            </a:r>
+          </a:p>
+          <a:p>
+            <a:endParaRPr lang="en-US" altLang="zh-CN" dirty="0" smtClean="0"/>
+          </a:p>
+          <a:p>
             <a:r>
               <a:rPr lang="zh-CN" altLang="en-US" dirty="0" smtClean="0"/>
-              <a:t>正常功能即能识别对无处理语音样本</a:t>
+              <a:t>模型影响因素 单词长度、音节、连读</a:t>
             </a:r>
             <a:endParaRPr lang="zh-CN" altLang="en-US" dirty="0"/>
           </a:p>
@@ -7863,7 +7903,7 @@
           <p:cNvPr id="5" name="矩形 4">
             <a:extLst>
               <a:ext uri="{FF2B5EF4-FFF2-40B4-BE49-F238E27FC236}">
-                <a16:creationId xmlns:a16="http://schemas.microsoft.com/office/drawing/2014/main" xmlns="" id="{AB1DF3D9-EC08-40CA-853D-48B16F99EE56}"/>
+                <a16:creationId xmlns="" xmlns:a16="http://schemas.microsoft.com/office/drawing/2014/main" id="{AB1DF3D9-EC08-40CA-853D-48B16F99EE56}"/>
               </a:ext>
             </a:extLst>
           </p:cNvPr>
@@ -8039,7 +8079,7 @@
           <p:cNvPr id="8" name="矩形 7">
             <a:extLst>
               <a:ext uri="{FF2B5EF4-FFF2-40B4-BE49-F238E27FC236}">
-                <a16:creationId xmlns:a16="http://schemas.microsoft.com/office/drawing/2014/main" xmlns="" id="{0FDAD747-108F-4A6D-9220-5EA05067FF1E}"/>
+                <a16:creationId xmlns="" xmlns:a16="http://schemas.microsoft.com/office/drawing/2014/main" id="{0FDAD747-108F-4A6D-9220-5EA05067FF1E}"/>
               </a:ext>
             </a:extLst>
           </p:cNvPr>
@@ -8182,7 +8222,7 @@
           <p:cNvPr id="5" name="矩形 4">
             <a:extLst>
               <a:ext uri="{FF2B5EF4-FFF2-40B4-BE49-F238E27FC236}">
-                <a16:creationId xmlns:a16="http://schemas.microsoft.com/office/drawing/2014/main" xmlns="" id="{AB1DF3D9-EC08-40CA-853D-48B16F99EE56}"/>
+                <a16:creationId xmlns="" xmlns:a16="http://schemas.microsoft.com/office/drawing/2014/main" id="{AB1DF3D9-EC08-40CA-853D-48B16F99EE56}"/>
               </a:ext>
             </a:extLst>
           </p:cNvPr>
@@ -8268,7 +8308,7 @@
           <p:cNvPr id="6" name="矩形 5">
             <a:extLst>
               <a:ext uri="{FF2B5EF4-FFF2-40B4-BE49-F238E27FC236}">
-                <a16:creationId xmlns:a16="http://schemas.microsoft.com/office/drawing/2014/main" xmlns="" id="{0FDAD747-108F-4A6D-9220-5EA05067FF1E}"/>
+                <a16:creationId xmlns="" xmlns:a16="http://schemas.microsoft.com/office/drawing/2014/main" id="{0FDAD747-108F-4A6D-9220-5EA05067FF1E}"/>
               </a:ext>
             </a:extLst>
           </p:cNvPr>
@@ -8411,7 +8451,7 @@
           <p:cNvPr id="5" name="矩形 4">
             <a:extLst>
               <a:ext uri="{FF2B5EF4-FFF2-40B4-BE49-F238E27FC236}">
-                <a16:creationId xmlns:a16="http://schemas.microsoft.com/office/drawing/2014/main" xmlns="" id="{AB1DF3D9-EC08-40CA-853D-48B16F99EE56}"/>
+                <a16:creationId xmlns="" xmlns:a16="http://schemas.microsoft.com/office/drawing/2014/main" id="{AB1DF3D9-EC08-40CA-853D-48B16F99EE56}"/>
               </a:ext>
             </a:extLst>
           </p:cNvPr>
@@ -8498,7 +8538,7 @@
           <p:cNvPr id="7" name="矩形 6">
             <a:extLst>
               <a:ext uri="{FF2B5EF4-FFF2-40B4-BE49-F238E27FC236}">
-                <a16:creationId xmlns:a16="http://schemas.microsoft.com/office/drawing/2014/main" xmlns="" id="{0FDAD747-108F-4A6D-9220-5EA05067FF1E}"/>
+                <a16:creationId xmlns="" xmlns:a16="http://schemas.microsoft.com/office/drawing/2014/main" id="{0FDAD747-108F-4A6D-9220-5EA05067FF1E}"/>
               </a:ext>
             </a:extLst>
           </p:cNvPr>
@@ -8611,7 +8651,7 @@
           <p:cNvPr id="9" name="矩形 13" descr="紫色网格">
             <a:extLst>
               <a:ext uri="{FF2B5EF4-FFF2-40B4-BE49-F238E27FC236}">
-                <a16:creationId xmlns:a16="http://schemas.microsoft.com/office/drawing/2014/main" xmlns="" id="{44AEA09D-FD0A-4CA0-883D-93E5EAF762D6}"/>
+                <a16:creationId xmlns="" xmlns:a16="http://schemas.microsoft.com/office/drawing/2014/main" id="{44AEA09D-FD0A-4CA0-883D-93E5EAF762D6}"/>
               </a:ext>
             </a:extLst>
           </p:cNvPr>
@@ -9132,7 +9172,7 @@
           <p:cNvPr id="5" name="矩形 4">
             <a:extLst>
               <a:ext uri="{FF2B5EF4-FFF2-40B4-BE49-F238E27FC236}">
-                <a16:creationId xmlns:a16="http://schemas.microsoft.com/office/drawing/2014/main" xmlns="" id="{AB1DF3D9-EC08-40CA-853D-48B16F99EE56}"/>
+                <a16:creationId xmlns="" xmlns:a16="http://schemas.microsoft.com/office/drawing/2014/main" id="{AB1DF3D9-EC08-40CA-853D-48B16F99EE56}"/>
               </a:ext>
             </a:extLst>
           </p:cNvPr>
@@ -9274,7 +9314,7 @@
           <p:cNvPr id="7" name="矩形 6">
             <a:extLst>
               <a:ext uri="{FF2B5EF4-FFF2-40B4-BE49-F238E27FC236}">
-                <a16:creationId xmlns:a16="http://schemas.microsoft.com/office/drawing/2014/main" xmlns="" id="{0FDAD747-108F-4A6D-9220-5EA05067FF1E}"/>
+                <a16:creationId xmlns="" xmlns:a16="http://schemas.microsoft.com/office/drawing/2014/main" id="{0FDAD747-108F-4A6D-9220-5EA05067FF1E}"/>
               </a:ext>
             </a:extLst>
           </p:cNvPr>
@@ -9417,7 +9457,7 @@
           <p:cNvPr id="5" name="矩形 4">
             <a:extLst>
               <a:ext uri="{FF2B5EF4-FFF2-40B4-BE49-F238E27FC236}">
-                <a16:creationId xmlns:a16="http://schemas.microsoft.com/office/drawing/2014/main" xmlns="" id="{AB1DF3D9-EC08-40CA-853D-48B16F99EE56}"/>
+                <a16:creationId xmlns="" xmlns:a16="http://schemas.microsoft.com/office/drawing/2014/main" id="{AB1DF3D9-EC08-40CA-853D-48B16F99EE56}"/>
               </a:ext>
             </a:extLst>
           </p:cNvPr>
@@ -9605,7 +9645,7 @@
           <p:cNvPr id="9" name="矩形 8">
             <a:extLst>
               <a:ext uri="{FF2B5EF4-FFF2-40B4-BE49-F238E27FC236}">
-                <a16:creationId xmlns:a16="http://schemas.microsoft.com/office/drawing/2014/main" xmlns="" id="{0FDAD747-108F-4A6D-9220-5EA05067FF1E}"/>
+                <a16:creationId xmlns="" xmlns:a16="http://schemas.microsoft.com/office/drawing/2014/main" id="{0FDAD747-108F-4A6D-9220-5EA05067FF1E}"/>
               </a:ext>
             </a:extLst>
           </p:cNvPr>
@@ -9748,7 +9788,7 @@
           <p:cNvPr id="5" name="矩形 4">
             <a:extLst>
               <a:ext uri="{FF2B5EF4-FFF2-40B4-BE49-F238E27FC236}">
-                <a16:creationId xmlns:a16="http://schemas.microsoft.com/office/drawing/2014/main" xmlns="" id="{AB1DF3D9-EC08-40CA-853D-48B16F99EE56}"/>
+                <a16:creationId xmlns="" xmlns:a16="http://schemas.microsoft.com/office/drawing/2014/main" id="{AB1DF3D9-EC08-40CA-853D-48B16F99EE56}"/>
               </a:ext>
             </a:extLst>
           </p:cNvPr>
@@ -9835,7 +9875,7 @@
           <p:cNvPr id="7" name="矩形 6">
             <a:extLst>
               <a:ext uri="{FF2B5EF4-FFF2-40B4-BE49-F238E27FC236}">
-                <a16:creationId xmlns:a16="http://schemas.microsoft.com/office/drawing/2014/main" xmlns="" id="{0FDAD747-108F-4A6D-9220-5EA05067FF1E}"/>
+                <a16:creationId xmlns="" xmlns:a16="http://schemas.microsoft.com/office/drawing/2014/main" id="{0FDAD747-108F-4A6D-9220-5EA05067FF1E}"/>
               </a:ext>
             </a:extLst>
           </p:cNvPr>
@@ -10044,7 +10084,7 @@
           <p:cNvPr id="8" name="矩形 7">
             <a:extLst>
               <a:ext uri="{FF2B5EF4-FFF2-40B4-BE49-F238E27FC236}">
-                <a16:creationId xmlns:a16="http://schemas.microsoft.com/office/drawing/2014/main" xmlns="" id="{0FDAD747-108F-4A6D-9220-5EA05067FF1E}"/>
+                <a16:creationId xmlns="" xmlns:a16="http://schemas.microsoft.com/office/drawing/2014/main" id="{0FDAD747-108F-4A6D-9220-5EA05067FF1E}"/>
               </a:ext>
             </a:extLst>
           </p:cNvPr>
@@ -10157,7 +10197,7 @@
           <p:cNvPr id="10" name="矩形 13" descr="紫色网格">
             <a:extLst>
               <a:ext uri="{FF2B5EF4-FFF2-40B4-BE49-F238E27FC236}">
-                <a16:creationId xmlns:a16="http://schemas.microsoft.com/office/drawing/2014/main" xmlns="" id="{44AEA09D-FD0A-4CA0-883D-93E5EAF762D6}"/>
+                <a16:creationId xmlns="" xmlns:a16="http://schemas.microsoft.com/office/drawing/2014/main" id="{44AEA09D-FD0A-4CA0-883D-93E5EAF762D6}"/>
               </a:ext>
             </a:extLst>
           </p:cNvPr>
@@ -10463,7 +10503,7 @@
           <p:cNvPr id="12" name="矩形 11">
             <a:extLst>
               <a:ext uri="{FF2B5EF4-FFF2-40B4-BE49-F238E27FC236}">
-                <a16:creationId xmlns:a16="http://schemas.microsoft.com/office/drawing/2014/main" xmlns="" id="{0FDAD747-108F-4A6D-9220-5EA05067FF1E}"/>
+                <a16:creationId xmlns="" xmlns:a16="http://schemas.microsoft.com/office/drawing/2014/main" id="{0FDAD747-108F-4A6D-9220-5EA05067FF1E}"/>
               </a:ext>
             </a:extLst>
           </p:cNvPr>
@@ -10557,7 +10597,7 @@
           <p:cNvPr id="9" name="矩形 13" descr="紫色网格">
             <a:extLst>
               <a:ext uri="{FF2B5EF4-FFF2-40B4-BE49-F238E27FC236}">
-                <a16:creationId xmlns:a16="http://schemas.microsoft.com/office/drawing/2014/main" xmlns="" id="{44AEA09D-FD0A-4CA0-883D-93E5EAF762D6}"/>
+                <a16:creationId xmlns="" xmlns:a16="http://schemas.microsoft.com/office/drawing/2014/main" id="{44AEA09D-FD0A-4CA0-883D-93E5EAF762D6}"/>
               </a:ext>
             </a:extLst>
           </p:cNvPr>
@@ -10857,7 +10897,7 @@
           <p:cNvPr id="4" name="矩形 3">
             <a:extLst>
               <a:ext uri="{FF2B5EF4-FFF2-40B4-BE49-F238E27FC236}">
-                <a16:creationId xmlns:a16="http://schemas.microsoft.com/office/drawing/2014/main" xmlns="" id="{0FDAD747-108F-4A6D-9220-5EA05067FF1E}"/>
+                <a16:creationId xmlns="" xmlns:a16="http://schemas.microsoft.com/office/drawing/2014/main" id="{0FDAD747-108F-4A6D-9220-5EA05067FF1E}"/>
               </a:ext>
             </a:extLst>
           </p:cNvPr>
@@ -10948,7 +10988,7 @@
           <p:cNvPr id="7" name="矩形 6">
             <a:extLst>
               <a:ext uri="{FF2B5EF4-FFF2-40B4-BE49-F238E27FC236}">
-                <a16:creationId xmlns:a16="http://schemas.microsoft.com/office/drawing/2014/main" xmlns="" id="{0FDAD747-108F-4A6D-9220-5EA05067FF1E}"/>
+                <a16:creationId xmlns="" xmlns:a16="http://schemas.microsoft.com/office/drawing/2014/main" id="{0FDAD747-108F-4A6D-9220-5EA05067FF1E}"/>
               </a:ext>
             </a:extLst>
           </p:cNvPr>
@@ -11044,7 +11084,7 @@
           <p:cNvPr id="9" name="矩形 13" descr="紫色网格">
             <a:extLst>
               <a:ext uri="{FF2B5EF4-FFF2-40B4-BE49-F238E27FC236}">
-                <a16:creationId xmlns:a16="http://schemas.microsoft.com/office/drawing/2014/main" xmlns="" id="{44AEA09D-FD0A-4CA0-883D-93E5EAF762D6}"/>
+                <a16:creationId xmlns="" xmlns:a16="http://schemas.microsoft.com/office/drawing/2014/main" id="{44AEA09D-FD0A-4CA0-883D-93E5EAF762D6}"/>
               </a:ext>
             </a:extLst>
           </p:cNvPr>
@@ -11344,7 +11384,7 @@
           <p:cNvPr id="12" name="矩形 11">
             <a:extLst>
               <a:ext uri="{FF2B5EF4-FFF2-40B4-BE49-F238E27FC236}">
-                <a16:creationId xmlns:a16="http://schemas.microsoft.com/office/drawing/2014/main" xmlns="" id="{0FDAD747-108F-4A6D-9220-5EA05067FF1E}"/>
+                <a16:creationId xmlns="" xmlns:a16="http://schemas.microsoft.com/office/drawing/2014/main" id="{0FDAD747-108F-4A6D-9220-5EA05067FF1E}"/>
               </a:ext>
             </a:extLst>
           </p:cNvPr>
@@ -11438,7 +11478,7 @@
           <p:cNvPr id="6" name="矩形 13" descr="紫色网格">
             <a:extLst>
               <a:ext uri="{FF2B5EF4-FFF2-40B4-BE49-F238E27FC236}">
-                <a16:creationId xmlns:a16="http://schemas.microsoft.com/office/drawing/2014/main" xmlns="" id="{44AEA09D-FD0A-4CA0-883D-93E5EAF762D6}"/>
+                <a16:creationId xmlns="" xmlns:a16="http://schemas.microsoft.com/office/drawing/2014/main" id="{44AEA09D-FD0A-4CA0-883D-93E5EAF762D6}"/>
               </a:ext>
             </a:extLst>
           </p:cNvPr>
@@ -11770,7 +11810,7 @@
           <p:cNvPr id="52" name="矩形 51">
             <a:extLst>
               <a:ext uri="{FF2B5EF4-FFF2-40B4-BE49-F238E27FC236}">
-                <a16:creationId xmlns:a16="http://schemas.microsoft.com/office/drawing/2014/main" xmlns="" id="{C2B44424-4CFE-4BA2-9FCF-F0A911E8A749}"/>
+                <a16:creationId xmlns="" xmlns:a16="http://schemas.microsoft.com/office/drawing/2014/main" id="{C2B44424-4CFE-4BA2-9FCF-F0A911E8A749}"/>
               </a:ext>
             </a:extLst>
           </p:cNvPr>
@@ -11924,7 +11964,7 @@
           <p:cNvPr id="55" name="直接箭头连接符 54">
             <a:extLst>
               <a:ext uri="{FF2B5EF4-FFF2-40B4-BE49-F238E27FC236}">
-                <a16:creationId xmlns:a16="http://schemas.microsoft.com/office/drawing/2014/main" xmlns="" id="{EDD84E7C-3200-40E5-A3C0-E57D7F9E754E}"/>
+                <a16:creationId xmlns="" xmlns:a16="http://schemas.microsoft.com/office/drawing/2014/main" id="{EDD84E7C-3200-40E5-A3C0-E57D7F9E754E}"/>
               </a:ext>
             </a:extLst>
           </p:cNvPr>
@@ -11957,7 +11997,7 @@
           <p:cNvPr id="59" name="矩形 58">
             <a:extLst>
               <a:ext uri="{FF2B5EF4-FFF2-40B4-BE49-F238E27FC236}">
-                <a16:creationId xmlns:a16="http://schemas.microsoft.com/office/drawing/2014/main" xmlns="" id="{0FDAD747-108F-4A6D-9220-5EA05067FF1E}"/>
+                <a16:creationId xmlns="" xmlns:a16="http://schemas.microsoft.com/office/drawing/2014/main" id="{0FDAD747-108F-4A6D-9220-5EA05067FF1E}"/>
               </a:ext>
             </a:extLst>
           </p:cNvPr>
@@ -12004,7 +12044,7 @@
           <p:cNvPr id="60" name="矩形 59">
             <a:extLst>
               <a:ext uri="{FF2B5EF4-FFF2-40B4-BE49-F238E27FC236}">
-                <a16:creationId xmlns:a16="http://schemas.microsoft.com/office/drawing/2014/main" xmlns="" id="{5CEC9FB1-9CBF-4B7B-A321-DF404030F08B}"/>
+                <a16:creationId xmlns="" xmlns:a16="http://schemas.microsoft.com/office/drawing/2014/main" id="{5CEC9FB1-9CBF-4B7B-A321-DF404030F08B}"/>
               </a:ext>
             </a:extLst>
           </p:cNvPr>
@@ -12090,7 +12130,7 @@
           <p:cNvPr id="63" name="直接箭头连接符 62">
             <a:extLst>
               <a:ext uri="{FF2B5EF4-FFF2-40B4-BE49-F238E27FC236}">
-                <a16:creationId xmlns:a16="http://schemas.microsoft.com/office/drawing/2014/main" xmlns="" id="{5A7FC920-9D22-4290-B80F-F4BDC1DE109A}"/>
+                <a16:creationId xmlns="" xmlns:a16="http://schemas.microsoft.com/office/drawing/2014/main" id="{5A7FC920-9D22-4290-B80F-F4BDC1DE109A}"/>
               </a:ext>
             </a:extLst>
           </p:cNvPr>
@@ -12123,7 +12163,7 @@
           <p:cNvPr id="64" name="矩形 63">
             <a:extLst>
               <a:ext uri="{FF2B5EF4-FFF2-40B4-BE49-F238E27FC236}">
-                <a16:creationId xmlns:a16="http://schemas.microsoft.com/office/drawing/2014/main" xmlns="" id="{45B27A13-37E3-4777-9299-E75CAF1F6F9A}"/>
+                <a16:creationId xmlns="" xmlns:a16="http://schemas.microsoft.com/office/drawing/2014/main" id="{45B27A13-37E3-4777-9299-E75CAF1F6F9A}"/>
               </a:ext>
             </a:extLst>
           </p:cNvPr>
@@ -12171,7 +12211,7 @@
           <p:cNvPr id="65" name="图片 64">
             <a:extLst>
               <a:ext uri="{FF2B5EF4-FFF2-40B4-BE49-F238E27FC236}">
-                <a16:creationId xmlns:a16="http://schemas.microsoft.com/office/drawing/2014/main" xmlns="" id="{36569B5B-566F-4C60-9D63-318931B70CA2}"/>
+                <a16:creationId xmlns="" xmlns:a16="http://schemas.microsoft.com/office/drawing/2014/main" id="{36569B5B-566F-4C60-9D63-318931B70CA2}"/>
               </a:ext>
             </a:extLst>
           </p:cNvPr>
@@ -12207,7 +12247,7 @@
           <p:cNvPr id="66" name="矩形 65">
             <a:extLst>
               <a:ext uri="{FF2B5EF4-FFF2-40B4-BE49-F238E27FC236}">
-                <a16:creationId xmlns:a16="http://schemas.microsoft.com/office/drawing/2014/main" xmlns="" id="{2A55BA5B-CE30-435B-95FB-B00B8161E590}"/>
+                <a16:creationId xmlns="" xmlns:a16="http://schemas.microsoft.com/office/drawing/2014/main" id="{2A55BA5B-CE30-435B-95FB-B00B8161E590}"/>
               </a:ext>
             </a:extLst>
           </p:cNvPr>
@@ -12265,7 +12305,7 @@
           <p:cNvPr id="67" name="矩形 66">
             <a:extLst>
               <a:ext uri="{FF2B5EF4-FFF2-40B4-BE49-F238E27FC236}">
-                <a16:creationId xmlns:a16="http://schemas.microsoft.com/office/drawing/2014/main" xmlns="" id="{C2B44424-4CFE-4BA2-9FCF-F0A911E8A749}"/>
+                <a16:creationId xmlns="" xmlns:a16="http://schemas.microsoft.com/office/drawing/2014/main" id="{C2B44424-4CFE-4BA2-9FCF-F0A911E8A749}"/>
               </a:ext>
             </a:extLst>
           </p:cNvPr>
@@ -12376,7 +12416,7 @@
           <p:cNvPr id="72" name="矩形 13" descr="紫色网格">
             <a:extLst>
               <a:ext uri="{FF2B5EF4-FFF2-40B4-BE49-F238E27FC236}">
-                <a16:creationId xmlns:a16="http://schemas.microsoft.com/office/drawing/2014/main" xmlns="" id="{44AEA09D-FD0A-4CA0-883D-93E5EAF762D6}"/>
+                <a16:creationId xmlns="" xmlns:a16="http://schemas.microsoft.com/office/drawing/2014/main" id="{44AEA09D-FD0A-4CA0-883D-93E5EAF762D6}"/>
               </a:ext>
             </a:extLst>
           </p:cNvPr>
@@ -12643,7 +12683,7 @@
           <p:cNvPr id="73" name="矩形 72">
             <a:extLst>
               <a:ext uri="{FF2B5EF4-FFF2-40B4-BE49-F238E27FC236}">
-                <a16:creationId xmlns:a16="http://schemas.microsoft.com/office/drawing/2014/main" xmlns="" id="{0FDAD747-108F-4A6D-9220-5EA05067FF1E}"/>
+                <a16:creationId xmlns="" xmlns:a16="http://schemas.microsoft.com/office/drawing/2014/main" id="{0FDAD747-108F-4A6D-9220-5EA05067FF1E}"/>
               </a:ext>
             </a:extLst>
           </p:cNvPr>
@@ -12690,7 +12730,7 @@
           <p:cNvPr id="76" name="矩形 75">
             <a:extLst>
               <a:ext uri="{FF2B5EF4-FFF2-40B4-BE49-F238E27FC236}">
-                <a16:creationId xmlns:a16="http://schemas.microsoft.com/office/drawing/2014/main" xmlns="" id="{5CEC9FB1-9CBF-4B7B-A321-DF404030F08B}"/>
+                <a16:creationId xmlns="" xmlns:a16="http://schemas.microsoft.com/office/drawing/2014/main" id="{5CEC9FB1-9CBF-4B7B-A321-DF404030F08B}"/>
               </a:ext>
             </a:extLst>
           </p:cNvPr>
@@ -12776,7 +12816,7 @@
           <p:cNvPr id="77" name="矩形 76">
             <a:extLst>
               <a:ext uri="{FF2B5EF4-FFF2-40B4-BE49-F238E27FC236}">
-                <a16:creationId xmlns:a16="http://schemas.microsoft.com/office/drawing/2014/main" xmlns="" id="{5CEC9FB1-9CBF-4B7B-A321-DF404030F08B}"/>
+                <a16:creationId xmlns="" xmlns:a16="http://schemas.microsoft.com/office/drawing/2014/main" id="{5CEC9FB1-9CBF-4B7B-A321-DF404030F08B}"/>
               </a:ext>
             </a:extLst>
           </p:cNvPr>
@@ -12904,7 +12944,7 @@
           <p:cNvPr id="82" name="直接箭头连接符 81">
             <a:extLst>
               <a:ext uri="{FF2B5EF4-FFF2-40B4-BE49-F238E27FC236}">
-                <a16:creationId xmlns:a16="http://schemas.microsoft.com/office/drawing/2014/main" xmlns="" id="{EDD84E7C-3200-40E5-A3C0-E57D7F9E754E}"/>
+                <a16:creationId xmlns="" xmlns:a16="http://schemas.microsoft.com/office/drawing/2014/main" id="{EDD84E7C-3200-40E5-A3C0-E57D7F9E754E}"/>
               </a:ext>
             </a:extLst>
           </p:cNvPr>
@@ -12937,7 +12977,7 @@
           <p:cNvPr id="85" name="直接箭头连接符 84">
             <a:extLst>
               <a:ext uri="{FF2B5EF4-FFF2-40B4-BE49-F238E27FC236}">
-                <a16:creationId xmlns:a16="http://schemas.microsoft.com/office/drawing/2014/main" xmlns="" id="{EDD84E7C-3200-40E5-A3C0-E57D7F9E754E}"/>
+                <a16:creationId xmlns="" xmlns:a16="http://schemas.microsoft.com/office/drawing/2014/main" id="{EDD84E7C-3200-40E5-A3C0-E57D7F9E754E}"/>
               </a:ext>
             </a:extLst>
           </p:cNvPr>
@@ -13093,7 +13133,7 @@
           <p:cNvPr id="12" name="矩形 11">
             <a:extLst>
               <a:ext uri="{FF2B5EF4-FFF2-40B4-BE49-F238E27FC236}">
-                <a16:creationId xmlns:a16="http://schemas.microsoft.com/office/drawing/2014/main" xmlns="" id="{0FDAD747-108F-4A6D-9220-5EA05067FF1E}"/>
+                <a16:creationId xmlns="" xmlns:a16="http://schemas.microsoft.com/office/drawing/2014/main" id="{0FDAD747-108F-4A6D-9220-5EA05067FF1E}"/>
               </a:ext>
             </a:extLst>
           </p:cNvPr>
@@ -13140,7 +13180,7 @@
           <p:cNvPr id="4" name="矩形 3">
             <a:extLst>
               <a:ext uri="{FF2B5EF4-FFF2-40B4-BE49-F238E27FC236}">
-                <a16:creationId xmlns:a16="http://schemas.microsoft.com/office/drawing/2014/main" xmlns="" id="{0FDAD747-108F-4A6D-9220-5EA05067FF1E}"/>
+                <a16:creationId xmlns="" xmlns:a16="http://schemas.microsoft.com/office/drawing/2014/main" id="{0FDAD747-108F-4A6D-9220-5EA05067FF1E}"/>
               </a:ext>
             </a:extLst>
           </p:cNvPr>
@@ -13398,7 +13438,7 @@
           <p:cNvPr id="12" name="矩形 11">
             <a:extLst>
               <a:ext uri="{FF2B5EF4-FFF2-40B4-BE49-F238E27FC236}">
-                <a16:creationId xmlns:a16="http://schemas.microsoft.com/office/drawing/2014/main" xmlns="" id="{0FDAD747-108F-4A6D-9220-5EA05067FF1E}"/>
+                <a16:creationId xmlns="" xmlns:a16="http://schemas.microsoft.com/office/drawing/2014/main" id="{0FDAD747-108F-4A6D-9220-5EA05067FF1E}"/>
               </a:ext>
             </a:extLst>
           </p:cNvPr>
@@ -13448,7 +13488,7 @@
           <p:cNvPr id="4" name="矩形 3">
             <a:extLst>
               <a:ext uri="{FF2B5EF4-FFF2-40B4-BE49-F238E27FC236}">
-                <a16:creationId xmlns:a16="http://schemas.microsoft.com/office/drawing/2014/main" xmlns="" id="{0FDAD747-108F-4A6D-9220-5EA05067FF1E}"/>
+                <a16:creationId xmlns="" xmlns:a16="http://schemas.microsoft.com/office/drawing/2014/main" id="{0FDAD747-108F-4A6D-9220-5EA05067FF1E}"/>
               </a:ext>
             </a:extLst>
           </p:cNvPr>
@@ -14001,7 +14041,7 @@
           <p:cNvPr id="7" name="矩形 13" descr="紫色网格">
             <a:extLst>
               <a:ext uri="{FF2B5EF4-FFF2-40B4-BE49-F238E27FC236}">
-                <a16:creationId xmlns:a16="http://schemas.microsoft.com/office/drawing/2014/main" xmlns="" id="{44AEA09D-FD0A-4CA0-883D-93E5EAF762D6}"/>
+                <a16:creationId xmlns="" xmlns:a16="http://schemas.microsoft.com/office/drawing/2014/main" id="{44AEA09D-FD0A-4CA0-883D-93E5EAF762D6}"/>
               </a:ext>
             </a:extLst>
           </p:cNvPr>
@@ -14311,7 +14351,7 @@
           <p:cNvPr id="12" name="矩形 11">
             <a:extLst>
               <a:ext uri="{FF2B5EF4-FFF2-40B4-BE49-F238E27FC236}">
-                <a16:creationId xmlns:a16="http://schemas.microsoft.com/office/drawing/2014/main" xmlns="" id="{0FDAD747-108F-4A6D-9220-5EA05067FF1E}"/>
+                <a16:creationId xmlns="" xmlns:a16="http://schemas.microsoft.com/office/drawing/2014/main" id="{0FDAD747-108F-4A6D-9220-5EA05067FF1E}"/>
               </a:ext>
             </a:extLst>
           </p:cNvPr>
@@ -14368,7 +14408,7 @@
           <p:cNvPr id="4" name="矩形 3">
             <a:extLst>
               <a:ext uri="{FF2B5EF4-FFF2-40B4-BE49-F238E27FC236}">
-                <a16:creationId xmlns:a16="http://schemas.microsoft.com/office/drawing/2014/main" xmlns="" id="{0FDAD747-108F-4A6D-9220-5EA05067FF1E}"/>
+                <a16:creationId xmlns="" xmlns:a16="http://schemas.microsoft.com/office/drawing/2014/main" id="{0FDAD747-108F-4A6D-9220-5EA05067FF1E}"/>
               </a:ext>
             </a:extLst>
           </p:cNvPr>
@@ -14745,7 +14785,7 @@
           <p:cNvPr id="12" name="矩形 11">
             <a:extLst>
               <a:ext uri="{FF2B5EF4-FFF2-40B4-BE49-F238E27FC236}">
-                <a16:creationId xmlns:a16="http://schemas.microsoft.com/office/drawing/2014/main" xmlns="" id="{0FDAD747-108F-4A6D-9220-5EA05067FF1E}"/>
+                <a16:creationId xmlns="" xmlns:a16="http://schemas.microsoft.com/office/drawing/2014/main" id="{0FDAD747-108F-4A6D-9220-5EA05067FF1E}"/>
               </a:ext>
             </a:extLst>
           </p:cNvPr>
@@ -14792,7 +14832,7 @@
           <p:cNvPr id="4" name="矩形 3">
             <a:extLst>
               <a:ext uri="{FF2B5EF4-FFF2-40B4-BE49-F238E27FC236}">
-                <a16:creationId xmlns:a16="http://schemas.microsoft.com/office/drawing/2014/main" xmlns="" id="{0FDAD747-108F-4A6D-9220-5EA05067FF1E}"/>
+                <a16:creationId xmlns="" xmlns:a16="http://schemas.microsoft.com/office/drawing/2014/main" id="{0FDAD747-108F-4A6D-9220-5EA05067FF1E}"/>
               </a:ext>
             </a:extLst>
           </p:cNvPr>
@@ -15121,7 +15161,7 @@
           <p:cNvPr id="12" name="矩形 11">
             <a:extLst>
               <a:ext uri="{FF2B5EF4-FFF2-40B4-BE49-F238E27FC236}">
-                <a16:creationId xmlns:a16="http://schemas.microsoft.com/office/drawing/2014/main" xmlns="" id="{0FDAD747-108F-4A6D-9220-5EA05067FF1E}"/>
+                <a16:creationId xmlns="" xmlns:a16="http://schemas.microsoft.com/office/drawing/2014/main" id="{0FDAD747-108F-4A6D-9220-5EA05067FF1E}"/>
               </a:ext>
             </a:extLst>
           </p:cNvPr>
@@ -15181,7 +15221,7 @@
           <p:cNvPr id="4" name="矩形 3">
             <a:extLst>
               <a:ext uri="{FF2B5EF4-FFF2-40B4-BE49-F238E27FC236}">
-                <a16:creationId xmlns:a16="http://schemas.microsoft.com/office/drawing/2014/main" xmlns="" id="{0FDAD747-108F-4A6D-9220-5EA05067FF1E}"/>
+                <a16:creationId xmlns="" xmlns:a16="http://schemas.microsoft.com/office/drawing/2014/main" id="{0FDAD747-108F-4A6D-9220-5EA05067FF1E}"/>
               </a:ext>
             </a:extLst>
           </p:cNvPr>
@@ -15700,7 +15740,7 @@
           <p:cNvPr id="12" name="矩形 11">
             <a:extLst>
               <a:ext uri="{FF2B5EF4-FFF2-40B4-BE49-F238E27FC236}">
-                <a16:creationId xmlns:a16="http://schemas.microsoft.com/office/drawing/2014/main" xmlns="" id="{0FDAD747-108F-4A6D-9220-5EA05067FF1E}"/>
+                <a16:creationId xmlns="" xmlns:a16="http://schemas.microsoft.com/office/drawing/2014/main" id="{0FDAD747-108F-4A6D-9220-5EA05067FF1E}"/>
               </a:ext>
             </a:extLst>
           </p:cNvPr>
@@ -15767,7 +15807,7 @@
           <p:cNvPr id="4" name="矩形 3">
             <a:extLst>
               <a:ext uri="{FF2B5EF4-FFF2-40B4-BE49-F238E27FC236}">
-                <a16:creationId xmlns:a16="http://schemas.microsoft.com/office/drawing/2014/main" xmlns="" id="{0FDAD747-108F-4A6D-9220-5EA05067FF1E}"/>
+                <a16:creationId xmlns="" xmlns:a16="http://schemas.microsoft.com/office/drawing/2014/main" id="{0FDAD747-108F-4A6D-9220-5EA05067FF1E}"/>
               </a:ext>
             </a:extLst>
           </p:cNvPr>
@@ -16097,7 +16137,7 @@
           <p:cNvPr id="12" name="矩形 11">
             <a:extLst>
               <a:ext uri="{FF2B5EF4-FFF2-40B4-BE49-F238E27FC236}">
-                <a16:creationId xmlns:a16="http://schemas.microsoft.com/office/drawing/2014/main" xmlns="" id="{0FDAD747-108F-4A6D-9220-5EA05067FF1E}"/>
+                <a16:creationId xmlns="" xmlns:a16="http://schemas.microsoft.com/office/drawing/2014/main" id="{0FDAD747-108F-4A6D-9220-5EA05067FF1E}"/>
               </a:ext>
             </a:extLst>
           </p:cNvPr>
@@ -16144,7 +16184,7 @@
           <p:cNvPr id="4" name="矩形 3">
             <a:extLst>
               <a:ext uri="{FF2B5EF4-FFF2-40B4-BE49-F238E27FC236}">
-                <a16:creationId xmlns:a16="http://schemas.microsoft.com/office/drawing/2014/main" xmlns="" id="{0FDAD747-108F-4A6D-9220-5EA05067FF1E}"/>
+                <a16:creationId xmlns="" xmlns:a16="http://schemas.microsoft.com/office/drawing/2014/main" id="{0FDAD747-108F-4A6D-9220-5EA05067FF1E}"/>
               </a:ext>
             </a:extLst>
           </p:cNvPr>
@@ -16247,7 +16287,7 @@
           <p:cNvPr id="12" name="矩形 11">
             <a:extLst>
               <a:ext uri="{FF2B5EF4-FFF2-40B4-BE49-F238E27FC236}">
-                <a16:creationId xmlns:a16="http://schemas.microsoft.com/office/drawing/2014/main" xmlns="" id="{0FDAD747-108F-4A6D-9220-5EA05067FF1E}"/>
+                <a16:creationId xmlns="" xmlns:a16="http://schemas.microsoft.com/office/drawing/2014/main" id="{0FDAD747-108F-4A6D-9220-5EA05067FF1E}"/>
               </a:ext>
             </a:extLst>
           </p:cNvPr>
@@ -16355,7 +16395,7 @@
           <p:cNvPr id="12" name="矩形 11">
             <a:extLst>
               <a:ext uri="{FF2B5EF4-FFF2-40B4-BE49-F238E27FC236}">
-                <a16:creationId xmlns:a16="http://schemas.microsoft.com/office/drawing/2014/main" xmlns="" id="{0FDAD747-108F-4A6D-9220-5EA05067FF1E}"/>
+                <a16:creationId xmlns="" xmlns:a16="http://schemas.microsoft.com/office/drawing/2014/main" id="{0FDAD747-108F-4A6D-9220-5EA05067FF1E}"/>
               </a:ext>
             </a:extLst>
           </p:cNvPr>
@@ -16402,7 +16442,7 @@
           <p:cNvPr id="4" name="矩形 3">
             <a:extLst>
               <a:ext uri="{FF2B5EF4-FFF2-40B4-BE49-F238E27FC236}">
-                <a16:creationId xmlns:a16="http://schemas.microsoft.com/office/drawing/2014/main" xmlns="" id="{0FDAD747-108F-4A6D-9220-5EA05067FF1E}"/>
+                <a16:creationId xmlns="" xmlns:a16="http://schemas.microsoft.com/office/drawing/2014/main" id="{0FDAD747-108F-4A6D-9220-5EA05067FF1E}"/>
               </a:ext>
             </a:extLst>
           </p:cNvPr>
@@ -16546,7 +16586,7 @@
           <p:cNvPr id="5" name="矩形 13" descr="紫色网格">
             <a:extLst>
               <a:ext uri="{FF2B5EF4-FFF2-40B4-BE49-F238E27FC236}">
-                <a16:creationId xmlns:a16="http://schemas.microsoft.com/office/drawing/2014/main" xmlns="" id="{44AEA09D-FD0A-4CA0-883D-93E5EAF762D6}"/>
+                <a16:creationId xmlns="" xmlns:a16="http://schemas.microsoft.com/office/drawing/2014/main" id="{44AEA09D-FD0A-4CA0-883D-93E5EAF762D6}"/>
               </a:ext>
             </a:extLst>
           </p:cNvPr>
@@ -16866,7 +16906,7 @@
           <p:cNvPr id="52" name="矩形 51">
             <a:extLst>
               <a:ext uri="{FF2B5EF4-FFF2-40B4-BE49-F238E27FC236}">
-                <a16:creationId xmlns:a16="http://schemas.microsoft.com/office/drawing/2014/main" xmlns="" id="{C2B44424-4CFE-4BA2-9FCF-F0A911E8A749}"/>
+                <a16:creationId xmlns="" xmlns:a16="http://schemas.microsoft.com/office/drawing/2014/main" id="{C2B44424-4CFE-4BA2-9FCF-F0A911E8A749}"/>
               </a:ext>
             </a:extLst>
           </p:cNvPr>
@@ -17020,7 +17060,7 @@
           <p:cNvPr id="55" name="直接箭头连接符 54">
             <a:extLst>
               <a:ext uri="{FF2B5EF4-FFF2-40B4-BE49-F238E27FC236}">
-                <a16:creationId xmlns:a16="http://schemas.microsoft.com/office/drawing/2014/main" xmlns="" id="{EDD84E7C-3200-40E5-A3C0-E57D7F9E754E}"/>
+                <a16:creationId xmlns="" xmlns:a16="http://schemas.microsoft.com/office/drawing/2014/main" id="{EDD84E7C-3200-40E5-A3C0-E57D7F9E754E}"/>
               </a:ext>
             </a:extLst>
           </p:cNvPr>
@@ -17053,7 +17093,7 @@
           <p:cNvPr id="59" name="矩形 58">
             <a:extLst>
               <a:ext uri="{FF2B5EF4-FFF2-40B4-BE49-F238E27FC236}">
-                <a16:creationId xmlns:a16="http://schemas.microsoft.com/office/drawing/2014/main" xmlns="" id="{0FDAD747-108F-4A6D-9220-5EA05067FF1E}"/>
+                <a16:creationId xmlns="" xmlns:a16="http://schemas.microsoft.com/office/drawing/2014/main" id="{0FDAD747-108F-4A6D-9220-5EA05067FF1E}"/>
               </a:ext>
             </a:extLst>
           </p:cNvPr>
@@ -17120,7 +17160,7 @@
           <p:cNvPr id="63" name="直接箭头连接符 62">
             <a:extLst>
               <a:ext uri="{FF2B5EF4-FFF2-40B4-BE49-F238E27FC236}">
-                <a16:creationId xmlns:a16="http://schemas.microsoft.com/office/drawing/2014/main" xmlns="" id="{5A7FC920-9D22-4290-B80F-F4BDC1DE109A}"/>
+                <a16:creationId xmlns="" xmlns:a16="http://schemas.microsoft.com/office/drawing/2014/main" id="{5A7FC920-9D22-4290-B80F-F4BDC1DE109A}"/>
               </a:ext>
             </a:extLst>
           </p:cNvPr>
@@ -17153,7 +17193,7 @@
           <p:cNvPr id="64" name="矩形 63">
             <a:extLst>
               <a:ext uri="{FF2B5EF4-FFF2-40B4-BE49-F238E27FC236}">
-                <a16:creationId xmlns:a16="http://schemas.microsoft.com/office/drawing/2014/main" xmlns="" id="{45B27A13-37E3-4777-9299-E75CAF1F6F9A}"/>
+                <a16:creationId xmlns="" xmlns:a16="http://schemas.microsoft.com/office/drawing/2014/main" id="{45B27A13-37E3-4777-9299-E75CAF1F6F9A}"/>
               </a:ext>
             </a:extLst>
           </p:cNvPr>
@@ -17201,7 +17241,7 @@
           <p:cNvPr id="65" name="图片 64">
             <a:extLst>
               <a:ext uri="{FF2B5EF4-FFF2-40B4-BE49-F238E27FC236}">
-                <a16:creationId xmlns:a16="http://schemas.microsoft.com/office/drawing/2014/main" xmlns="" id="{36569B5B-566F-4C60-9D63-318931B70CA2}"/>
+                <a16:creationId xmlns="" xmlns:a16="http://schemas.microsoft.com/office/drawing/2014/main" id="{36569B5B-566F-4C60-9D63-318931B70CA2}"/>
               </a:ext>
             </a:extLst>
           </p:cNvPr>
@@ -17237,7 +17277,7 @@
           <p:cNvPr id="66" name="矩形 65">
             <a:extLst>
               <a:ext uri="{FF2B5EF4-FFF2-40B4-BE49-F238E27FC236}">
-                <a16:creationId xmlns:a16="http://schemas.microsoft.com/office/drawing/2014/main" xmlns="" id="{2A55BA5B-CE30-435B-95FB-B00B8161E590}"/>
+                <a16:creationId xmlns="" xmlns:a16="http://schemas.microsoft.com/office/drawing/2014/main" id="{2A55BA5B-CE30-435B-95FB-B00B8161E590}"/>
               </a:ext>
             </a:extLst>
           </p:cNvPr>
@@ -17305,7 +17345,7 @@
           <p:cNvPr id="67" name="矩形 66">
             <a:extLst>
               <a:ext uri="{FF2B5EF4-FFF2-40B4-BE49-F238E27FC236}">
-                <a16:creationId xmlns:a16="http://schemas.microsoft.com/office/drawing/2014/main" xmlns="" id="{C2B44424-4CFE-4BA2-9FCF-F0A911E8A749}"/>
+                <a16:creationId xmlns="" xmlns:a16="http://schemas.microsoft.com/office/drawing/2014/main" id="{C2B44424-4CFE-4BA2-9FCF-F0A911E8A749}"/>
               </a:ext>
             </a:extLst>
           </p:cNvPr>
@@ -17383,7 +17423,7 @@
           <p:cNvPr id="73" name="矩形 72">
             <a:extLst>
               <a:ext uri="{FF2B5EF4-FFF2-40B4-BE49-F238E27FC236}">
-                <a16:creationId xmlns:a16="http://schemas.microsoft.com/office/drawing/2014/main" xmlns="" id="{0FDAD747-108F-4A6D-9220-5EA05067FF1E}"/>
+                <a16:creationId xmlns="" xmlns:a16="http://schemas.microsoft.com/office/drawing/2014/main" id="{0FDAD747-108F-4A6D-9220-5EA05067FF1E}"/>
               </a:ext>
             </a:extLst>
           </p:cNvPr>
@@ -17430,7 +17470,7 @@
           <p:cNvPr id="15" name="图片 14">
             <a:extLst>
               <a:ext uri="{FF2B5EF4-FFF2-40B4-BE49-F238E27FC236}">
-                <a16:creationId xmlns:a16="http://schemas.microsoft.com/office/drawing/2014/main" xmlns="" id="{36569B5B-566F-4C60-9D63-318931B70CA2}"/>
+                <a16:creationId xmlns="" xmlns:a16="http://schemas.microsoft.com/office/drawing/2014/main" id="{36569B5B-566F-4C60-9D63-318931B70CA2}"/>
               </a:ext>
             </a:extLst>
           </p:cNvPr>
@@ -17473,7 +17513,7 @@
           <p:cNvPr id="16" name="矩形 13" descr="紫色网格">
             <a:extLst>
               <a:ext uri="{FF2B5EF4-FFF2-40B4-BE49-F238E27FC236}">
-                <a16:creationId xmlns:a16="http://schemas.microsoft.com/office/drawing/2014/main" xmlns="" id="{44AEA09D-FD0A-4CA0-883D-93E5EAF762D6}"/>
+                <a16:creationId xmlns="" xmlns:a16="http://schemas.microsoft.com/office/drawing/2014/main" id="{44AEA09D-FD0A-4CA0-883D-93E5EAF762D6}"/>
               </a:ext>
             </a:extLst>
           </p:cNvPr>
@@ -17879,7 +17919,7 @@
           <p:cNvPr id="12" name="矩形 11">
             <a:extLst>
               <a:ext uri="{FF2B5EF4-FFF2-40B4-BE49-F238E27FC236}">
-                <a16:creationId xmlns:a16="http://schemas.microsoft.com/office/drawing/2014/main" xmlns="" id="{0FDAD747-108F-4A6D-9220-5EA05067FF1E}"/>
+                <a16:creationId xmlns="" xmlns:a16="http://schemas.microsoft.com/office/drawing/2014/main" id="{0FDAD747-108F-4A6D-9220-5EA05067FF1E}"/>
               </a:ext>
             </a:extLst>
           </p:cNvPr>
@@ -17926,7 +17966,7 @@
           <p:cNvPr id="4" name="矩形 3">
             <a:extLst>
               <a:ext uri="{FF2B5EF4-FFF2-40B4-BE49-F238E27FC236}">
-                <a16:creationId xmlns:a16="http://schemas.microsoft.com/office/drawing/2014/main" xmlns="" id="{0FDAD747-108F-4A6D-9220-5EA05067FF1E}"/>
+                <a16:creationId xmlns="" xmlns:a16="http://schemas.microsoft.com/office/drawing/2014/main" id="{0FDAD747-108F-4A6D-9220-5EA05067FF1E}"/>
               </a:ext>
             </a:extLst>
           </p:cNvPr>
@@ -18125,7 +18165,7 @@
           <p:cNvPr id="5" name="矩形 4">
             <a:extLst>
               <a:ext uri="{FF2B5EF4-FFF2-40B4-BE49-F238E27FC236}">
-                <a16:creationId xmlns:a16="http://schemas.microsoft.com/office/drawing/2014/main" xmlns="" id="{AB1DF3D9-EC08-40CA-853D-48B16F99EE56}"/>
+                <a16:creationId xmlns="" xmlns:a16="http://schemas.microsoft.com/office/drawing/2014/main" id="{AB1DF3D9-EC08-40CA-853D-48B16F99EE56}"/>
               </a:ext>
             </a:extLst>
           </p:cNvPr>
@@ -18240,7 +18280,7 @@
           <p:cNvPr id="12" name="矩形 11">
             <a:extLst>
               <a:ext uri="{FF2B5EF4-FFF2-40B4-BE49-F238E27FC236}">
-                <a16:creationId xmlns:a16="http://schemas.microsoft.com/office/drawing/2014/main" xmlns="" id="{0FDAD747-108F-4A6D-9220-5EA05067FF1E}"/>
+                <a16:creationId xmlns="" xmlns:a16="http://schemas.microsoft.com/office/drawing/2014/main" id="{0FDAD747-108F-4A6D-9220-5EA05067FF1E}"/>
               </a:ext>
             </a:extLst>
           </p:cNvPr>
@@ -18287,7 +18327,7 @@
           <p:cNvPr id="6" name="矩形 5">
             <a:extLst>
               <a:ext uri="{FF2B5EF4-FFF2-40B4-BE49-F238E27FC236}">
-                <a16:creationId xmlns:a16="http://schemas.microsoft.com/office/drawing/2014/main" xmlns="" id="{0FDAD747-108F-4A6D-9220-5EA05067FF1E}"/>
+                <a16:creationId xmlns="" xmlns:a16="http://schemas.microsoft.com/office/drawing/2014/main" id="{0FDAD747-108F-4A6D-9220-5EA05067FF1E}"/>
               </a:ext>
             </a:extLst>
           </p:cNvPr>
@@ -18463,7 +18503,7 @@
           <p:cNvPr id="12" name="矩形 11">
             <a:extLst>
               <a:ext uri="{FF2B5EF4-FFF2-40B4-BE49-F238E27FC236}">
-                <a16:creationId xmlns:a16="http://schemas.microsoft.com/office/drawing/2014/main" xmlns="" id="{0FDAD747-108F-4A6D-9220-5EA05067FF1E}"/>
+                <a16:creationId xmlns="" xmlns:a16="http://schemas.microsoft.com/office/drawing/2014/main" id="{0FDAD747-108F-4A6D-9220-5EA05067FF1E}"/>
               </a:ext>
             </a:extLst>
           </p:cNvPr>
@@ -18512,7 +18552,7 @@
               <p:cNvPr id="4" name="矩形 3">
                 <a:extLst>
                   <a:ext uri="{FF2B5EF4-FFF2-40B4-BE49-F238E27FC236}">
-                    <a16:creationId xmlns:a16="http://schemas.microsoft.com/office/drawing/2014/main" xmlns="" id="{0FDAD747-108F-4A6D-9220-5EA05067FF1E}"/>
+                    <a16:creationId xmlns="" xmlns:a16="http://schemas.microsoft.com/office/drawing/2014/main" id="{0FDAD747-108F-4A6D-9220-5EA05067FF1E}"/>
                   </a:ext>
                 </a:extLst>
               </p:cNvPr>
@@ -18861,7 +18901,7 @@
           <p:cNvPr id="6" name="矩形 5">
             <a:extLst>
               <a:ext uri="{FF2B5EF4-FFF2-40B4-BE49-F238E27FC236}">
-                <a16:creationId xmlns:a16="http://schemas.microsoft.com/office/drawing/2014/main" xmlns="" id="{AB1DF3D9-EC08-40CA-853D-48B16F99EE56}"/>
+                <a16:creationId xmlns="" xmlns:a16="http://schemas.microsoft.com/office/drawing/2014/main" id="{AB1DF3D9-EC08-40CA-853D-48B16F99EE56}"/>
               </a:ext>
             </a:extLst>
           </p:cNvPr>
@@ -18953,7 +18993,7 @@
           <p:cNvPr id="12" name="矩形 11">
             <a:extLst>
               <a:ext uri="{FF2B5EF4-FFF2-40B4-BE49-F238E27FC236}">
-                <a16:creationId xmlns:a16="http://schemas.microsoft.com/office/drawing/2014/main" xmlns="" id="{0FDAD747-108F-4A6D-9220-5EA05067FF1E}"/>
+                <a16:creationId xmlns="" xmlns:a16="http://schemas.microsoft.com/office/drawing/2014/main" id="{0FDAD747-108F-4A6D-9220-5EA05067FF1E}"/>
               </a:ext>
             </a:extLst>
           </p:cNvPr>
@@ -19002,7 +19042,7 @@
               <p:cNvPr id="4" name="矩形 3">
                 <a:extLst>
                   <a:ext uri="{FF2B5EF4-FFF2-40B4-BE49-F238E27FC236}">
-                    <a16:creationId xmlns:a16="http://schemas.microsoft.com/office/drawing/2014/main" xmlns="" id="{0FDAD747-108F-4A6D-9220-5EA05067FF1E}"/>
+                    <a16:creationId xmlns="" xmlns:a16="http://schemas.microsoft.com/office/drawing/2014/main" id="{0FDAD747-108F-4A6D-9220-5EA05067FF1E}"/>
                   </a:ext>
                 </a:extLst>
               </p:cNvPr>
@@ -19327,7 +19367,7 @@
           <p:cNvPr id="6" name="矩形 5">
             <a:extLst>
               <a:ext uri="{FF2B5EF4-FFF2-40B4-BE49-F238E27FC236}">
-                <a16:creationId xmlns:a16="http://schemas.microsoft.com/office/drawing/2014/main" xmlns="" id="{AB1DF3D9-EC08-40CA-853D-48B16F99EE56}"/>
+                <a16:creationId xmlns="" xmlns:a16="http://schemas.microsoft.com/office/drawing/2014/main" id="{AB1DF3D9-EC08-40CA-853D-48B16F99EE56}"/>
               </a:ext>
             </a:extLst>
           </p:cNvPr>
@@ -19443,7 +19483,7 @@
           <p:cNvPr id="12" name="矩形 11">
             <a:extLst>
               <a:ext uri="{FF2B5EF4-FFF2-40B4-BE49-F238E27FC236}">
-                <a16:creationId xmlns:a16="http://schemas.microsoft.com/office/drawing/2014/main" xmlns="" id="{0FDAD747-108F-4A6D-9220-5EA05067FF1E}"/>
+                <a16:creationId xmlns="" xmlns:a16="http://schemas.microsoft.com/office/drawing/2014/main" id="{0FDAD747-108F-4A6D-9220-5EA05067FF1E}"/>
               </a:ext>
             </a:extLst>
           </p:cNvPr>
@@ -19490,7 +19530,7 @@
           <p:cNvPr id="4" name="矩形 3">
             <a:extLst>
               <a:ext uri="{FF2B5EF4-FFF2-40B4-BE49-F238E27FC236}">
-                <a16:creationId xmlns:a16="http://schemas.microsoft.com/office/drawing/2014/main" xmlns="" id="{0FDAD747-108F-4A6D-9220-5EA05067FF1E}"/>
+                <a16:creationId xmlns="" xmlns:a16="http://schemas.microsoft.com/office/drawing/2014/main" id="{0FDAD747-108F-4A6D-9220-5EA05067FF1E}"/>
               </a:ext>
             </a:extLst>
           </p:cNvPr>
@@ -19644,7 +19684,7 @@
           <p:cNvPr id="8" name="矩形 7">
             <a:extLst>
               <a:ext uri="{FF2B5EF4-FFF2-40B4-BE49-F238E27FC236}">
-                <a16:creationId xmlns:a16="http://schemas.microsoft.com/office/drawing/2014/main" xmlns="" id="{AB1DF3D9-EC08-40CA-853D-48B16F99EE56}"/>
+                <a16:creationId xmlns="" xmlns:a16="http://schemas.microsoft.com/office/drawing/2014/main" id="{AB1DF3D9-EC08-40CA-853D-48B16F99EE56}"/>
               </a:ext>
             </a:extLst>
           </p:cNvPr>
@@ -19784,7 +19824,7 @@
           <p:cNvPr id="12" name="矩形 11">
             <a:extLst>
               <a:ext uri="{FF2B5EF4-FFF2-40B4-BE49-F238E27FC236}">
-                <a16:creationId xmlns:a16="http://schemas.microsoft.com/office/drawing/2014/main" xmlns="" id="{0FDAD747-108F-4A6D-9220-5EA05067FF1E}"/>
+                <a16:creationId xmlns="" xmlns:a16="http://schemas.microsoft.com/office/drawing/2014/main" id="{0FDAD747-108F-4A6D-9220-5EA05067FF1E}"/>
               </a:ext>
             </a:extLst>
           </p:cNvPr>
@@ -19831,7 +19871,7 @@
           <p:cNvPr id="4" name="矩形 3">
             <a:extLst>
               <a:ext uri="{FF2B5EF4-FFF2-40B4-BE49-F238E27FC236}">
-                <a16:creationId xmlns:a16="http://schemas.microsoft.com/office/drawing/2014/main" xmlns="" id="{0FDAD747-108F-4A6D-9220-5EA05067FF1E}"/>
+                <a16:creationId xmlns="" xmlns:a16="http://schemas.microsoft.com/office/drawing/2014/main" id="{0FDAD747-108F-4A6D-9220-5EA05067FF1E}"/>
               </a:ext>
             </a:extLst>
           </p:cNvPr>
@@ -19956,7 +19996,7 @@
           <p:cNvPr id="6" name="矩形 5">
             <a:extLst>
               <a:ext uri="{FF2B5EF4-FFF2-40B4-BE49-F238E27FC236}">
-                <a16:creationId xmlns:a16="http://schemas.microsoft.com/office/drawing/2014/main" xmlns="" id="{AB1DF3D9-EC08-40CA-853D-48B16F99EE56}"/>
+                <a16:creationId xmlns="" xmlns:a16="http://schemas.microsoft.com/office/drawing/2014/main" id="{AB1DF3D9-EC08-40CA-853D-48B16F99EE56}"/>
               </a:ext>
             </a:extLst>
           </p:cNvPr>
@@ -20095,7 +20135,7 @@
           <p:cNvPr id="12" name="矩形 11">
             <a:extLst>
               <a:ext uri="{FF2B5EF4-FFF2-40B4-BE49-F238E27FC236}">
-                <a16:creationId xmlns:a16="http://schemas.microsoft.com/office/drawing/2014/main" xmlns="" id="{0FDAD747-108F-4A6D-9220-5EA05067FF1E}"/>
+                <a16:creationId xmlns="" xmlns:a16="http://schemas.microsoft.com/office/drawing/2014/main" id="{0FDAD747-108F-4A6D-9220-5EA05067FF1E}"/>
               </a:ext>
             </a:extLst>
           </p:cNvPr>
@@ -20142,7 +20182,7 @@
           <p:cNvPr id="4" name="矩形 3">
             <a:extLst>
               <a:ext uri="{FF2B5EF4-FFF2-40B4-BE49-F238E27FC236}">
-                <a16:creationId xmlns:a16="http://schemas.microsoft.com/office/drawing/2014/main" xmlns="" id="{0FDAD747-108F-4A6D-9220-5EA05067FF1E}"/>
+                <a16:creationId xmlns="" xmlns:a16="http://schemas.microsoft.com/office/drawing/2014/main" id="{0FDAD747-108F-4A6D-9220-5EA05067FF1E}"/>
               </a:ext>
             </a:extLst>
           </p:cNvPr>
@@ -20310,7 +20350,7 @@
           <p:cNvPr id="6" name="矩形 5">
             <a:extLst>
               <a:ext uri="{FF2B5EF4-FFF2-40B4-BE49-F238E27FC236}">
-                <a16:creationId xmlns:a16="http://schemas.microsoft.com/office/drawing/2014/main" xmlns="" id="{AB1DF3D9-EC08-40CA-853D-48B16F99EE56}"/>
+                <a16:creationId xmlns="" xmlns:a16="http://schemas.microsoft.com/office/drawing/2014/main" id="{AB1DF3D9-EC08-40CA-853D-48B16F99EE56}"/>
               </a:ext>
             </a:extLst>
           </p:cNvPr>
@@ -20450,7 +20490,7 @@
           <p:cNvPr id="12" name="矩形 11">
             <a:extLst>
               <a:ext uri="{FF2B5EF4-FFF2-40B4-BE49-F238E27FC236}">
-                <a16:creationId xmlns:a16="http://schemas.microsoft.com/office/drawing/2014/main" xmlns="" id="{0FDAD747-108F-4A6D-9220-5EA05067FF1E}"/>
+                <a16:creationId xmlns="" xmlns:a16="http://schemas.microsoft.com/office/drawing/2014/main" id="{0FDAD747-108F-4A6D-9220-5EA05067FF1E}"/>
               </a:ext>
             </a:extLst>
           </p:cNvPr>
@@ -20497,7 +20537,7 @@
           <p:cNvPr id="6" name="矩形 5">
             <a:extLst>
               <a:ext uri="{FF2B5EF4-FFF2-40B4-BE49-F238E27FC236}">
-                <a16:creationId xmlns:a16="http://schemas.microsoft.com/office/drawing/2014/main" xmlns="" id="{AB1DF3D9-EC08-40CA-853D-48B16F99EE56}"/>
+                <a16:creationId xmlns="" xmlns:a16="http://schemas.microsoft.com/office/drawing/2014/main" id="{AB1DF3D9-EC08-40CA-853D-48B16F99EE56}"/>
               </a:ext>
             </a:extLst>
           </p:cNvPr>
@@ -20637,7 +20677,7 @@
           <p:cNvPr id="12" name="矩形 11">
             <a:extLst>
               <a:ext uri="{FF2B5EF4-FFF2-40B4-BE49-F238E27FC236}">
-                <a16:creationId xmlns:a16="http://schemas.microsoft.com/office/drawing/2014/main" xmlns="" id="{0FDAD747-108F-4A6D-9220-5EA05067FF1E}"/>
+                <a16:creationId xmlns="" xmlns:a16="http://schemas.microsoft.com/office/drawing/2014/main" id="{0FDAD747-108F-4A6D-9220-5EA05067FF1E}"/>
               </a:ext>
             </a:extLst>
           </p:cNvPr>
@@ -20684,7 +20724,7 @@
           <p:cNvPr id="4" name="矩形 3">
             <a:extLst>
               <a:ext uri="{FF2B5EF4-FFF2-40B4-BE49-F238E27FC236}">
-                <a16:creationId xmlns:a16="http://schemas.microsoft.com/office/drawing/2014/main" xmlns="" id="{0FDAD747-108F-4A6D-9220-5EA05067FF1E}"/>
+                <a16:creationId xmlns="" xmlns:a16="http://schemas.microsoft.com/office/drawing/2014/main" id="{0FDAD747-108F-4A6D-9220-5EA05067FF1E}"/>
               </a:ext>
             </a:extLst>
           </p:cNvPr>
@@ -21164,7 +21204,7 @@
           <p:cNvPr id="6" name="矩形 5">
             <a:extLst>
               <a:ext uri="{FF2B5EF4-FFF2-40B4-BE49-F238E27FC236}">
-                <a16:creationId xmlns:a16="http://schemas.microsoft.com/office/drawing/2014/main" xmlns="" id="{AB1DF3D9-EC08-40CA-853D-48B16F99EE56}"/>
+                <a16:creationId xmlns="" xmlns:a16="http://schemas.microsoft.com/office/drawing/2014/main" id="{AB1DF3D9-EC08-40CA-853D-48B16F99EE56}"/>
               </a:ext>
             </a:extLst>
           </p:cNvPr>
@@ -21256,7 +21296,7 @@
           <p:cNvPr id="12" name="矩形 11">
             <a:extLst>
               <a:ext uri="{FF2B5EF4-FFF2-40B4-BE49-F238E27FC236}">
-                <a16:creationId xmlns:a16="http://schemas.microsoft.com/office/drawing/2014/main" xmlns="" id="{0FDAD747-108F-4A6D-9220-5EA05067FF1E}"/>
+                <a16:creationId xmlns="" xmlns:a16="http://schemas.microsoft.com/office/drawing/2014/main" id="{0FDAD747-108F-4A6D-9220-5EA05067FF1E}"/>
               </a:ext>
             </a:extLst>
           </p:cNvPr>
@@ -21335,7 +21375,7 @@
           <p:cNvPr id="14" name="矩形 13">
             <a:extLst>
               <a:ext uri="{FF2B5EF4-FFF2-40B4-BE49-F238E27FC236}">
-                <a16:creationId xmlns:a16="http://schemas.microsoft.com/office/drawing/2014/main" xmlns="" id="{C2B44424-4CFE-4BA2-9FCF-F0A911E8A749}"/>
+                <a16:creationId xmlns="" xmlns:a16="http://schemas.microsoft.com/office/drawing/2014/main" id="{C2B44424-4CFE-4BA2-9FCF-F0A911E8A749}"/>
               </a:ext>
             </a:extLst>
           </p:cNvPr>
@@ -21489,7 +21529,7 @@
           <p:cNvPr id="16" name="直接箭头连接符 15">
             <a:extLst>
               <a:ext uri="{FF2B5EF4-FFF2-40B4-BE49-F238E27FC236}">
-                <a16:creationId xmlns:a16="http://schemas.microsoft.com/office/drawing/2014/main" xmlns="" id="{EDD84E7C-3200-40E5-A3C0-E57D7F9E754E}"/>
+                <a16:creationId xmlns="" xmlns:a16="http://schemas.microsoft.com/office/drawing/2014/main" id="{EDD84E7C-3200-40E5-A3C0-E57D7F9E754E}"/>
               </a:ext>
             </a:extLst>
           </p:cNvPr>
@@ -21522,7 +21562,7 @@
           <p:cNvPr id="17" name="矩形 16">
             <a:extLst>
               <a:ext uri="{FF2B5EF4-FFF2-40B4-BE49-F238E27FC236}">
-                <a16:creationId xmlns:a16="http://schemas.microsoft.com/office/drawing/2014/main" xmlns="" id="{0FDAD747-108F-4A6D-9220-5EA05067FF1E}"/>
+                <a16:creationId xmlns="" xmlns:a16="http://schemas.microsoft.com/office/drawing/2014/main" id="{0FDAD747-108F-4A6D-9220-5EA05067FF1E}"/>
               </a:ext>
             </a:extLst>
           </p:cNvPr>
@@ -21569,7 +21609,7 @@
           <p:cNvPr id="18" name="矩形 17">
             <a:extLst>
               <a:ext uri="{FF2B5EF4-FFF2-40B4-BE49-F238E27FC236}">
-                <a16:creationId xmlns:a16="http://schemas.microsoft.com/office/drawing/2014/main" xmlns="" id="{5CEC9FB1-9CBF-4B7B-A321-DF404030F08B}"/>
+                <a16:creationId xmlns="" xmlns:a16="http://schemas.microsoft.com/office/drawing/2014/main" id="{5CEC9FB1-9CBF-4B7B-A321-DF404030F08B}"/>
               </a:ext>
             </a:extLst>
           </p:cNvPr>
@@ -21655,7 +21695,7 @@
           <p:cNvPr id="19" name="直接箭头连接符 18">
             <a:extLst>
               <a:ext uri="{FF2B5EF4-FFF2-40B4-BE49-F238E27FC236}">
-                <a16:creationId xmlns:a16="http://schemas.microsoft.com/office/drawing/2014/main" xmlns="" id="{5A7FC920-9D22-4290-B80F-F4BDC1DE109A}"/>
+                <a16:creationId xmlns="" xmlns:a16="http://schemas.microsoft.com/office/drawing/2014/main" id="{5A7FC920-9D22-4290-B80F-F4BDC1DE109A}"/>
               </a:ext>
             </a:extLst>
           </p:cNvPr>
@@ -21688,7 +21728,7 @@
           <p:cNvPr id="20" name="矩形 19">
             <a:extLst>
               <a:ext uri="{FF2B5EF4-FFF2-40B4-BE49-F238E27FC236}">
-                <a16:creationId xmlns:a16="http://schemas.microsoft.com/office/drawing/2014/main" xmlns="" id="{45B27A13-37E3-4777-9299-E75CAF1F6F9A}"/>
+                <a16:creationId xmlns="" xmlns:a16="http://schemas.microsoft.com/office/drawing/2014/main" id="{45B27A13-37E3-4777-9299-E75CAF1F6F9A}"/>
               </a:ext>
             </a:extLst>
           </p:cNvPr>
@@ -21736,7 +21776,7 @@
           <p:cNvPr id="21" name="图片 20">
             <a:extLst>
               <a:ext uri="{FF2B5EF4-FFF2-40B4-BE49-F238E27FC236}">
-                <a16:creationId xmlns:a16="http://schemas.microsoft.com/office/drawing/2014/main" xmlns="" id="{36569B5B-566F-4C60-9D63-318931B70CA2}"/>
+                <a16:creationId xmlns="" xmlns:a16="http://schemas.microsoft.com/office/drawing/2014/main" id="{36569B5B-566F-4C60-9D63-318931B70CA2}"/>
               </a:ext>
             </a:extLst>
           </p:cNvPr>
@@ -21772,7 +21812,7 @@
           <p:cNvPr id="22" name="矩形 21">
             <a:extLst>
               <a:ext uri="{FF2B5EF4-FFF2-40B4-BE49-F238E27FC236}">
-                <a16:creationId xmlns:a16="http://schemas.microsoft.com/office/drawing/2014/main" xmlns="" id="{2A55BA5B-CE30-435B-95FB-B00B8161E590}"/>
+                <a16:creationId xmlns="" xmlns:a16="http://schemas.microsoft.com/office/drawing/2014/main" id="{2A55BA5B-CE30-435B-95FB-B00B8161E590}"/>
               </a:ext>
             </a:extLst>
           </p:cNvPr>
@@ -21830,7 +21870,7 @@
           <p:cNvPr id="23" name="矩形 22">
             <a:extLst>
               <a:ext uri="{FF2B5EF4-FFF2-40B4-BE49-F238E27FC236}">
-                <a16:creationId xmlns:a16="http://schemas.microsoft.com/office/drawing/2014/main" xmlns="" id="{C2B44424-4CFE-4BA2-9FCF-F0A911E8A749}"/>
+                <a16:creationId xmlns="" xmlns:a16="http://schemas.microsoft.com/office/drawing/2014/main" id="{C2B44424-4CFE-4BA2-9FCF-F0A911E8A749}"/>
               </a:ext>
             </a:extLst>
           </p:cNvPr>
@@ -21941,7 +21981,7 @@
           <p:cNvPr id="25" name="矩形 24">
             <a:extLst>
               <a:ext uri="{FF2B5EF4-FFF2-40B4-BE49-F238E27FC236}">
-                <a16:creationId xmlns:a16="http://schemas.microsoft.com/office/drawing/2014/main" xmlns="" id="{0FDAD747-108F-4A6D-9220-5EA05067FF1E}"/>
+                <a16:creationId xmlns="" xmlns:a16="http://schemas.microsoft.com/office/drawing/2014/main" id="{0FDAD747-108F-4A6D-9220-5EA05067FF1E}"/>
               </a:ext>
             </a:extLst>
           </p:cNvPr>
@@ -22092,7 +22132,7 @@
           <p:cNvPr id="30" name="矩形 29">
             <a:extLst>
               <a:ext uri="{FF2B5EF4-FFF2-40B4-BE49-F238E27FC236}">
-                <a16:creationId xmlns:a16="http://schemas.microsoft.com/office/drawing/2014/main" xmlns="" id="{2A55BA5B-CE30-435B-95FB-B00B8161E590}"/>
+                <a16:creationId xmlns="" xmlns:a16="http://schemas.microsoft.com/office/drawing/2014/main" id="{2A55BA5B-CE30-435B-95FB-B00B8161E590}"/>
               </a:ext>
             </a:extLst>
           </p:cNvPr>
@@ -22160,7 +22200,7 @@
           <p:cNvPr id="31" name="矩形 30">
             <a:extLst>
               <a:ext uri="{FF2B5EF4-FFF2-40B4-BE49-F238E27FC236}">
-                <a16:creationId xmlns:a16="http://schemas.microsoft.com/office/drawing/2014/main" xmlns="" id="{2A55BA5B-CE30-435B-95FB-B00B8161E590}"/>
+                <a16:creationId xmlns="" xmlns:a16="http://schemas.microsoft.com/office/drawing/2014/main" id="{2A55BA5B-CE30-435B-95FB-B00B8161E590}"/>
               </a:ext>
             </a:extLst>
           </p:cNvPr>
@@ -22268,7 +22308,7 @@
           <p:cNvPr id="33" name="矩形 13" descr="紫色网格">
             <a:extLst>
               <a:ext uri="{FF2B5EF4-FFF2-40B4-BE49-F238E27FC236}">
-                <a16:creationId xmlns:a16="http://schemas.microsoft.com/office/drawing/2014/main" xmlns="" id="{44AEA09D-FD0A-4CA0-883D-93E5EAF762D6}"/>
+                <a16:creationId xmlns="" xmlns:a16="http://schemas.microsoft.com/office/drawing/2014/main" id="{44AEA09D-FD0A-4CA0-883D-93E5EAF762D6}"/>
               </a:ext>
             </a:extLst>
           </p:cNvPr>
@@ -22598,7 +22638,7 @@
           <p:cNvPr id="12" name="矩形 11">
             <a:extLst>
               <a:ext uri="{FF2B5EF4-FFF2-40B4-BE49-F238E27FC236}">
-                <a16:creationId xmlns:a16="http://schemas.microsoft.com/office/drawing/2014/main" xmlns="" id="{0FDAD747-108F-4A6D-9220-5EA05067FF1E}"/>
+                <a16:creationId xmlns="" xmlns:a16="http://schemas.microsoft.com/office/drawing/2014/main" id="{0FDAD747-108F-4A6D-9220-5EA05067FF1E}"/>
               </a:ext>
             </a:extLst>
           </p:cNvPr>
@@ -22645,7 +22685,7 @@
           <p:cNvPr id="4" name="矩形 3">
             <a:extLst>
               <a:ext uri="{FF2B5EF4-FFF2-40B4-BE49-F238E27FC236}">
-                <a16:creationId xmlns:a16="http://schemas.microsoft.com/office/drawing/2014/main" xmlns="" id="{0FDAD747-108F-4A6D-9220-5EA05067FF1E}"/>
+                <a16:creationId xmlns="" xmlns:a16="http://schemas.microsoft.com/office/drawing/2014/main" id="{0FDAD747-108F-4A6D-9220-5EA05067FF1E}"/>
               </a:ext>
             </a:extLst>
           </p:cNvPr>
@@ -22794,7 +22834,7 @@
           <p:cNvPr id="6" name="矩形 5">
             <a:extLst>
               <a:ext uri="{FF2B5EF4-FFF2-40B4-BE49-F238E27FC236}">
-                <a16:creationId xmlns:a16="http://schemas.microsoft.com/office/drawing/2014/main" xmlns="" id="{AB1DF3D9-EC08-40CA-853D-48B16F99EE56}"/>
+                <a16:creationId xmlns="" xmlns:a16="http://schemas.microsoft.com/office/drawing/2014/main" id="{AB1DF3D9-EC08-40CA-853D-48B16F99EE56}"/>
               </a:ext>
             </a:extLst>
           </p:cNvPr>
@@ -22970,7 +23010,7 @@
           <p:cNvPr id="12" name="矩形 11">
             <a:extLst>
               <a:ext uri="{FF2B5EF4-FFF2-40B4-BE49-F238E27FC236}">
-                <a16:creationId xmlns:a16="http://schemas.microsoft.com/office/drawing/2014/main" xmlns="" id="{0FDAD747-108F-4A6D-9220-5EA05067FF1E}"/>
+                <a16:creationId xmlns="" xmlns:a16="http://schemas.microsoft.com/office/drawing/2014/main" id="{0FDAD747-108F-4A6D-9220-5EA05067FF1E}"/>
               </a:ext>
             </a:extLst>
           </p:cNvPr>
@@ -23017,7 +23057,7 @@
           <p:cNvPr id="4" name="矩形 3">
             <a:extLst>
               <a:ext uri="{FF2B5EF4-FFF2-40B4-BE49-F238E27FC236}">
-                <a16:creationId xmlns:a16="http://schemas.microsoft.com/office/drawing/2014/main" xmlns="" id="{0FDAD747-108F-4A6D-9220-5EA05067FF1E}"/>
+                <a16:creationId xmlns="" xmlns:a16="http://schemas.microsoft.com/office/drawing/2014/main" id="{0FDAD747-108F-4A6D-9220-5EA05067FF1E}"/>
               </a:ext>
             </a:extLst>
           </p:cNvPr>
@@ -23336,7 +23376,7 @@
           <p:cNvPr id="26" name="矩形 25" descr="紫色网格">
             <a:extLst>
               <a:ext uri="{FF2B5EF4-FFF2-40B4-BE49-F238E27FC236}">
-                <a16:creationId xmlns:a16="http://schemas.microsoft.com/office/drawing/2014/main" xmlns="" id="{44AEA09D-FD0A-4CA0-883D-93E5EAF762D6}"/>
+                <a16:creationId xmlns="" xmlns:a16="http://schemas.microsoft.com/office/drawing/2014/main" id="{44AEA09D-FD0A-4CA0-883D-93E5EAF762D6}"/>
               </a:ext>
             </a:extLst>
           </p:cNvPr>
@@ -23549,7 +23589,7 @@
           <p:cNvPr id="12" name="矩形 11">
             <a:extLst>
               <a:ext uri="{FF2B5EF4-FFF2-40B4-BE49-F238E27FC236}">
-                <a16:creationId xmlns:a16="http://schemas.microsoft.com/office/drawing/2014/main" xmlns="" id="{0FDAD747-108F-4A6D-9220-5EA05067FF1E}"/>
+                <a16:creationId xmlns="" xmlns:a16="http://schemas.microsoft.com/office/drawing/2014/main" id="{0FDAD747-108F-4A6D-9220-5EA05067FF1E}"/>
               </a:ext>
             </a:extLst>
           </p:cNvPr>
@@ -23609,7 +23649,7 @@
           <p:cNvPr id="11" name="矩形 10">
             <a:extLst>
               <a:ext uri="{FF2B5EF4-FFF2-40B4-BE49-F238E27FC236}">
-                <a16:creationId xmlns:a16="http://schemas.microsoft.com/office/drawing/2014/main" xmlns="" id="{C2B44424-4CFE-4BA2-9FCF-F0A911E8A749}"/>
+                <a16:creationId xmlns="" xmlns:a16="http://schemas.microsoft.com/office/drawing/2014/main" id="{C2B44424-4CFE-4BA2-9FCF-F0A911E8A749}"/>
               </a:ext>
             </a:extLst>
           </p:cNvPr>
@@ -23708,7 +23748,7 @@
           <p:cNvPr id="13" name="直接箭头连接符 12">
             <a:extLst>
               <a:ext uri="{FF2B5EF4-FFF2-40B4-BE49-F238E27FC236}">
-                <a16:creationId xmlns:a16="http://schemas.microsoft.com/office/drawing/2014/main" xmlns="" id="{EDD84E7C-3200-40E5-A3C0-E57D7F9E754E}"/>
+                <a16:creationId xmlns="" xmlns:a16="http://schemas.microsoft.com/office/drawing/2014/main" id="{EDD84E7C-3200-40E5-A3C0-E57D7F9E754E}"/>
               </a:ext>
             </a:extLst>
           </p:cNvPr>
@@ -23741,7 +23781,7 @@
           <p:cNvPr id="14" name="矩形 13">
             <a:extLst>
               <a:ext uri="{FF2B5EF4-FFF2-40B4-BE49-F238E27FC236}">
-                <a16:creationId xmlns:a16="http://schemas.microsoft.com/office/drawing/2014/main" xmlns="" id="{0FDAD747-108F-4A6D-9220-5EA05067FF1E}"/>
+                <a16:creationId xmlns="" xmlns:a16="http://schemas.microsoft.com/office/drawing/2014/main" id="{0FDAD747-108F-4A6D-9220-5EA05067FF1E}"/>
               </a:ext>
             </a:extLst>
           </p:cNvPr>
@@ -23829,7 +23869,7 @@
           <p:cNvPr id="15" name="矩形 14">
             <a:extLst>
               <a:ext uri="{FF2B5EF4-FFF2-40B4-BE49-F238E27FC236}">
-                <a16:creationId xmlns:a16="http://schemas.microsoft.com/office/drawing/2014/main" xmlns="" id="{5CEC9FB1-9CBF-4B7B-A321-DF404030F08B}"/>
+                <a16:creationId xmlns="" xmlns:a16="http://schemas.microsoft.com/office/drawing/2014/main" id="{5CEC9FB1-9CBF-4B7B-A321-DF404030F08B}"/>
               </a:ext>
             </a:extLst>
           </p:cNvPr>
@@ -23915,7 +23955,7 @@
           <p:cNvPr id="16" name="直接箭头连接符 15">
             <a:extLst>
               <a:ext uri="{FF2B5EF4-FFF2-40B4-BE49-F238E27FC236}">
-                <a16:creationId xmlns:a16="http://schemas.microsoft.com/office/drawing/2014/main" xmlns="" id="{5A7FC920-9D22-4290-B80F-F4BDC1DE109A}"/>
+                <a16:creationId xmlns="" xmlns:a16="http://schemas.microsoft.com/office/drawing/2014/main" id="{5A7FC920-9D22-4290-B80F-F4BDC1DE109A}"/>
               </a:ext>
             </a:extLst>
           </p:cNvPr>
@@ -23948,7 +23988,7 @@
           <p:cNvPr id="19" name="矩形 18">
             <a:extLst>
               <a:ext uri="{FF2B5EF4-FFF2-40B4-BE49-F238E27FC236}">
-                <a16:creationId xmlns:a16="http://schemas.microsoft.com/office/drawing/2014/main" xmlns="" id="{2A55BA5B-CE30-435B-95FB-B00B8161E590}"/>
+                <a16:creationId xmlns="" xmlns:a16="http://schemas.microsoft.com/office/drawing/2014/main" id="{2A55BA5B-CE30-435B-95FB-B00B8161E590}"/>
               </a:ext>
             </a:extLst>
           </p:cNvPr>
@@ -24006,7 +24046,7 @@
           <p:cNvPr id="23" name="矩形 22">
             <a:extLst>
               <a:ext uri="{FF2B5EF4-FFF2-40B4-BE49-F238E27FC236}">
-                <a16:creationId xmlns:a16="http://schemas.microsoft.com/office/drawing/2014/main" xmlns="" id="{C2B44424-4CFE-4BA2-9FCF-F0A911E8A749}"/>
+                <a16:creationId xmlns="" xmlns:a16="http://schemas.microsoft.com/office/drawing/2014/main" id="{C2B44424-4CFE-4BA2-9FCF-F0A911E8A749}"/>
               </a:ext>
             </a:extLst>
           </p:cNvPr>
@@ -24090,7 +24130,7 @@
           <p:cNvPr id="24" name="矩形 23">
             <a:extLst>
               <a:ext uri="{FF2B5EF4-FFF2-40B4-BE49-F238E27FC236}">
-                <a16:creationId xmlns:a16="http://schemas.microsoft.com/office/drawing/2014/main" xmlns="" id="{0FDAD747-108F-4A6D-9220-5EA05067FF1E}"/>
+                <a16:creationId xmlns="" xmlns:a16="http://schemas.microsoft.com/office/drawing/2014/main" id="{0FDAD747-108F-4A6D-9220-5EA05067FF1E}"/>
               </a:ext>
             </a:extLst>
           </p:cNvPr>
@@ -24198,7 +24238,7 @@
           <p:cNvPr id="25" name="矩形 24" descr="紫色网格">
             <a:extLst>
               <a:ext uri="{FF2B5EF4-FFF2-40B4-BE49-F238E27FC236}">
-                <a16:creationId xmlns:a16="http://schemas.microsoft.com/office/drawing/2014/main" xmlns="" id="{44AEA09D-FD0A-4CA0-883D-93E5EAF762D6}"/>
+                <a16:creationId xmlns="" xmlns:a16="http://schemas.microsoft.com/office/drawing/2014/main" id="{44AEA09D-FD0A-4CA0-883D-93E5EAF762D6}"/>
               </a:ext>
             </a:extLst>
           </p:cNvPr>
@@ -24362,7 +24402,7 @@
           <p:cNvPr id="27" name="矩形 26" descr="紫色网格">
             <a:extLst>
               <a:ext uri="{FF2B5EF4-FFF2-40B4-BE49-F238E27FC236}">
-                <a16:creationId xmlns:a16="http://schemas.microsoft.com/office/drawing/2014/main" xmlns="" id="{44AEA09D-FD0A-4CA0-883D-93E5EAF762D6}"/>
+                <a16:creationId xmlns="" xmlns:a16="http://schemas.microsoft.com/office/drawing/2014/main" id="{44AEA09D-FD0A-4CA0-883D-93E5EAF762D6}"/>
               </a:ext>
             </a:extLst>
           </p:cNvPr>
@@ -24571,7 +24611,7 @@
           <p:cNvPr id="28" name="矩形 27" descr="紫色网格">
             <a:extLst>
               <a:ext uri="{FF2B5EF4-FFF2-40B4-BE49-F238E27FC236}">
-                <a16:creationId xmlns:a16="http://schemas.microsoft.com/office/drawing/2014/main" xmlns="" id="{44AEA09D-FD0A-4CA0-883D-93E5EAF762D6}"/>
+                <a16:creationId xmlns="" xmlns:a16="http://schemas.microsoft.com/office/drawing/2014/main" id="{44AEA09D-FD0A-4CA0-883D-93E5EAF762D6}"/>
               </a:ext>
             </a:extLst>
           </p:cNvPr>
@@ -24746,7 +24786,7 @@
           <p:cNvPr id="29" name="矩形 28" descr="紫色网格">
             <a:extLst>
               <a:ext uri="{FF2B5EF4-FFF2-40B4-BE49-F238E27FC236}">
-                <a16:creationId xmlns:a16="http://schemas.microsoft.com/office/drawing/2014/main" xmlns="" id="{44AEA09D-FD0A-4CA0-883D-93E5EAF762D6}"/>
+                <a16:creationId xmlns="" xmlns:a16="http://schemas.microsoft.com/office/drawing/2014/main" id="{44AEA09D-FD0A-4CA0-883D-93E5EAF762D6}"/>
               </a:ext>
             </a:extLst>
           </p:cNvPr>
@@ -24971,7 +25011,7 @@
           <p:cNvPr id="30" name="矩形 29" descr="紫色网格">
             <a:extLst>
               <a:ext uri="{FF2B5EF4-FFF2-40B4-BE49-F238E27FC236}">
-                <a16:creationId xmlns:a16="http://schemas.microsoft.com/office/drawing/2014/main" xmlns="" id="{44AEA09D-FD0A-4CA0-883D-93E5EAF762D6}"/>
+                <a16:creationId xmlns="" xmlns:a16="http://schemas.microsoft.com/office/drawing/2014/main" id="{44AEA09D-FD0A-4CA0-883D-93E5EAF762D6}"/>
               </a:ext>
             </a:extLst>
           </p:cNvPr>
@@ -25172,7 +25212,7 @@
           <p:cNvPr id="12" name="矩形 11">
             <a:extLst>
               <a:ext uri="{FF2B5EF4-FFF2-40B4-BE49-F238E27FC236}">
-                <a16:creationId xmlns:a16="http://schemas.microsoft.com/office/drawing/2014/main" xmlns="" id="{0FDAD747-108F-4A6D-9220-5EA05067FF1E}"/>
+                <a16:creationId xmlns="" xmlns:a16="http://schemas.microsoft.com/office/drawing/2014/main" id="{0FDAD747-108F-4A6D-9220-5EA05067FF1E}"/>
               </a:ext>
             </a:extLst>
           </p:cNvPr>
@@ -25232,7 +25272,7 @@
           <p:cNvPr id="4" name="矩形 3">
             <a:extLst>
               <a:ext uri="{FF2B5EF4-FFF2-40B4-BE49-F238E27FC236}">
-                <a16:creationId xmlns:a16="http://schemas.microsoft.com/office/drawing/2014/main" xmlns="" id="{0FDAD747-108F-4A6D-9220-5EA05067FF1E}"/>
+                <a16:creationId xmlns="" xmlns:a16="http://schemas.microsoft.com/office/drawing/2014/main" id="{0FDAD747-108F-4A6D-9220-5EA05067FF1E}"/>
               </a:ext>
             </a:extLst>
           </p:cNvPr>
@@ -25476,7 +25516,7 @@
           <p:cNvPr id="5" name="矩形 4" descr="紫色网格">
             <a:extLst>
               <a:ext uri="{FF2B5EF4-FFF2-40B4-BE49-F238E27FC236}">
-                <a16:creationId xmlns:a16="http://schemas.microsoft.com/office/drawing/2014/main" xmlns="" id="{44AEA09D-FD0A-4CA0-883D-93E5EAF762D6}"/>
+                <a16:creationId xmlns="" xmlns:a16="http://schemas.microsoft.com/office/drawing/2014/main" id="{44AEA09D-FD0A-4CA0-883D-93E5EAF762D6}"/>
               </a:ext>
             </a:extLst>
           </p:cNvPr>
@@ -25769,7 +25809,7 @@
           <p:cNvPr id="6" name="矩形 5" descr="紫色网格">
             <a:extLst>
               <a:ext uri="{FF2B5EF4-FFF2-40B4-BE49-F238E27FC236}">
-                <a16:creationId xmlns:a16="http://schemas.microsoft.com/office/drawing/2014/main" xmlns="" id="{44AEA09D-FD0A-4CA0-883D-93E5EAF762D6}"/>
+                <a16:creationId xmlns="" xmlns:a16="http://schemas.microsoft.com/office/drawing/2014/main" id="{44AEA09D-FD0A-4CA0-883D-93E5EAF762D6}"/>
               </a:ext>
             </a:extLst>
           </p:cNvPr>
@@ -26070,7 +26110,7 @@
           <p:cNvPr id="7" name="矩形 6" descr="紫色网格">
             <a:extLst>
               <a:ext uri="{FF2B5EF4-FFF2-40B4-BE49-F238E27FC236}">
-                <a16:creationId xmlns:a16="http://schemas.microsoft.com/office/drawing/2014/main" xmlns="" id="{44AEA09D-FD0A-4CA0-883D-93E5EAF762D6}"/>
+                <a16:creationId xmlns="" xmlns:a16="http://schemas.microsoft.com/office/drawing/2014/main" id="{44AEA09D-FD0A-4CA0-883D-93E5EAF762D6}"/>
               </a:ext>
             </a:extLst>
           </p:cNvPr>
@@ -26280,7 +26320,7 @@
           <p:cNvPr id="8" name="矩形 7" descr="紫色网格">
             <a:extLst>
               <a:ext uri="{FF2B5EF4-FFF2-40B4-BE49-F238E27FC236}">
-                <a16:creationId xmlns:a16="http://schemas.microsoft.com/office/drawing/2014/main" xmlns="" id="{44AEA09D-FD0A-4CA0-883D-93E5EAF762D6}"/>
+                <a16:creationId xmlns="" xmlns:a16="http://schemas.microsoft.com/office/drawing/2014/main" id="{44AEA09D-FD0A-4CA0-883D-93E5EAF762D6}"/>
               </a:ext>
             </a:extLst>
           </p:cNvPr>
@@ -26479,7 +26519,7 @@
           <p:cNvPr id="9" name="矩形 8" descr="紫色网格">
             <a:extLst>
               <a:ext uri="{FF2B5EF4-FFF2-40B4-BE49-F238E27FC236}">
-                <a16:creationId xmlns:a16="http://schemas.microsoft.com/office/drawing/2014/main" xmlns="" id="{44AEA09D-FD0A-4CA0-883D-93E5EAF762D6}"/>
+                <a16:creationId xmlns="" xmlns:a16="http://schemas.microsoft.com/office/drawing/2014/main" id="{44AEA09D-FD0A-4CA0-883D-93E5EAF762D6}"/>
               </a:ext>
             </a:extLst>
           </p:cNvPr>
@@ -26715,7 +26755,7 @@
           <p:cNvPr id="12" name="矩形 11">
             <a:extLst>
               <a:ext uri="{FF2B5EF4-FFF2-40B4-BE49-F238E27FC236}">
-                <a16:creationId xmlns:a16="http://schemas.microsoft.com/office/drawing/2014/main" xmlns="" id="{0FDAD747-108F-4A6D-9220-5EA05067FF1E}"/>
+                <a16:creationId xmlns="" xmlns:a16="http://schemas.microsoft.com/office/drawing/2014/main" id="{0FDAD747-108F-4A6D-9220-5EA05067FF1E}"/>
               </a:ext>
             </a:extLst>
           </p:cNvPr>
@@ -26775,7 +26815,7 @@
           <p:cNvPr id="4" name="矩形 3">
             <a:extLst>
               <a:ext uri="{FF2B5EF4-FFF2-40B4-BE49-F238E27FC236}">
-                <a16:creationId xmlns:a16="http://schemas.microsoft.com/office/drawing/2014/main" xmlns="" id="{0FDAD747-108F-4A6D-9220-5EA05067FF1E}"/>
+                <a16:creationId xmlns="" xmlns:a16="http://schemas.microsoft.com/office/drawing/2014/main" id="{0FDAD747-108F-4A6D-9220-5EA05067FF1E}"/>
               </a:ext>
             </a:extLst>
           </p:cNvPr>
@@ -27146,7 +27186,7 @@
           <p:cNvPr id="12" name="矩形 11">
             <a:extLst>
               <a:ext uri="{FF2B5EF4-FFF2-40B4-BE49-F238E27FC236}">
-                <a16:creationId xmlns:a16="http://schemas.microsoft.com/office/drawing/2014/main" xmlns="" id="{0FDAD747-108F-4A6D-9220-5EA05067FF1E}"/>
+                <a16:creationId xmlns="" xmlns:a16="http://schemas.microsoft.com/office/drawing/2014/main" id="{0FDAD747-108F-4A6D-9220-5EA05067FF1E}"/>
               </a:ext>
             </a:extLst>
           </p:cNvPr>
@@ -27216,42 +27256,42 @@
                 <a:gridCol w="1879600">
                   <a:extLst>
                     <a:ext uri="{9D8B030D-6E8A-4147-A177-3AD203B41FA5}">
-                      <a16:colId xmlns:a16="http://schemas.microsoft.com/office/drawing/2014/main" xmlns="" val="20000"/>
+                      <a16:colId xmlns="" xmlns:a16="http://schemas.microsoft.com/office/drawing/2014/main" val="20000"/>
                     </a:ext>
                   </a:extLst>
                 </a:gridCol>
                 <a:gridCol w="1879600">
                   <a:extLst>
                     <a:ext uri="{9D8B030D-6E8A-4147-A177-3AD203B41FA5}">
-                      <a16:colId xmlns:a16="http://schemas.microsoft.com/office/drawing/2014/main" xmlns="" val="20001"/>
+                      <a16:colId xmlns="" xmlns:a16="http://schemas.microsoft.com/office/drawing/2014/main" val="20001"/>
                     </a:ext>
                   </a:extLst>
                 </a:gridCol>
                 <a:gridCol w="1879600">
                   <a:extLst>
                     <a:ext uri="{9D8B030D-6E8A-4147-A177-3AD203B41FA5}">
-                      <a16:colId xmlns:a16="http://schemas.microsoft.com/office/drawing/2014/main" xmlns="" val="20002"/>
+                      <a16:colId xmlns="" xmlns:a16="http://schemas.microsoft.com/office/drawing/2014/main" val="20002"/>
                     </a:ext>
                   </a:extLst>
                 </a:gridCol>
                 <a:gridCol w="1879600">
                   <a:extLst>
                     <a:ext uri="{9D8B030D-6E8A-4147-A177-3AD203B41FA5}">
-                      <a16:colId xmlns:a16="http://schemas.microsoft.com/office/drawing/2014/main" xmlns="" val="20003"/>
+                      <a16:colId xmlns="" xmlns:a16="http://schemas.microsoft.com/office/drawing/2014/main" val="20003"/>
                     </a:ext>
                   </a:extLst>
                 </a:gridCol>
                 <a:gridCol w="1879600">
                   <a:extLst>
                     <a:ext uri="{9D8B030D-6E8A-4147-A177-3AD203B41FA5}">
-                      <a16:colId xmlns:a16="http://schemas.microsoft.com/office/drawing/2014/main" xmlns="" val="20004"/>
+                      <a16:colId xmlns="" xmlns:a16="http://schemas.microsoft.com/office/drawing/2014/main" val="20004"/>
                     </a:ext>
                   </a:extLst>
                 </a:gridCol>
                 <a:gridCol w="1879600">
                   <a:extLst>
                     <a:ext uri="{9D8B030D-6E8A-4147-A177-3AD203B41FA5}">
-                      <a16:colId xmlns:a16="http://schemas.microsoft.com/office/drawing/2014/main" xmlns="" val="20005"/>
+                      <a16:colId xmlns="" xmlns:a16="http://schemas.microsoft.com/office/drawing/2014/main" val="20005"/>
                     </a:ext>
                   </a:extLst>
                 </a:gridCol>
@@ -27398,7 +27438,7 @@
                 </a:tc>
                 <a:extLst>
                   <a:ext uri="{0D108BD9-81ED-4DB2-BD59-A6C34878D82A}">
-                    <a16:rowId xmlns:a16="http://schemas.microsoft.com/office/drawing/2014/main" xmlns="" val="10000"/>
+                    <a16:rowId xmlns="" xmlns:a16="http://schemas.microsoft.com/office/drawing/2014/main" val="10000"/>
                   </a:ext>
                 </a:extLst>
               </a:tr>
@@ -27503,7 +27543,7 @@
                 </a:tc>
                 <a:extLst>
                   <a:ext uri="{0D108BD9-81ED-4DB2-BD59-A6C34878D82A}">
-                    <a16:rowId xmlns:a16="http://schemas.microsoft.com/office/drawing/2014/main" xmlns="" val="10001"/>
+                    <a16:rowId xmlns="" xmlns:a16="http://schemas.microsoft.com/office/drawing/2014/main" val="10001"/>
                   </a:ext>
                 </a:extLst>
               </a:tr>
@@ -27601,7 +27641,7 @@
                 </a:tc>
                 <a:extLst>
                   <a:ext uri="{0D108BD9-81ED-4DB2-BD59-A6C34878D82A}">
-                    <a16:rowId xmlns:a16="http://schemas.microsoft.com/office/drawing/2014/main" xmlns="" val="10002"/>
+                    <a16:rowId xmlns="" xmlns:a16="http://schemas.microsoft.com/office/drawing/2014/main" val="10002"/>
                   </a:ext>
                 </a:extLst>
               </a:tr>
@@ -27699,7 +27739,7 @@
                 </a:tc>
                 <a:extLst>
                   <a:ext uri="{0D108BD9-81ED-4DB2-BD59-A6C34878D82A}">
-                    <a16:rowId xmlns:a16="http://schemas.microsoft.com/office/drawing/2014/main" xmlns="" val="10003"/>
+                    <a16:rowId xmlns="" xmlns:a16="http://schemas.microsoft.com/office/drawing/2014/main" val="10003"/>
                   </a:ext>
                 </a:extLst>
               </a:tr>
@@ -27797,7 +27837,7 @@
                 </a:tc>
                 <a:extLst>
                   <a:ext uri="{0D108BD9-81ED-4DB2-BD59-A6C34878D82A}">
-                    <a16:rowId xmlns:a16="http://schemas.microsoft.com/office/drawing/2014/main" xmlns="" val="10004"/>
+                    <a16:rowId xmlns="" xmlns:a16="http://schemas.microsoft.com/office/drawing/2014/main" val="10004"/>
                   </a:ext>
                 </a:extLst>
               </a:tr>
@@ -27902,7 +27942,7 @@
                 </a:tc>
                 <a:extLst>
                   <a:ext uri="{0D108BD9-81ED-4DB2-BD59-A6C34878D82A}">
-                    <a16:rowId xmlns:a16="http://schemas.microsoft.com/office/drawing/2014/main" xmlns="" val="10005"/>
+                    <a16:rowId xmlns="" xmlns:a16="http://schemas.microsoft.com/office/drawing/2014/main" val="10005"/>
                   </a:ext>
                 </a:extLst>
               </a:tr>
@@ -28000,7 +28040,7 @@
                 </a:tc>
                 <a:extLst>
                   <a:ext uri="{0D108BD9-81ED-4DB2-BD59-A6C34878D82A}">
-                    <a16:rowId xmlns:a16="http://schemas.microsoft.com/office/drawing/2014/main" xmlns="" val="10006"/>
+                    <a16:rowId xmlns="" xmlns:a16="http://schemas.microsoft.com/office/drawing/2014/main" val="10006"/>
                   </a:ext>
                 </a:extLst>
               </a:tr>
@@ -28098,7 +28138,7 @@
                 </a:tc>
                 <a:extLst>
                   <a:ext uri="{0D108BD9-81ED-4DB2-BD59-A6C34878D82A}">
-                    <a16:rowId xmlns:a16="http://schemas.microsoft.com/office/drawing/2014/main" xmlns="" val="10007"/>
+                    <a16:rowId xmlns="" xmlns:a16="http://schemas.microsoft.com/office/drawing/2014/main" val="10007"/>
                   </a:ext>
                 </a:extLst>
               </a:tr>
@@ -28196,7 +28236,7 @@
                 </a:tc>
                 <a:extLst>
                   <a:ext uri="{0D108BD9-81ED-4DB2-BD59-A6C34878D82A}">
-                    <a16:rowId xmlns:a16="http://schemas.microsoft.com/office/drawing/2014/main" xmlns="" val="10008"/>
+                    <a16:rowId xmlns="" xmlns:a16="http://schemas.microsoft.com/office/drawing/2014/main" val="10008"/>
                   </a:ext>
                 </a:extLst>
               </a:tr>
@@ -28209,7 +28249,7 @@
           <p:cNvPr id="10" name="矩形 9" descr="紫色网格">
             <a:extLst>
               <a:ext uri="{FF2B5EF4-FFF2-40B4-BE49-F238E27FC236}">
-                <a16:creationId xmlns:a16="http://schemas.microsoft.com/office/drawing/2014/main" xmlns="" id="{44AEA09D-FD0A-4CA0-883D-93E5EAF762D6}"/>
+                <a16:creationId xmlns="" xmlns:a16="http://schemas.microsoft.com/office/drawing/2014/main" id="{44AEA09D-FD0A-4CA0-883D-93E5EAF762D6}"/>
               </a:ext>
             </a:extLst>
           </p:cNvPr>
@@ -28423,7 +28463,7 @@
           <p:cNvPr id="12" name="矩形 11">
             <a:extLst>
               <a:ext uri="{FF2B5EF4-FFF2-40B4-BE49-F238E27FC236}">
-                <a16:creationId xmlns:a16="http://schemas.microsoft.com/office/drawing/2014/main" xmlns="" id="{0FDAD747-108F-4A6D-9220-5EA05067FF1E}"/>
+                <a16:creationId xmlns="" xmlns:a16="http://schemas.microsoft.com/office/drawing/2014/main" id="{0FDAD747-108F-4A6D-9220-5EA05067FF1E}"/>
               </a:ext>
             </a:extLst>
           </p:cNvPr>
@@ -28490,7 +28530,7 @@
           <p:cNvPr id="4" name="矩形 3">
             <a:extLst>
               <a:ext uri="{FF2B5EF4-FFF2-40B4-BE49-F238E27FC236}">
-                <a16:creationId xmlns:a16="http://schemas.microsoft.com/office/drawing/2014/main" xmlns="" id="{0FDAD747-108F-4A6D-9220-5EA05067FF1E}"/>
+                <a16:creationId xmlns="" xmlns:a16="http://schemas.microsoft.com/office/drawing/2014/main" id="{0FDAD747-108F-4A6D-9220-5EA05067FF1E}"/>
               </a:ext>
             </a:extLst>
           </p:cNvPr>
@@ -28860,7 +28900,7 @@
           <p:cNvPr id="12" name="矩形 11">
             <a:extLst>
               <a:ext uri="{FF2B5EF4-FFF2-40B4-BE49-F238E27FC236}">
-                <a16:creationId xmlns:a16="http://schemas.microsoft.com/office/drawing/2014/main" xmlns="" id="{0FDAD747-108F-4A6D-9220-5EA05067FF1E}"/>
+                <a16:creationId xmlns="" xmlns:a16="http://schemas.microsoft.com/office/drawing/2014/main" id="{0FDAD747-108F-4A6D-9220-5EA05067FF1E}"/>
               </a:ext>
             </a:extLst>
           </p:cNvPr>
@@ -28939,7 +28979,7 @@
           <p:cNvPr id="14" name="矩形 13">
             <a:extLst>
               <a:ext uri="{FF2B5EF4-FFF2-40B4-BE49-F238E27FC236}">
-                <a16:creationId xmlns:a16="http://schemas.microsoft.com/office/drawing/2014/main" xmlns="" id="{C2B44424-4CFE-4BA2-9FCF-F0A911E8A749}"/>
+                <a16:creationId xmlns="" xmlns:a16="http://schemas.microsoft.com/office/drawing/2014/main" id="{C2B44424-4CFE-4BA2-9FCF-F0A911E8A749}"/>
               </a:ext>
             </a:extLst>
           </p:cNvPr>
@@ -29093,7 +29133,7 @@
           <p:cNvPr id="16" name="直接箭头连接符 15">
             <a:extLst>
               <a:ext uri="{FF2B5EF4-FFF2-40B4-BE49-F238E27FC236}">
-                <a16:creationId xmlns:a16="http://schemas.microsoft.com/office/drawing/2014/main" xmlns="" id="{EDD84E7C-3200-40E5-A3C0-E57D7F9E754E}"/>
+                <a16:creationId xmlns="" xmlns:a16="http://schemas.microsoft.com/office/drawing/2014/main" id="{EDD84E7C-3200-40E5-A3C0-E57D7F9E754E}"/>
               </a:ext>
             </a:extLst>
           </p:cNvPr>
@@ -29126,7 +29166,7 @@
           <p:cNvPr id="17" name="矩形 16">
             <a:extLst>
               <a:ext uri="{FF2B5EF4-FFF2-40B4-BE49-F238E27FC236}">
-                <a16:creationId xmlns:a16="http://schemas.microsoft.com/office/drawing/2014/main" xmlns="" id="{0FDAD747-108F-4A6D-9220-5EA05067FF1E}"/>
+                <a16:creationId xmlns="" xmlns:a16="http://schemas.microsoft.com/office/drawing/2014/main" id="{0FDAD747-108F-4A6D-9220-5EA05067FF1E}"/>
               </a:ext>
             </a:extLst>
           </p:cNvPr>
@@ -29173,7 +29213,7 @@
           <p:cNvPr id="18" name="矩形 17">
             <a:extLst>
               <a:ext uri="{FF2B5EF4-FFF2-40B4-BE49-F238E27FC236}">
-                <a16:creationId xmlns:a16="http://schemas.microsoft.com/office/drawing/2014/main" xmlns="" id="{5CEC9FB1-9CBF-4B7B-A321-DF404030F08B}"/>
+                <a16:creationId xmlns="" xmlns:a16="http://schemas.microsoft.com/office/drawing/2014/main" id="{5CEC9FB1-9CBF-4B7B-A321-DF404030F08B}"/>
               </a:ext>
             </a:extLst>
           </p:cNvPr>
@@ -29259,7 +29299,7 @@
           <p:cNvPr id="19" name="直接箭头连接符 18">
             <a:extLst>
               <a:ext uri="{FF2B5EF4-FFF2-40B4-BE49-F238E27FC236}">
-                <a16:creationId xmlns:a16="http://schemas.microsoft.com/office/drawing/2014/main" xmlns="" id="{5A7FC920-9D22-4290-B80F-F4BDC1DE109A}"/>
+                <a16:creationId xmlns="" xmlns:a16="http://schemas.microsoft.com/office/drawing/2014/main" id="{5A7FC920-9D22-4290-B80F-F4BDC1DE109A}"/>
               </a:ext>
             </a:extLst>
           </p:cNvPr>
@@ -29292,7 +29332,7 @@
           <p:cNvPr id="20" name="矩形 19">
             <a:extLst>
               <a:ext uri="{FF2B5EF4-FFF2-40B4-BE49-F238E27FC236}">
-                <a16:creationId xmlns:a16="http://schemas.microsoft.com/office/drawing/2014/main" xmlns="" id="{45B27A13-37E3-4777-9299-E75CAF1F6F9A}"/>
+                <a16:creationId xmlns="" xmlns:a16="http://schemas.microsoft.com/office/drawing/2014/main" id="{45B27A13-37E3-4777-9299-E75CAF1F6F9A}"/>
               </a:ext>
             </a:extLst>
           </p:cNvPr>
@@ -29340,7 +29380,7 @@
           <p:cNvPr id="21" name="图片 20">
             <a:extLst>
               <a:ext uri="{FF2B5EF4-FFF2-40B4-BE49-F238E27FC236}">
-                <a16:creationId xmlns:a16="http://schemas.microsoft.com/office/drawing/2014/main" xmlns="" id="{36569B5B-566F-4C60-9D63-318931B70CA2}"/>
+                <a16:creationId xmlns="" xmlns:a16="http://schemas.microsoft.com/office/drawing/2014/main" id="{36569B5B-566F-4C60-9D63-318931B70CA2}"/>
               </a:ext>
             </a:extLst>
           </p:cNvPr>
@@ -29376,7 +29416,7 @@
           <p:cNvPr id="22" name="矩形 21">
             <a:extLst>
               <a:ext uri="{FF2B5EF4-FFF2-40B4-BE49-F238E27FC236}">
-                <a16:creationId xmlns:a16="http://schemas.microsoft.com/office/drawing/2014/main" xmlns="" id="{2A55BA5B-CE30-435B-95FB-B00B8161E590}"/>
+                <a16:creationId xmlns="" xmlns:a16="http://schemas.microsoft.com/office/drawing/2014/main" id="{2A55BA5B-CE30-435B-95FB-B00B8161E590}"/>
               </a:ext>
             </a:extLst>
           </p:cNvPr>
@@ -29434,7 +29474,7 @@
           <p:cNvPr id="23" name="矩形 22">
             <a:extLst>
               <a:ext uri="{FF2B5EF4-FFF2-40B4-BE49-F238E27FC236}">
-                <a16:creationId xmlns:a16="http://schemas.microsoft.com/office/drawing/2014/main" xmlns="" id="{C2B44424-4CFE-4BA2-9FCF-F0A911E8A749}"/>
+                <a16:creationId xmlns="" xmlns:a16="http://schemas.microsoft.com/office/drawing/2014/main" id="{C2B44424-4CFE-4BA2-9FCF-F0A911E8A749}"/>
               </a:ext>
             </a:extLst>
           </p:cNvPr>
@@ -29545,7 +29585,7 @@
           <p:cNvPr id="25" name="矩形 24">
             <a:extLst>
               <a:ext uri="{FF2B5EF4-FFF2-40B4-BE49-F238E27FC236}">
-                <a16:creationId xmlns:a16="http://schemas.microsoft.com/office/drawing/2014/main" xmlns="" id="{0FDAD747-108F-4A6D-9220-5EA05067FF1E}"/>
+                <a16:creationId xmlns="" xmlns:a16="http://schemas.microsoft.com/office/drawing/2014/main" id="{0FDAD747-108F-4A6D-9220-5EA05067FF1E}"/>
               </a:ext>
             </a:extLst>
           </p:cNvPr>
@@ -29744,7 +29784,7 @@
           <p:cNvPr id="30" name="矩形 29">
             <a:extLst>
               <a:ext uri="{FF2B5EF4-FFF2-40B4-BE49-F238E27FC236}">
-                <a16:creationId xmlns:a16="http://schemas.microsoft.com/office/drawing/2014/main" xmlns="" id="{2A55BA5B-CE30-435B-95FB-B00B8161E590}"/>
+                <a16:creationId xmlns="" xmlns:a16="http://schemas.microsoft.com/office/drawing/2014/main" id="{2A55BA5B-CE30-435B-95FB-B00B8161E590}"/>
               </a:ext>
             </a:extLst>
           </p:cNvPr>
@@ -29812,7 +29852,7 @@
           <p:cNvPr id="27" name="矩形 26">
             <a:extLst>
               <a:ext uri="{FF2B5EF4-FFF2-40B4-BE49-F238E27FC236}">
-                <a16:creationId xmlns:a16="http://schemas.microsoft.com/office/drawing/2014/main" xmlns="" id="{0FDAD747-108F-4A6D-9220-5EA05067FF1E}"/>
+                <a16:creationId xmlns="" xmlns:a16="http://schemas.microsoft.com/office/drawing/2014/main" id="{0FDAD747-108F-4A6D-9220-5EA05067FF1E}"/>
               </a:ext>
             </a:extLst>
           </p:cNvPr>
@@ -29879,7 +29919,7 @@
           <p:cNvPr id="28" name="矩形 13" descr="紫色网格">
             <a:extLst>
               <a:ext uri="{FF2B5EF4-FFF2-40B4-BE49-F238E27FC236}">
-                <a16:creationId xmlns:a16="http://schemas.microsoft.com/office/drawing/2014/main" xmlns="" id="{44AEA09D-FD0A-4CA0-883D-93E5EAF762D6}"/>
+                <a16:creationId xmlns="" xmlns:a16="http://schemas.microsoft.com/office/drawing/2014/main" id="{44AEA09D-FD0A-4CA0-883D-93E5EAF762D6}"/>
               </a:ext>
             </a:extLst>
           </p:cNvPr>
@@ -30179,7 +30219,7 @@
           <p:cNvPr id="12" name="矩形 11">
             <a:extLst>
               <a:ext uri="{FF2B5EF4-FFF2-40B4-BE49-F238E27FC236}">
-                <a16:creationId xmlns:a16="http://schemas.microsoft.com/office/drawing/2014/main" xmlns="" id="{0FDAD747-108F-4A6D-9220-5EA05067FF1E}"/>
+                <a16:creationId xmlns="" xmlns:a16="http://schemas.microsoft.com/office/drawing/2014/main" id="{0FDAD747-108F-4A6D-9220-5EA05067FF1E}"/>
               </a:ext>
             </a:extLst>
           </p:cNvPr>
@@ -30246,7 +30286,7 @@
           <p:cNvPr id="4" name="矩形 3">
             <a:extLst>
               <a:ext uri="{FF2B5EF4-FFF2-40B4-BE49-F238E27FC236}">
-                <a16:creationId xmlns:a16="http://schemas.microsoft.com/office/drawing/2014/main" xmlns="" id="{0FDAD747-108F-4A6D-9220-5EA05067FF1E}"/>
+                <a16:creationId xmlns="" xmlns:a16="http://schemas.microsoft.com/office/drawing/2014/main" id="{0FDAD747-108F-4A6D-9220-5EA05067FF1E}"/>
               </a:ext>
             </a:extLst>
           </p:cNvPr>
@@ -30818,7 +30858,7 @@
           <p:cNvPr id="12" name="矩形 11">
             <a:extLst>
               <a:ext uri="{FF2B5EF4-FFF2-40B4-BE49-F238E27FC236}">
-                <a16:creationId xmlns:a16="http://schemas.microsoft.com/office/drawing/2014/main" xmlns="" id="{0FDAD747-108F-4A6D-9220-5EA05067FF1E}"/>
+                <a16:creationId xmlns="" xmlns:a16="http://schemas.microsoft.com/office/drawing/2014/main" id="{0FDAD747-108F-4A6D-9220-5EA05067FF1E}"/>
               </a:ext>
             </a:extLst>
           </p:cNvPr>
@@ -30865,7 +30905,7 @@
           <p:cNvPr id="4" name="矩形 3">
             <a:extLst>
               <a:ext uri="{FF2B5EF4-FFF2-40B4-BE49-F238E27FC236}">
-                <a16:creationId xmlns:a16="http://schemas.microsoft.com/office/drawing/2014/main" xmlns="" id="{0FDAD747-108F-4A6D-9220-5EA05067FF1E}"/>
+                <a16:creationId xmlns="" xmlns:a16="http://schemas.microsoft.com/office/drawing/2014/main" id="{0FDAD747-108F-4A6D-9220-5EA05067FF1E}"/>
               </a:ext>
             </a:extLst>
           </p:cNvPr>
@@ -31498,7 +31538,7 @@
           <p:cNvPr id="12" name="矩形 11">
             <a:extLst>
               <a:ext uri="{FF2B5EF4-FFF2-40B4-BE49-F238E27FC236}">
-                <a16:creationId xmlns:a16="http://schemas.microsoft.com/office/drawing/2014/main" xmlns="" id="{0FDAD747-108F-4A6D-9220-5EA05067FF1E}"/>
+                <a16:creationId xmlns="" xmlns:a16="http://schemas.microsoft.com/office/drawing/2014/main" id="{0FDAD747-108F-4A6D-9220-5EA05067FF1E}"/>
               </a:ext>
             </a:extLst>
           </p:cNvPr>
@@ -31545,7 +31585,7 @@
           <p:cNvPr id="4" name="矩形 3">
             <a:extLst>
               <a:ext uri="{FF2B5EF4-FFF2-40B4-BE49-F238E27FC236}">
-                <a16:creationId xmlns:a16="http://schemas.microsoft.com/office/drawing/2014/main" xmlns="" id="{0FDAD747-108F-4A6D-9220-5EA05067FF1E}"/>
+                <a16:creationId xmlns="" xmlns:a16="http://schemas.microsoft.com/office/drawing/2014/main" id="{0FDAD747-108F-4A6D-9220-5EA05067FF1E}"/>
               </a:ext>
             </a:extLst>
           </p:cNvPr>
@@ -31964,7 +32004,7 @@
           <p:cNvPr id="12" name="矩形 11">
             <a:extLst>
               <a:ext uri="{FF2B5EF4-FFF2-40B4-BE49-F238E27FC236}">
-                <a16:creationId xmlns:a16="http://schemas.microsoft.com/office/drawing/2014/main" xmlns="" id="{0FDAD747-108F-4A6D-9220-5EA05067FF1E}"/>
+                <a16:creationId xmlns="" xmlns:a16="http://schemas.microsoft.com/office/drawing/2014/main" id="{0FDAD747-108F-4A6D-9220-5EA05067FF1E}"/>
               </a:ext>
             </a:extLst>
           </p:cNvPr>
@@ -32011,7 +32051,7 @@
           <p:cNvPr id="4" name="矩形 3">
             <a:extLst>
               <a:ext uri="{FF2B5EF4-FFF2-40B4-BE49-F238E27FC236}">
-                <a16:creationId xmlns:a16="http://schemas.microsoft.com/office/drawing/2014/main" xmlns="" id="{0FDAD747-108F-4A6D-9220-5EA05067FF1E}"/>
+                <a16:creationId xmlns="" xmlns:a16="http://schemas.microsoft.com/office/drawing/2014/main" id="{0FDAD747-108F-4A6D-9220-5EA05067FF1E}"/>
               </a:ext>
             </a:extLst>
           </p:cNvPr>
@@ -32238,7 +32278,7 @@
           <p:cNvPr id="12" name="矩形 11">
             <a:extLst>
               <a:ext uri="{FF2B5EF4-FFF2-40B4-BE49-F238E27FC236}">
-                <a16:creationId xmlns:a16="http://schemas.microsoft.com/office/drawing/2014/main" xmlns="" id="{0FDAD747-108F-4A6D-9220-5EA05067FF1E}"/>
+                <a16:creationId xmlns="" xmlns:a16="http://schemas.microsoft.com/office/drawing/2014/main" id="{0FDAD747-108F-4A6D-9220-5EA05067FF1E}"/>
               </a:ext>
             </a:extLst>
           </p:cNvPr>
@@ -32309,7 +32349,7 @@
           <p:cNvPr id="5" name="矩形 4">
             <a:extLst>
               <a:ext uri="{FF2B5EF4-FFF2-40B4-BE49-F238E27FC236}">
-                <a16:creationId xmlns:a16="http://schemas.microsoft.com/office/drawing/2014/main" xmlns="" id="{0FDAD747-108F-4A6D-9220-5EA05067FF1E}"/>
+                <a16:creationId xmlns="" xmlns:a16="http://schemas.microsoft.com/office/drawing/2014/main" id="{0FDAD747-108F-4A6D-9220-5EA05067FF1E}"/>
               </a:ext>
             </a:extLst>
           </p:cNvPr>
@@ -32684,7 +32724,7 @@
           <p:cNvPr id="12" name="矩形 11">
             <a:extLst>
               <a:ext uri="{FF2B5EF4-FFF2-40B4-BE49-F238E27FC236}">
-                <a16:creationId xmlns:a16="http://schemas.microsoft.com/office/drawing/2014/main" xmlns="" id="{0FDAD747-108F-4A6D-9220-5EA05067FF1E}"/>
+                <a16:creationId xmlns="" xmlns:a16="http://schemas.microsoft.com/office/drawing/2014/main" id="{0FDAD747-108F-4A6D-9220-5EA05067FF1E}"/>
               </a:ext>
             </a:extLst>
           </p:cNvPr>
@@ -32731,7 +32771,7 @@
           <p:cNvPr id="4" name="矩形 3">
             <a:extLst>
               <a:ext uri="{FF2B5EF4-FFF2-40B4-BE49-F238E27FC236}">
-                <a16:creationId xmlns:a16="http://schemas.microsoft.com/office/drawing/2014/main" xmlns="" id="{0FDAD747-108F-4A6D-9220-5EA05067FF1E}"/>
+                <a16:creationId xmlns="" xmlns:a16="http://schemas.microsoft.com/office/drawing/2014/main" id="{0FDAD747-108F-4A6D-9220-5EA05067FF1E}"/>
               </a:ext>
             </a:extLst>
           </p:cNvPr>
@@ -32807,17 +32847,7 @@
                 <a:latin typeface="微软雅黑" panose="020B0503020204020204" pitchFamily="34" charset="-122"/>
                 <a:ea typeface="微软雅黑" panose="020B0503020204020204" pitchFamily="34" charset="-122"/>
               </a:rPr>
-              <a:t>慢或太快</a:t>
-            </a:r>
-            <a:r>
-              <a:rPr lang="zh-CN" altLang="en-US" sz="1600" b="1" dirty="0" smtClean="0">
-                <a:solidFill>
-                  <a:prstClr val="black"/>
-                </a:solidFill>
-                <a:latin typeface="微软雅黑" panose="020B0503020204020204" pitchFamily="34" charset="-122"/>
-                <a:ea typeface="微软雅黑" panose="020B0503020204020204" pitchFamily="34" charset="-122"/>
-              </a:rPr>
-              <a:t>容易识别不出来</a:t>
+              <a:t>慢或太快容易识别不出来</a:t>
             </a:r>
             <a:endParaRPr lang="en-US" altLang="zh-CN" sz="1600" b="1" dirty="0" smtClean="0">
               <a:solidFill>
@@ -33098,7 +33128,7 @@
           <p:cNvPr id="12" name="矩形 11">
             <a:extLst>
               <a:ext uri="{FF2B5EF4-FFF2-40B4-BE49-F238E27FC236}">
-                <a16:creationId xmlns:a16="http://schemas.microsoft.com/office/drawing/2014/main" xmlns="" id="{0FDAD747-108F-4A6D-9220-5EA05067FF1E}"/>
+                <a16:creationId xmlns="" xmlns:a16="http://schemas.microsoft.com/office/drawing/2014/main" id="{0FDAD747-108F-4A6D-9220-5EA05067FF1E}"/>
               </a:ext>
             </a:extLst>
           </p:cNvPr>
@@ -33145,7 +33175,7 @@
           <p:cNvPr id="4" name="矩形 3">
             <a:extLst>
               <a:ext uri="{FF2B5EF4-FFF2-40B4-BE49-F238E27FC236}">
-                <a16:creationId xmlns:a16="http://schemas.microsoft.com/office/drawing/2014/main" xmlns="" id="{0FDAD747-108F-4A6D-9220-5EA05067FF1E}"/>
+                <a16:creationId xmlns="" xmlns:a16="http://schemas.microsoft.com/office/drawing/2014/main" id="{0FDAD747-108F-4A6D-9220-5EA05067FF1E}"/>
               </a:ext>
             </a:extLst>
           </p:cNvPr>
@@ -33517,17 +33547,7 @@
                 <a:latin typeface="微软雅黑" panose="020B0503020204020204" pitchFamily="34" charset="-122"/>
                 <a:ea typeface="微软雅黑" panose="020B0503020204020204" pitchFamily="34" charset="-122"/>
               </a:rPr>
-              <a:t> </a:t>
-            </a:r>
-            <a:r>
-              <a:rPr lang="en-US" altLang="zh-CN" sz="1600" dirty="0" smtClean="0">
-                <a:solidFill>
-                  <a:prstClr val="black"/>
-                </a:solidFill>
-                <a:latin typeface="微软雅黑" panose="020B0503020204020204" pitchFamily="34" charset="-122"/>
-                <a:ea typeface="微软雅黑" panose="020B0503020204020204" pitchFamily="34" charset="-122"/>
-              </a:rPr>
-              <a:t>0.25:2.75:0.25</a:t>
+              <a:t> 0.25:2.75:0.25</a:t>
             </a:r>
             <a:r>
               <a:rPr lang="zh-CN" altLang="en-US" sz="1600" dirty="0" smtClean="0">
@@ -33653,7 +33673,7 @@
           <p:cNvPr id="12" name="矩形 11">
             <a:extLst>
               <a:ext uri="{FF2B5EF4-FFF2-40B4-BE49-F238E27FC236}">
-                <a16:creationId xmlns:a16="http://schemas.microsoft.com/office/drawing/2014/main" xmlns="" id="{0FDAD747-108F-4A6D-9220-5EA05067FF1E}"/>
+                <a16:creationId xmlns="" xmlns:a16="http://schemas.microsoft.com/office/drawing/2014/main" id="{0FDAD747-108F-4A6D-9220-5EA05067FF1E}"/>
               </a:ext>
             </a:extLst>
           </p:cNvPr>
@@ -33732,7 +33752,7 @@
           <p:cNvPr id="14" name="矩形 13">
             <a:extLst>
               <a:ext uri="{FF2B5EF4-FFF2-40B4-BE49-F238E27FC236}">
-                <a16:creationId xmlns:a16="http://schemas.microsoft.com/office/drawing/2014/main" xmlns="" id="{C2B44424-4CFE-4BA2-9FCF-F0A911E8A749}"/>
+                <a16:creationId xmlns="" xmlns:a16="http://schemas.microsoft.com/office/drawing/2014/main" id="{C2B44424-4CFE-4BA2-9FCF-F0A911E8A749}"/>
               </a:ext>
             </a:extLst>
           </p:cNvPr>
@@ -33886,7 +33906,7 @@
           <p:cNvPr id="16" name="直接箭头连接符 15">
             <a:extLst>
               <a:ext uri="{FF2B5EF4-FFF2-40B4-BE49-F238E27FC236}">
-                <a16:creationId xmlns:a16="http://schemas.microsoft.com/office/drawing/2014/main" xmlns="" id="{EDD84E7C-3200-40E5-A3C0-E57D7F9E754E}"/>
+                <a16:creationId xmlns="" xmlns:a16="http://schemas.microsoft.com/office/drawing/2014/main" id="{EDD84E7C-3200-40E5-A3C0-E57D7F9E754E}"/>
               </a:ext>
             </a:extLst>
           </p:cNvPr>
@@ -33919,7 +33939,7 @@
           <p:cNvPr id="17" name="矩形 16">
             <a:extLst>
               <a:ext uri="{FF2B5EF4-FFF2-40B4-BE49-F238E27FC236}">
-                <a16:creationId xmlns:a16="http://schemas.microsoft.com/office/drawing/2014/main" xmlns="" id="{0FDAD747-108F-4A6D-9220-5EA05067FF1E}"/>
+                <a16:creationId xmlns="" xmlns:a16="http://schemas.microsoft.com/office/drawing/2014/main" id="{0FDAD747-108F-4A6D-9220-5EA05067FF1E}"/>
               </a:ext>
             </a:extLst>
           </p:cNvPr>
@@ -33966,7 +33986,7 @@
           <p:cNvPr id="18" name="矩形 17">
             <a:extLst>
               <a:ext uri="{FF2B5EF4-FFF2-40B4-BE49-F238E27FC236}">
-                <a16:creationId xmlns:a16="http://schemas.microsoft.com/office/drawing/2014/main" xmlns="" id="{5CEC9FB1-9CBF-4B7B-A321-DF404030F08B}"/>
+                <a16:creationId xmlns="" xmlns:a16="http://schemas.microsoft.com/office/drawing/2014/main" id="{5CEC9FB1-9CBF-4B7B-A321-DF404030F08B}"/>
               </a:ext>
             </a:extLst>
           </p:cNvPr>
@@ -34052,7 +34072,7 @@
           <p:cNvPr id="19" name="直接箭头连接符 18">
             <a:extLst>
               <a:ext uri="{FF2B5EF4-FFF2-40B4-BE49-F238E27FC236}">
-                <a16:creationId xmlns:a16="http://schemas.microsoft.com/office/drawing/2014/main" xmlns="" id="{5A7FC920-9D22-4290-B80F-F4BDC1DE109A}"/>
+                <a16:creationId xmlns="" xmlns:a16="http://schemas.microsoft.com/office/drawing/2014/main" id="{5A7FC920-9D22-4290-B80F-F4BDC1DE109A}"/>
               </a:ext>
             </a:extLst>
           </p:cNvPr>
@@ -34085,7 +34105,7 @@
           <p:cNvPr id="20" name="矩形 19">
             <a:extLst>
               <a:ext uri="{FF2B5EF4-FFF2-40B4-BE49-F238E27FC236}">
-                <a16:creationId xmlns:a16="http://schemas.microsoft.com/office/drawing/2014/main" xmlns="" id="{45B27A13-37E3-4777-9299-E75CAF1F6F9A}"/>
+                <a16:creationId xmlns="" xmlns:a16="http://schemas.microsoft.com/office/drawing/2014/main" id="{45B27A13-37E3-4777-9299-E75CAF1F6F9A}"/>
               </a:ext>
             </a:extLst>
           </p:cNvPr>
@@ -34133,7 +34153,7 @@
           <p:cNvPr id="21" name="图片 20">
             <a:extLst>
               <a:ext uri="{FF2B5EF4-FFF2-40B4-BE49-F238E27FC236}">
-                <a16:creationId xmlns:a16="http://schemas.microsoft.com/office/drawing/2014/main" xmlns="" id="{36569B5B-566F-4C60-9D63-318931B70CA2}"/>
+                <a16:creationId xmlns="" xmlns:a16="http://schemas.microsoft.com/office/drawing/2014/main" id="{36569B5B-566F-4C60-9D63-318931B70CA2}"/>
               </a:ext>
             </a:extLst>
           </p:cNvPr>
@@ -34169,7 +34189,7 @@
           <p:cNvPr id="22" name="矩形 21">
             <a:extLst>
               <a:ext uri="{FF2B5EF4-FFF2-40B4-BE49-F238E27FC236}">
-                <a16:creationId xmlns:a16="http://schemas.microsoft.com/office/drawing/2014/main" xmlns="" id="{2A55BA5B-CE30-435B-95FB-B00B8161E590}"/>
+                <a16:creationId xmlns="" xmlns:a16="http://schemas.microsoft.com/office/drawing/2014/main" id="{2A55BA5B-CE30-435B-95FB-B00B8161E590}"/>
               </a:ext>
             </a:extLst>
           </p:cNvPr>
@@ -34227,7 +34247,7 @@
           <p:cNvPr id="23" name="矩形 22">
             <a:extLst>
               <a:ext uri="{FF2B5EF4-FFF2-40B4-BE49-F238E27FC236}">
-                <a16:creationId xmlns:a16="http://schemas.microsoft.com/office/drawing/2014/main" xmlns="" id="{C2B44424-4CFE-4BA2-9FCF-F0A911E8A749}"/>
+                <a16:creationId xmlns="" xmlns:a16="http://schemas.microsoft.com/office/drawing/2014/main" id="{C2B44424-4CFE-4BA2-9FCF-F0A911E8A749}"/>
               </a:ext>
             </a:extLst>
           </p:cNvPr>
@@ -34338,7 +34358,7 @@
           <p:cNvPr id="25" name="矩形 24">
             <a:extLst>
               <a:ext uri="{FF2B5EF4-FFF2-40B4-BE49-F238E27FC236}">
-                <a16:creationId xmlns:a16="http://schemas.microsoft.com/office/drawing/2014/main" xmlns="" id="{0FDAD747-108F-4A6D-9220-5EA05067FF1E}"/>
+                <a16:creationId xmlns="" xmlns:a16="http://schemas.microsoft.com/office/drawing/2014/main" id="{0FDAD747-108F-4A6D-9220-5EA05067FF1E}"/>
               </a:ext>
             </a:extLst>
           </p:cNvPr>
@@ -34537,7 +34557,7 @@
           <p:cNvPr id="30" name="矩形 29">
             <a:extLst>
               <a:ext uri="{FF2B5EF4-FFF2-40B4-BE49-F238E27FC236}">
-                <a16:creationId xmlns:a16="http://schemas.microsoft.com/office/drawing/2014/main" xmlns="" id="{2A55BA5B-CE30-435B-95FB-B00B8161E590}"/>
+                <a16:creationId xmlns="" xmlns:a16="http://schemas.microsoft.com/office/drawing/2014/main" id="{2A55BA5B-CE30-435B-95FB-B00B8161E590}"/>
               </a:ext>
             </a:extLst>
           </p:cNvPr>
@@ -34605,7 +34625,7 @@
           <p:cNvPr id="27" name="矩形 26">
             <a:extLst>
               <a:ext uri="{FF2B5EF4-FFF2-40B4-BE49-F238E27FC236}">
-                <a16:creationId xmlns:a16="http://schemas.microsoft.com/office/drawing/2014/main" xmlns="" id="{0FDAD747-108F-4A6D-9220-5EA05067FF1E}"/>
+                <a16:creationId xmlns="" xmlns:a16="http://schemas.microsoft.com/office/drawing/2014/main" id="{0FDAD747-108F-4A6D-9220-5EA05067FF1E}"/>
               </a:ext>
             </a:extLst>
           </p:cNvPr>
@@ -34672,7 +34692,7 @@
           <p:cNvPr id="28" name="矩形 13" descr="紫色网格">
             <a:extLst>
               <a:ext uri="{FF2B5EF4-FFF2-40B4-BE49-F238E27FC236}">
-                <a16:creationId xmlns:a16="http://schemas.microsoft.com/office/drawing/2014/main" xmlns="" id="{44AEA09D-FD0A-4CA0-883D-93E5EAF762D6}"/>
+                <a16:creationId xmlns="" xmlns:a16="http://schemas.microsoft.com/office/drawing/2014/main" id="{44AEA09D-FD0A-4CA0-883D-93E5EAF762D6}"/>
               </a:ext>
             </a:extLst>
           </p:cNvPr>
@@ -34982,7 +35002,7 @@
           <p:cNvPr id="12" name="矩形 11">
             <a:extLst>
               <a:ext uri="{FF2B5EF4-FFF2-40B4-BE49-F238E27FC236}">
-                <a16:creationId xmlns:a16="http://schemas.microsoft.com/office/drawing/2014/main" xmlns="" id="{0FDAD747-108F-4A6D-9220-5EA05067FF1E}"/>
+                <a16:creationId xmlns="" xmlns:a16="http://schemas.microsoft.com/office/drawing/2014/main" id="{0FDAD747-108F-4A6D-9220-5EA05067FF1E}"/>
               </a:ext>
             </a:extLst>
           </p:cNvPr>
@@ -35029,7 +35049,7 @@
           <p:cNvPr id="4" name="矩形 3">
             <a:extLst>
               <a:ext uri="{FF2B5EF4-FFF2-40B4-BE49-F238E27FC236}">
-                <a16:creationId xmlns:a16="http://schemas.microsoft.com/office/drawing/2014/main" xmlns="" id="{0FDAD747-108F-4A6D-9220-5EA05067FF1E}"/>
+                <a16:creationId xmlns="" xmlns:a16="http://schemas.microsoft.com/office/drawing/2014/main" id="{0FDAD747-108F-4A6D-9220-5EA05067FF1E}"/>
               </a:ext>
             </a:extLst>
           </p:cNvPr>
@@ -35066,17 +35086,7 @@
                 <a:latin typeface="微软雅黑" panose="020B0503020204020204" pitchFamily="34" charset="-122"/>
                 <a:ea typeface="微软雅黑" panose="020B0503020204020204" pitchFamily="34" charset="-122"/>
               </a:rPr>
-              <a:t>量化实验（代码加输出</a:t>
-            </a:r>
-            <a:r>
-              <a:rPr lang="zh-CN" altLang="en-US" sz="1600" b="1" dirty="0" smtClean="0">
-                <a:solidFill>
-                  <a:prstClr val="black"/>
-                </a:solidFill>
-                <a:latin typeface="微软雅黑" panose="020B0503020204020204" pitchFamily="34" charset="-122"/>
-                <a:ea typeface="微软雅黑" panose="020B0503020204020204" pitchFamily="34" charset="-122"/>
-              </a:rPr>
-              <a:t>）：</a:t>
+              <a:t>量化实验（代码加输出）：</a:t>
             </a:r>
             <a:r>
               <a:rPr lang="en-US" altLang="zh-CN" sz="1600" dirty="0" smtClean="0">
@@ -35332,7 +35342,7 @@
           <p:cNvPr id="7" name="矩形 6">
             <a:extLst>
               <a:ext uri="{FF2B5EF4-FFF2-40B4-BE49-F238E27FC236}">
-                <a16:creationId xmlns:a16="http://schemas.microsoft.com/office/drawing/2014/main" xmlns="" id="{0FDAD747-108F-4A6D-9220-5EA05067FF1E}"/>
+                <a16:creationId xmlns="" xmlns:a16="http://schemas.microsoft.com/office/drawing/2014/main" id="{0FDAD747-108F-4A6D-9220-5EA05067FF1E}"/>
               </a:ext>
             </a:extLst>
           </p:cNvPr>
@@ -35478,7 +35488,7 @@
           <p:cNvPr id="8" name="矩形 13" descr="紫色网格">
             <a:extLst>
               <a:ext uri="{FF2B5EF4-FFF2-40B4-BE49-F238E27FC236}">
-                <a16:creationId xmlns:a16="http://schemas.microsoft.com/office/drawing/2014/main" xmlns="" id="{44AEA09D-FD0A-4CA0-883D-93E5EAF762D6}"/>
+                <a16:creationId xmlns="" xmlns:a16="http://schemas.microsoft.com/office/drawing/2014/main" id="{44AEA09D-FD0A-4CA0-883D-93E5EAF762D6}"/>
               </a:ext>
             </a:extLst>
           </p:cNvPr>
@@ -35767,7 +35777,7 @@
           <p:cNvPr id="9" name="矩形 8">
             <a:extLst>
               <a:ext uri="{FF2B5EF4-FFF2-40B4-BE49-F238E27FC236}">
-                <a16:creationId xmlns:a16="http://schemas.microsoft.com/office/drawing/2014/main" xmlns="" id="{0FDAD747-108F-4A6D-9220-5EA05067FF1E}"/>
+                <a16:creationId xmlns="" xmlns:a16="http://schemas.microsoft.com/office/drawing/2014/main" id="{0FDAD747-108F-4A6D-9220-5EA05067FF1E}"/>
               </a:ext>
             </a:extLst>
           </p:cNvPr>
@@ -35877,7 +35887,7 @@
           <p:cNvPr id="9" name="矩形 8">
             <a:extLst>
               <a:ext uri="{FF2B5EF4-FFF2-40B4-BE49-F238E27FC236}">
-                <a16:creationId xmlns:a16="http://schemas.microsoft.com/office/drawing/2014/main" xmlns="" id="{AB1DF3D9-EC08-40CA-853D-48B16F99EE56}"/>
+                <a16:creationId xmlns="" xmlns:a16="http://schemas.microsoft.com/office/drawing/2014/main" id="{AB1DF3D9-EC08-40CA-853D-48B16F99EE56}"/>
               </a:ext>
             </a:extLst>
           </p:cNvPr>
@@ -36068,7 +36078,7 @@
           <p:cNvPr id="8" name="矩形 7">
             <a:extLst>
               <a:ext uri="{FF2B5EF4-FFF2-40B4-BE49-F238E27FC236}">
-                <a16:creationId xmlns:a16="http://schemas.microsoft.com/office/drawing/2014/main" xmlns="" id="{0FDAD747-108F-4A6D-9220-5EA05067FF1E}"/>
+                <a16:creationId xmlns="" xmlns:a16="http://schemas.microsoft.com/office/drawing/2014/main" id="{0FDAD747-108F-4A6D-9220-5EA05067FF1E}"/>
               </a:ext>
             </a:extLst>
           </p:cNvPr>
